--- a/Grupo3_Evidencia1/Grupo3_Evidencia1.pptx
+++ b/Grupo3_Evidencia1/Grupo3_Evidencia1.pptx
@@ -8018,12 +8018,28 @@
         </p:nvSpPr>
         <p:spPr/>
         <p:txBody>
-          <a:bodyPr/>
+          <a:bodyPr>
+            <a:normAutofit/>
+          </a:bodyPr>
           <a:lstStyle/>
           <a:p>
+            <a:pPr rtl="0">
+              <a:spcBef>
+                <a:spcPts val="0"/>
+              </a:spcBef>
+              <a:spcAft>
+                <a:spcPts val="0"/>
+              </a:spcAft>
+            </a:pPr>
             <a:r>
-              <a:rPr lang="es-MX" dirty="0"/>
-              <a:t>GITHUB DEL PROYECTO</a:t>
+              <a:rPr lang="es-PE" b="0" i="0" u="none" strike="noStrike" dirty="0">
+                <a:solidFill>
+                  <a:srgbClr val="FFFFFF"/>
+                </a:solidFill>
+                <a:effectLst/>
+                <a:latin typeface="Merriweather" panose="020B0604020202020204" charset="0"/>
+              </a:rPr>
+              <a:t>EVIDENCIAS:</a:t>
             </a:r>
             <a:endParaRPr lang="es-PE" dirty="0"/>
           </a:p>
@@ -8047,13 +8063,127 @@
         </p:nvSpPr>
         <p:spPr/>
         <p:txBody>
-          <a:bodyPr/>
+          <a:bodyPr>
+            <a:normAutofit fontScale="92500"/>
+          </a:bodyPr>
           <a:lstStyle/>
           <a:p>
+            <a:pPr rtl="0" fontAlgn="base">
+              <a:spcBef>
+                <a:spcPts val="0"/>
+              </a:spcBef>
+              <a:spcAft>
+                <a:spcPts val="0"/>
+              </a:spcAft>
+              <a:buFont typeface="+mj-lt"/>
+              <a:buAutoNum type="arabicPeriod"/>
+            </a:pPr>
             <a:r>
-              <a:rPr lang="es-PE" dirty="0"/>
+              <a:rPr lang="es-MX" sz="1800" b="0" i="0" u="none" strike="noStrike" dirty="0">
+                <a:solidFill>
+                  <a:srgbClr val="000000"/>
+                </a:solidFill>
+                <a:effectLst/>
+                <a:latin typeface="Arial" panose="020B0604020202020204" pitchFamily="34" charset="0"/>
+              </a:rPr>
+              <a:t>BASE DE DATOS: </a:t>
+            </a:r>
+            <a:r>
+              <a:rPr lang="es-MX" sz="1800" b="0" i="0" u="sng" strike="noStrike" dirty="0">
+                <a:solidFill>
+                  <a:srgbClr val="009384"/>
+                </a:solidFill>
+                <a:effectLst/>
+                <a:latin typeface="Arial" panose="020B0604020202020204" pitchFamily="34" charset="0"/>
+                <a:hlinkClick r:id="rId2"/>
+              </a:rPr>
+              <a:t>https://www.datosabiertos.gob.pe/dataset/pruebas-moleculares-para-covid-19-2021-instituto-nacional-de-salud/resource/a49b2d77-6c37</a:t>
+            </a:r>
+            <a:endParaRPr lang="es-MX" sz="1800" b="0" i="0" u="none" strike="noStrike" dirty="0">
+              <a:solidFill>
+                <a:srgbClr val="000000"/>
+              </a:solidFill>
+              <a:effectLst/>
+              <a:latin typeface="Arial" panose="020B0604020202020204" pitchFamily="34" charset="0"/>
+            </a:endParaRPr>
+          </a:p>
+          <a:p>
+            <a:pPr rtl="0" fontAlgn="base">
+              <a:spcBef>
+                <a:spcPts val="0"/>
+              </a:spcBef>
+              <a:spcAft>
+                <a:spcPts val="0"/>
+              </a:spcAft>
+              <a:buFont typeface="+mj-lt"/>
+              <a:buAutoNum type="arabicPeriod"/>
+            </a:pPr>
+            <a:r>
+              <a:rPr lang="es-MX" sz="1800" b="0" i="0" u="none" strike="noStrike" dirty="0">
+                <a:solidFill>
+                  <a:srgbClr val="000000"/>
+                </a:solidFill>
+                <a:effectLst/>
+                <a:latin typeface="Arial" panose="020B0604020202020204" pitchFamily="34" charset="0"/>
+              </a:rPr>
+              <a:t>GITHUB: </a:t>
+            </a:r>
+            <a:r>
+              <a:rPr lang="es-MX" sz="1800" b="0" i="0" u="none" strike="noStrike" dirty="0">
+                <a:solidFill>
+                  <a:srgbClr val="666666"/>
+                </a:solidFill>
+                <a:effectLst/>
+                <a:latin typeface="Roboto" panose="02000000000000000000" pitchFamily="2" charset="0"/>
+              </a:rPr>
               <a:t>https://github.com/Andre-CruzGonzales/proyecto_matematica_aplicada_des_sop_sis.git</a:t>
             </a:r>
+            <a:endParaRPr lang="es-MX" sz="1800" b="0" i="0" u="none" strike="noStrike" dirty="0">
+              <a:solidFill>
+                <a:srgbClr val="000000"/>
+              </a:solidFill>
+              <a:effectLst/>
+              <a:latin typeface="Arial" panose="020B0604020202020204" pitchFamily="34" charset="0"/>
+            </a:endParaRPr>
+          </a:p>
+          <a:p>
+            <a:pPr rtl="0" fontAlgn="base">
+              <a:spcBef>
+                <a:spcPts val="0"/>
+              </a:spcBef>
+              <a:spcAft>
+                <a:spcPts val="0"/>
+              </a:spcAft>
+              <a:buFont typeface="+mj-lt"/>
+              <a:buAutoNum type="arabicPeriod"/>
+            </a:pPr>
+            <a:r>
+              <a:rPr lang="es-MX" sz="1800" b="0" i="0" u="none" strike="noStrike">
+                <a:solidFill>
+                  <a:srgbClr val="000000"/>
+                </a:solidFill>
+                <a:effectLst/>
+                <a:latin typeface="Arial" panose="020B0604020202020204" pitchFamily="34" charset="0"/>
+              </a:rPr>
+              <a:t>DRIVE: </a:t>
+            </a:r>
+            <a:r>
+              <a:rPr lang="es-MX" sz="1800" b="0" i="0" u="none" strike="noStrike">
+                <a:solidFill>
+                  <a:srgbClr val="666666"/>
+                </a:solidFill>
+                <a:effectLst/>
+                <a:latin typeface="Roboto" panose="02000000000000000000" pitchFamily="2" charset="0"/>
+              </a:rPr>
+              <a:t>https://drive.google.com/drive/folders/1DQNIwWCG-Bc_2aYm24AayD5xiFg6KRoT?usp=sharing</a:t>
+            </a:r>
+            <a:endParaRPr lang="es-MX" sz="1800" b="0" i="0" u="none" strike="noStrike">
+              <a:solidFill>
+                <a:srgbClr val="000000"/>
+              </a:solidFill>
+              <a:effectLst/>
+              <a:latin typeface="Arial" panose="020B0604020202020204" pitchFamily="34" charset="0"/>
+            </a:endParaRPr>
           </a:p>
         </p:txBody>
       </p:sp>

--- a/Grupo3_Evidencia1/Grupo3_Evidencia1.pptx
+++ b/Grupo3_Evidencia1/Grupo3_Evidencia1.pptx
@@ -755,8 +755,8 @@
         </p:nvSpPr>
         <p:spPr>
           <a:xfrm>
-            <a:off x="381300" y="685800"/>
-            <a:ext cx="6096075" cy="3429000"/>
+            <a:off x="381000" y="685800"/>
+            <a:ext cx="6096000" cy="3429000"/>
           </a:xfrm>
           <a:custGeom>
             <a:avLst/>
@@ -7900,10 +7900,60 @@
               <a:buNone/>
             </a:pPr>
             <a:r>
-              <a:rPr lang="es"/>
+              <a:rPr lang="es" dirty="0"/>
               <a:t>Integrantes:</a:t>
             </a:r>
-            <a:endParaRPr/>
+            <a:endParaRPr dirty="0"/>
+          </a:p>
+          <a:p>
+            <a:pPr marL="457200" lvl="0" indent="-330200" algn="l" rtl="0">
+              <a:spcBef>
+                <a:spcPts val="0"/>
+              </a:spcBef>
+              <a:spcAft>
+                <a:spcPts val="0"/>
+              </a:spcAft>
+              <a:buSzPts val="1600"/>
+              <a:buChar char="-"/>
+            </a:pPr>
+            <a:r>
+              <a:rPr lang="es" dirty="0"/>
+              <a:t>Aranda Rejas Jean Pierre</a:t>
+            </a:r>
+            <a:endParaRPr dirty="0"/>
+          </a:p>
+          <a:p>
+            <a:pPr marL="457200" lvl="0" indent="-330200" algn="l" rtl="0">
+              <a:spcBef>
+                <a:spcPts val="0"/>
+              </a:spcBef>
+              <a:spcAft>
+                <a:spcPts val="0"/>
+              </a:spcAft>
+              <a:buSzPts val="1600"/>
+              <a:buChar char="-"/>
+            </a:pPr>
+            <a:r>
+              <a:rPr lang="es" dirty="0"/>
+              <a:t>Cruz Gonzales Andre</a:t>
+            </a:r>
+            <a:endParaRPr dirty="0"/>
+          </a:p>
+          <a:p>
+            <a:pPr marL="457200" lvl="0" indent="-330200" algn="l" rtl="0">
+              <a:spcBef>
+                <a:spcPts val="0"/>
+              </a:spcBef>
+              <a:spcAft>
+                <a:spcPts val="0"/>
+              </a:spcAft>
+              <a:buSzPts val="1600"/>
+              <a:buChar char="-"/>
+            </a:pPr>
+            <a:r>
+              <a:rPr lang="es" dirty="0"/>
+              <a:t>Obregon Gutierrez Adso</a:t>
+            </a:r>
           </a:p>
           <a:p>
             <a:pPr marL="457200" lvl="0" indent="-330200" algn="l" rtl="0">
@@ -7918,9 +7968,9 @@
             </a:pPr>
             <a:r>
               <a:rPr lang="es"/>
-              <a:t>Aranda Rejas Jean Pierre</a:t>
+              <a:t>Ocampo Huayta Cesar</a:t>
             </a:r>
-            <a:endParaRPr/>
+            <a:endParaRPr dirty="0"/>
           </a:p>
           <a:p>
             <a:pPr marL="457200" lvl="0" indent="-330200" algn="l" rtl="0">
@@ -7934,44 +7984,10 @@
               <a:buChar char="-"/>
             </a:pPr>
             <a:r>
-              <a:rPr lang="es"/>
-              <a:t>Cruz Gonzales Andre</a:t>
-            </a:r>
-            <a:endParaRPr/>
-          </a:p>
-          <a:p>
-            <a:pPr marL="457200" lvl="0" indent="-330200" algn="l" rtl="0">
-              <a:spcBef>
-                <a:spcPts val="0"/>
-              </a:spcBef>
-              <a:spcAft>
-                <a:spcPts val="0"/>
-              </a:spcAft>
-              <a:buSzPts val="1600"/>
-              <a:buChar char="-"/>
-            </a:pPr>
-            <a:r>
-              <a:rPr lang="es"/>
-              <a:t>Obregon Gutierrez Adso</a:t>
-            </a:r>
-            <a:endParaRPr/>
-          </a:p>
-          <a:p>
-            <a:pPr marL="457200" lvl="0" indent="-330200" algn="l" rtl="0">
-              <a:spcBef>
-                <a:spcPts val="0"/>
-              </a:spcBef>
-              <a:spcAft>
-                <a:spcPts val="0"/>
-              </a:spcAft>
-              <a:buSzPts val="1600"/>
-              <a:buChar char="-"/>
-            </a:pPr>
-            <a:r>
-              <a:rPr lang="es"/>
+              <a:rPr lang="es" dirty="0"/>
               <a:t>Paredes Velazco Nataly</a:t>
             </a:r>
-            <a:endParaRPr/>
+            <a:endParaRPr dirty="0"/>
           </a:p>
         </p:txBody>
       </p:sp>

--- a/Grupo3_Evidencia1/Grupo3_Evidencia1.pptx
+++ b/Grupo3_Evidencia1/Grupo3_Evidencia1.pptx
@@ -1,44 +1,47 @@
 
 <file path=ppt/presentation.xml><?xml version="1.0" encoding="utf-8"?>
-<p:presentation xmlns:a="http://schemas.openxmlformats.org/drawingml/2006/main" xmlns:r="http://schemas.openxmlformats.org/officeDocument/2006/relationships" xmlns:p="http://schemas.openxmlformats.org/presentationml/2006/main" strictFirstAndLastChars="0" embedTrueTypeFonts="1" saveSubsetFonts="1" autoCompressPictures="0">
+<p:presentation xmlns:a="http://schemas.openxmlformats.org/drawingml/2006/main" xmlns:r="http://schemas.openxmlformats.org/officeDocument/2006/relationships" xmlns:mc="http://schemas.openxmlformats.org/markup-compatibility/2006" xmlns:mv="urn:schemas-microsoft-com:mac:vml" xmlns:p="http://schemas.openxmlformats.org/presentationml/2006/main" xmlns:c="http://schemas.openxmlformats.org/drawingml/2006/chart" xmlns:dgm="http://schemas.openxmlformats.org/drawingml/2006/diagram" xmlns:o="urn:schemas-microsoft-com:office:office" xmlns:v="urn:schemas-microsoft-com:vml" xmlns:pvml="urn:schemas-microsoft-com:office:powerpoint" xmlns:com="http://schemas.openxmlformats.org/drawingml/2006/compatibility" xmlns:p14="http://schemas.microsoft.com/office/powerpoint/2010/main" xmlns:p15="http://schemas.microsoft.com/office/powerpoint/2012/main" xmlns:ahyp="http://schemas.microsoft.com/office/drawing/2018/hyperlinkcolor" autoCompressPictures="0" embedTrueTypeFonts="1" strictFirstAndLastChars="0" saveSubsetFonts="1">
   <p:sldMasterIdLst>
-    <p:sldMasterId id="2147483659" r:id="rId1"/>
+    <p:sldMasterId id="2147483659" r:id="rId4"/>
   </p:sldMasterIdLst>
   <p:notesMasterIdLst>
-    <p:notesMasterId r:id="rId12"/>
+    <p:notesMasterId r:id="rId5"/>
   </p:notesMasterIdLst>
   <p:sldIdLst>
-    <p:sldId id="256" r:id="rId2"/>
-    <p:sldId id="257" r:id="rId3"/>
-    <p:sldId id="258" r:id="rId4"/>
-    <p:sldId id="259" r:id="rId5"/>
-    <p:sldId id="260" r:id="rId6"/>
-    <p:sldId id="261" r:id="rId7"/>
-    <p:sldId id="262" r:id="rId8"/>
-    <p:sldId id="263" r:id="rId9"/>
-    <p:sldId id="264" r:id="rId10"/>
-    <p:sldId id="265" r:id="rId11"/>
+    <p:sldId id="256" r:id="rId6"/>
+    <p:sldId id="257" r:id="rId7"/>
+    <p:sldId id="258" r:id="rId8"/>
+    <p:sldId id="259" r:id="rId9"/>
+    <p:sldId id="260" r:id="rId10"/>
+    <p:sldId id="261" r:id="rId11"/>
+    <p:sldId id="262" r:id="rId12"/>
+    <p:sldId id="263" r:id="rId13"/>
+    <p:sldId id="264" r:id="rId14"/>
+    <p:sldId id="265" r:id="rId15"/>
+    <p:sldId id="266" r:id="rId16"/>
+    <p:sldId id="267" r:id="rId17"/>
+    <p:sldId id="268" r:id="rId18"/>
   </p:sldIdLst>
-  <p:sldSz cx="9144000" cy="5143500" type="screen16x9"/>
+  <p:sldSz cy="5143500" cx="9144000"/>
   <p:notesSz cx="6858000" cy="9144000"/>
   <p:embeddedFontLst>
     <p:embeddedFont>
-      <p:font typeface="Merriweather" panose="020B0604020202020204" charset="0"/>
-      <p:regular r:id="rId13"/>
-      <p:bold r:id="rId14"/>
-      <p:italic r:id="rId15"/>
-      <p:boldItalic r:id="rId16"/>
+      <p:font typeface="Roboto"/>
+      <p:regular r:id="rId19"/>
+      <p:bold r:id="rId20"/>
+      <p:italic r:id="rId21"/>
+      <p:boldItalic r:id="rId22"/>
     </p:embeddedFont>
     <p:embeddedFont>
-      <p:font typeface="Roboto" panose="02000000000000000000" pitchFamily="2" charset="0"/>
-      <p:regular r:id="rId17"/>
-      <p:bold r:id="rId18"/>
-      <p:italic r:id="rId19"/>
-      <p:boldItalic r:id="rId20"/>
+      <p:font typeface="Merriweather"/>
+      <p:regular r:id="rId23"/>
+      <p:bold r:id="rId24"/>
+      <p:italic r:id="rId25"/>
+      <p:boldItalic r:id="rId26"/>
     </p:embeddedFont>
   </p:embeddedFontLst>
   <p:defaultTextStyle>
-    <a:defPPr marR="0" lvl="0" algn="l" rtl="0">
+    <a:defPPr lvl="0" marR="0" rtl="0" algn="l">
       <a:lnSpc>
         <a:spcPct val="100000"/>
       </a:lnSpc>
@@ -49,7 +52,7 @@
         <a:spcPts val="0"/>
       </a:spcAft>
     </a:defPPr>
-    <a:lvl1pPr marR="0" lvl="0" algn="l" rtl="0">
+    <a:lvl1pPr lvl="0" marR="0" rtl="0" algn="l">
       <a:lnSpc>
         <a:spcPct val="100000"/>
       </a:lnSpc>
@@ -63,7 +66,7 @@
         <a:srgbClr val="000000"/>
       </a:buClr>
       <a:buFont typeface="Arial"/>
-      <a:defRPr sz="1400" b="0" i="0" u="none" strike="noStrike" cap="none">
+      <a:defRPr b="0" i="0" sz="1400" u="none" cap="none" strike="noStrike">
         <a:solidFill>
           <a:srgbClr val="000000"/>
         </a:solidFill>
@@ -73,7 +76,7 @@
         <a:sym typeface="Arial"/>
       </a:defRPr>
     </a:lvl1pPr>
-    <a:lvl2pPr marR="0" lvl="1" algn="l" rtl="0">
+    <a:lvl2pPr lvl="1" marR="0" rtl="0" algn="l">
       <a:lnSpc>
         <a:spcPct val="100000"/>
       </a:lnSpc>
@@ -87,7 +90,7 @@
         <a:srgbClr val="000000"/>
       </a:buClr>
       <a:buFont typeface="Arial"/>
-      <a:defRPr sz="1400" b="0" i="0" u="none" strike="noStrike" cap="none">
+      <a:defRPr b="0" i="0" sz="1400" u="none" cap="none" strike="noStrike">
         <a:solidFill>
           <a:srgbClr val="000000"/>
         </a:solidFill>
@@ -97,7 +100,7 @@
         <a:sym typeface="Arial"/>
       </a:defRPr>
     </a:lvl2pPr>
-    <a:lvl3pPr marR="0" lvl="2" algn="l" rtl="0">
+    <a:lvl3pPr lvl="2" marR="0" rtl="0" algn="l">
       <a:lnSpc>
         <a:spcPct val="100000"/>
       </a:lnSpc>
@@ -111,7 +114,7 @@
         <a:srgbClr val="000000"/>
       </a:buClr>
       <a:buFont typeface="Arial"/>
-      <a:defRPr sz="1400" b="0" i="0" u="none" strike="noStrike" cap="none">
+      <a:defRPr b="0" i="0" sz="1400" u="none" cap="none" strike="noStrike">
         <a:solidFill>
           <a:srgbClr val="000000"/>
         </a:solidFill>
@@ -121,7 +124,7 @@
         <a:sym typeface="Arial"/>
       </a:defRPr>
     </a:lvl3pPr>
-    <a:lvl4pPr marR="0" lvl="3" algn="l" rtl="0">
+    <a:lvl4pPr lvl="3" marR="0" rtl="0" algn="l">
       <a:lnSpc>
         <a:spcPct val="100000"/>
       </a:lnSpc>
@@ -135,7 +138,7 @@
         <a:srgbClr val="000000"/>
       </a:buClr>
       <a:buFont typeface="Arial"/>
-      <a:defRPr sz="1400" b="0" i="0" u="none" strike="noStrike" cap="none">
+      <a:defRPr b="0" i="0" sz="1400" u="none" cap="none" strike="noStrike">
         <a:solidFill>
           <a:srgbClr val="000000"/>
         </a:solidFill>
@@ -145,7 +148,7 @@
         <a:sym typeface="Arial"/>
       </a:defRPr>
     </a:lvl4pPr>
-    <a:lvl5pPr marR="0" lvl="4" algn="l" rtl="0">
+    <a:lvl5pPr lvl="4" marR="0" rtl="0" algn="l">
       <a:lnSpc>
         <a:spcPct val="100000"/>
       </a:lnSpc>
@@ -159,7 +162,7 @@
         <a:srgbClr val="000000"/>
       </a:buClr>
       <a:buFont typeface="Arial"/>
-      <a:defRPr sz="1400" b="0" i="0" u="none" strike="noStrike" cap="none">
+      <a:defRPr b="0" i="0" sz="1400" u="none" cap="none" strike="noStrike">
         <a:solidFill>
           <a:srgbClr val="000000"/>
         </a:solidFill>
@@ -169,7 +172,7 @@
         <a:sym typeface="Arial"/>
       </a:defRPr>
     </a:lvl5pPr>
-    <a:lvl6pPr marR="0" lvl="5" algn="l" rtl="0">
+    <a:lvl6pPr lvl="5" marR="0" rtl="0" algn="l">
       <a:lnSpc>
         <a:spcPct val="100000"/>
       </a:lnSpc>
@@ -183,7 +186,7 @@
         <a:srgbClr val="000000"/>
       </a:buClr>
       <a:buFont typeface="Arial"/>
-      <a:defRPr sz="1400" b="0" i="0" u="none" strike="noStrike" cap="none">
+      <a:defRPr b="0" i="0" sz="1400" u="none" cap="none" strike="noStrike">
         <a:solidFill>
           <a:srgbClr val="000000"/>
         </a:solidFill>
@@ -193,7 +196,7 @@
         <a:sym typeface="Arial"/>
       </a:defRPr>
     </a:lvl6pPr>
-    <a:lvl7pPr marR="0" lvl="6" algn="l" rtl="0">
+    <a:lvl7pPr lvl="6" marR="0" rtl="0" algn="l">
       <a:lnSpc>
         <a:spcPct val="100000"/>
       </a:lnSpc>
@@ -207,7 +210,7 @@
         <a:srgbClr val="000000"/>
       </a:buClr>
       <a:buFont typeface="Arial"/>
-      <a:defRPr sz="1400" b="0" i="0" u="none" strike="noStrike" cap="none">
+      <a:defRPr b="0" i="0" sz="1400" u="none" cap="none" strike="noStrike">
         <a:solidFill>
           <a:srgbClr val="000000"/>
         </a:solidFill>
@@ -217,7 +220,7 @@
         <a:sym typeface="Arial"/>
       </a:defRPr>
     </a:lvl7pPr>
-    <a:lvl8pPr marR="0" lvl="7" algn="l" rtl="0">
+    <a:lvl8pPr lvl="7" marR="0" rtl="0" algn="l">
       <a:lnSpc>
         <a:spcPct val="100000"/>
       </a:lnSpc>
@@ -231,7 +234,7 @@
         <a:srgbClr val="000000"/>
       </a:buClr>
       <a:buFont typeface="Arial"/>
-      <a:defRPr sz="1400" b="0" i="0" u="none" strike="noStrike" cap="none">
+      <a:defRPr b="0" i="0" sz="1400" u="none" cap="none" strike="noStrike">
         <a:solidFill>
           <a:srgbClr val="000000"/>
         </a:solidFill>
@@ -241,7 +244,7 @@
         <a:sym typeface="Arial"/>
       </a:defRPr>
     </a:lvl8pPr>
-    <a:lvl9pPr marR="0" lvl="8" algn="l" rtl="0">
+    <a:lvl9pPr lvl="8" marR="0" rtl="0" algn="l">
       <a:lnSpc>
         <a:spcPct val="100000"/>
       </a:lnSpc>
@@ -255,7 +258,7 @@
         <a:srgbClr val="000000"/>
       </a:buClr>
       <a:buFont typeface="Arial"/>
-      <a:defRPr sz="1400" b="0" i="0" u="none" strike="noStrike" cap="none">
+      <a:defRPr b="0" i="0" sz="1400" u="none" cap="none" strike="noStrike">
         <a:solidFill>
           <a:srgbClr val="000000"/>
         </a:solidFill>
@@ -268,7 +271,7 @@
   </p:defaultTextStyle>
   <p:extLst>
     <p:ext uri="{EFAFB233-063F-42B5-8137-9DF3F51BA10A}">
-      <p15:sldGuideLst xmlns:p15="http://schemas.microsoft.com/office/powerpoint/2012/main">
+      <p15:sldGuideLst>
         <p15:guide id="1" orient="horz" pos="1620">
           <p15:clr>
             <a:srgbClr val="A4A3A4"/>
@@ -286,16 +289,11 @@
 </file>
 
 <file path=ppt/notesMasters/notesMaster1.xml><?xml version="1.0" encoding="utf-8"?>
-<p:notesMaster xmlns:a="http://schemas.openxmlformats.org/drawingml/2006/main" xmlns:r="http://schemas.openxmlformats.org/officeDocument/2006/relationships" xmlns:p="http://schemas.openxmlformats.org/presentationml/2006/main">
+<p:notesMaster xmlns:a="http://schemas.openxmlformats.org/drawingml/2006/main" xmlns:r="http://schemas.openxmlformats.org/officeDocument/2006/relationships" xmlns:mc="http://schemas.openxmlformats.org/markup-compatibility/2006" xmlns:mv="urn:schemas-microsoft-com:mac:vml" xmlns:p="http://schemas.openxmlformats.org/presentationml/2006/main" xmlns:c="http://schemas.openxmlformats.org/drawingml/2006/chart" xmlns:dgm="http://schemas.openxmlformats.org/drawingml/2006/diagram" xmlns:o="urn:schemas-microsoft-com:office:office" xmlns:v="urn:schemas-microsoft-com:vml" xmlns:pvml="urn:schemas-microsoft-com:office:powerpoint" xmlns:com="http://schemas.openxmlformats.org/drawingml/2006/compatibility" xmlns:p14="http://schemas.microsoft.com/office/powerpoint/2010/main" xmlns:p15="http://schemas.microsoft.com/office/powerpoint/2012/main" xmlns:ahyp="http://schemas.microsoft.com/office/drawing/2018/hyperlinkcolor">
   <p:cSld>
-    <p:bg>
-      <p:bgRef idx="1001">
-        <a:schemeClr val="bg1"/>
-      </p:bgRef>
-    </p:bg>
     <p:spTree>
       <p:nvGrpSpPr>
-        <p:cNvPr id="1" name="Shape 2"/>
+        <p:cNvPr id="2" name="Shape 2"/>
         <p:cNvGrpSpPr/>
         <p:nvPr/>
       </p:nvGrpSpPr>
@@ -310,11 +308,9 @@
       <p:sp>
         <p:nvSpPr>
           <p:cNvPr id="3" name="Google Shape;3;n"/>
-          <p:cNvSpPr>
-            <a:spLocks noGrp="1" noRot="1" noChangeAspect="1"/>
-          </p:cNvSpPr>
+          <p:cNvSpPr/>
           <p:nvPr>
-            <p:ph type="sldImg" idx="2"/>
+            <p:ph idx="2" type="sldImg"/>
           </p:nvPr>
         </p:nvSpPr>
         <p:spPr>
@@ -323,13 +319,9 @@
             <a:ext cx="6096075" cy="3429000"/>
           </a:xfrm>
           <a:custGeom>
-            <a:avLst/>
-            <a:gdLst/>
-            <a:ahLst/>
-            <a:cxnLst/>
-            <a:rect l="l" t="t" r="r" b="b"/>
+            <a:rect b="b" l="l" r="r" t="t"/>
             <a:pathLst>
-              <a:path w="120000" h="120000" extrusionOk="0">
+              <a:path extrusionOk="0" h="120000" w="120000">
                 <a:moveTo>
                   <a:pt x="0" y="0"/>
                 </a:moveTo>
@@ -347,25 +339,23 @@
             </a:pathLst>
           </a:custGeom>
           <a:noFill/>
-          <a:ln w="9525" cap="flat" cmpd="sng">
+          <a:ln cap="flat" cmpd="sng" w="9525">
             <a:solidFill>
               <a:srgbClr val="000000"/>
             </a:solidFill>
             <a:prstDash val="solid"/>
             <a:round/>
-            <a:headEnd type="none" w="sm" len="sm"/>
-            <a:tailEnd type="none" w="sm" len="sm"/>
+            <a:headEnd len="sm" w="sm" type="none"/>
+            <a:tailEnd len="sm" w="sm" type="none"/>
           </a:ln>
         </p:spPr>
       </p:sp>
       <p:sp>
         <p:nvSpPr>
           <p:cNvPr id="4" name="Google Shape;4;n"/>
-          <p:cNvSpPr txBox="1">
-            <a:spLocks noGrp="1"/>
-          </p:cNvSpPr>
+          <p:cNvSpPr txBox="1"/>
           <p:nvPr>
-            <p:ph type="body" idx="1"/>
+            <p:ph idx="1" type="body"/>
           </p:nvPr>
         </p:nvSpPr>
         <p:spPr>
@@ -382,11 +372,11 @@
           </a:ln>
         </p:spPr>
         <p:txBody>
-          <a:bodyPr spcFirstLastPara="1" wrap="square" lIns="91425" tIns="91425" rIns="91425" bIns="91425" anchor="t" anchorCtr="0">
+          <a:bodyPr anchorCtr="0" anchor="t" bIns="91425" lIns="91425" spcFirstLastPara="1" rIns="91425" wrap="square" tIns="91425">
             <a:noAutofit/>
           </a:bodyPr>
           <a:lstStyle>
-            <a:lvl1pPr marL="457200" lvl="0" indent="-298450">
+            <a:lvl1pPr indent="-298450" lvl="0" marL="457200">
               <a:spcBef>
                 <a:spcPts val="0"/>
               </a:spcBef>
@@ -397,7 +387,7 @@
               <a:buChar char="●"/>
               <a:defRPr sz="1100"/>
             </a:lvl1pPr>
-            <a:lvl2pPr marL="914400" lvl="1" indent="-298450">
+            <a:lvl2pPr indent="-298450" lvl="1" marL="914400">
               <a:spcBef>
                 <a:spcPts val="0"/>
               </a:spcBef>
@@ -408,7 +398,7 @@
               <a:buChar char="○"/>
               <a:defRPr sz="1100"/>
             </a:lvl2pPr>
-            <a:lvl3pPr marL="1371600" lvl="2" indent="-298450">
+            <a:lvl3pPr indent="-298450" lvl="2" marL="1371600">
               <a:spcBef>
                 <a:spcPts val="0"/>
               </a:spcBef>
@@ -419,7 +409,7 @@
               <a:buChar char="■"/>
               <a:defRPr sz="1100"/>
             </a:lvl3pPr>
-            <a:lvl4pPr marL="1828800" lvl="3" indent="-298450">
+            <a:lvl4pPr indent="-298450" lvl="3" marL="1828800">
               <a:spcBef>
                 <a:spcPts val="0"/>
               </a:spcBef>
@@ -430,7 +420,7 @@
               <a:buChar char="●"/>
               <a:defRPr sz="1100"/>
             </a:lvl4pPr>
-            <a:lvl5pPr marL="2286000" lvl="4" indent="-298450">
+            <a:lvl5pPr indent="-298450" lvl="4" marL="2286000">
               <a:spcBef>
                 <a:spcPts val="0"/>
               </a:spcBef>
@@ -441,7 +431,7 @@
               <a:buChar char="○"/>
               <a:defRPr sz="1100"/>
             </a:lvl5pPr>
-            <a:lvl6pPr marL="2743200" lvl="5" indent="-298450">
+            <a:lvl6pPr indent="-298450" lvl="5" marL="2743200">
               <a:spcBef>
                 <a:spcPts val="0"/>
               </a:spcBef>
@@ -452,7 +442,7 @@
               <a:buChar char="■"/>
               <a:defRPr sz="1100"/>
             </a:lvl6pPr>
-            <a:lvl7pPr marL="3200400" lvl="6" indent="-298450">
+            <a:lvl7pPr indent="-298450" lvl="6" marL="3200400">
               <a:spcBef>
                 <a:spcPts val="0"/>
               </a:spcBef>
@@ -463,7 +453,7 @@
               <a:buChar char="●"/>
               <a:defRPr sz="1100"/>
             </a:lvl7pPr>
-            <a:lvl8pPr marL="3657600" lvl="7" indent="-298450">
+            <a:lvl8pPr indent="-298450" lvl="7" marL="3657600">
               <a:spcBef>
                 <a:spcPts val="0"/>
               </a:spcBef>
@@ -474,7 +464,7 @@
               <a:buChar char="○"/>
               <a:defRPr sz="1100"/>
             </a:lvl8pPr>
-            <a:lvl9pPr marL="4114800" lvl="8" indent="-298450">
+            <a:lvl9pPr indent="-298450" lvl="8" marL="4114800">
               <a:spcBef>
                 <a:spcPts val="0"/>
               </a:spcBef>
@@ -486,16 +476,14 @@
               <a:defRPr sz="1100"/>
             </a:lvl9pPr>
           </a:lstStyle>
-          <a:p>
-            <a:endParaRPr/>
-          </a:p>
+          <a:p/>
         </p:txBody>
       </p:sp>
     </p:spTree>
   </p:cSld>
-  <p:clrMap bg1="lt1" tx1="dk1" bg2="dk2" tx2="lt2" accent1="accent1" accent2="accent2" accent3="accent3" accent4="accent4" accent5="accent5" accent6="accent6" hlink="hlink" folHlink="folHlink"/>
+  <p:clrMap accent1="accent1" accent2="accent2" accent3="accent3" accent4="accent4" accent5="accent5" accent6="accent6" bg1="lt1" bg2="dk2" tx1="dk1" tx2="lt2" folHlink="folHlink" hlink="hlink"/>
   <p:notesStyle>
-    <a:defPPr marR="0" lvl="0" algn="l" rtl="0">
+    <a:defPPr lvl="0" marR="0" rtl="0" algn="l">
       <a:lnSpc>
         <a:spcPct val="100000"/>
       </a:lnSpc>
@@ -506,7 +494,7 @@
         <a:spcPts val="0"/>
       </a:spcAft>
     </a:defPPr>
-    <a:lvl1pPr marR="0" lvl="0" algn="l" rtl="0">
+    <a:lvl1pPr lvl="0" marR="0" rtl="0" algn="l">
       <a:lnSpc>
         <a:spcPct val="100000"/>
       </a:lnSpc>
@@ -520,7 +508,7 @@
         <a:srgbClr val="000000"/>
       </a:buClr>
       <a:buFont typeface="Arial"/>
-      <a:defRPr sz="1400" b="0" i="0" u="none" strike="noStrike" cap="none">
+      <a:defRPr b="0" i="0" sz="1400" u="none" cap="none" strike="noStrike">
         <a:solidFill>
           <a:srgbClr val="000000"/>
         </a:solidFill>
@@ -530,7 +518,7 @@
         <a:sym typeface="Arial"/>
       </a:defRPr>
     </a:lvl1pPr>
-    <a:lvl2pPr marR="0" lvl="1" algn="l" rtl="0">
+    <a:lvl2pPr lvl="1" marR="0" rtl="0" algn="l">
       <a:lnSpc>
         <a:spcPct val="100000"/>
       </a:lnSpc>
@@ -544,7 +532,7 @@
         <a:srgbClr val="000000"/>
       </a:buClr>
       <a:buFont typeface="Arial"/>
-      <a:defRPr sz="1400" b="0" i="0" u="none" strike="noStrike" cap="none">
+      <a:defRPr b="0" i="0" sz="1400" u="none" cap="none" strike="noStrike">
         <a:solidFill>
           <a:srgbClr val="000000"/>
         </a:solidFill>
@@ -554,7 +542,7 @@
         <a:sym typeface="Arial"/>
       </a:defRPr>
     </a:lvl2pPr>
-    <a:lvl3pPr marR="0" lvl="2" algn="l" rtl="0">
+    <a:lvl3pPr lvl="2" marR="0" rtl="0" algn="l">
       <a:lnSpc>
         <a:spcPct val="100000"/>
       </a:lnSpc>
@@ -568,7 +556,7 @@
         <a:srgbClr val="000000"/>
       </a:buClr>
       <a:buFont typeface="Arial"/>
-      <a:defRPr sz="1400" b="0" i="0" u="none" strike="noStrike" cap="none">
+      <a:defRPr b="0" i="0" sz="1400" u="none" cap="none" strike="noStrike">
         <a:solidFill>
           <a:srgbClr val="000000"/>
         </a:solidFill>
@@ -578,7 +566,7 @@
         <a:sym typeface="Arial"/>
       </a:defRPr>
     </a:lvl3pPr>
-    <a:lvl4pPr marR="0" lvl="3" algn="l" rtl="0">
+    <a:lvl4pPr lvl="3" marR="0" rtl="0" algn="l">
       <a:lnSpc>
         <a:spcPct val="100000"/>
       </a:lnSpc>
@@ -592,7 +580,7 @@
         <a:srgbClr val="000000"/>
       </a:buClr>
       <a:buFont typeface="Arial"/>
-      <a:defRPr sz="1400" b="0" i="0" u="none" strike="noStrike" cap="none">
+      <a:defRPr b="0" i="0" sz="1400" u="none" cap="none" strike="noStrike">
         <a:solidFill>
           <a:srgbClr val="000000"/>
         </a:solidFill>
@@ -602,7 +590,7 @@
         <a:sym typeface="Arial"/>
       </a:defRPr>
     </a:lvl4pPr>
-    <a:lvl5pPr marR="0" lvl="4" algn="l" rtl="0">
+    <a:lvl5pPr lvl="4" marR="0" rtl="0" algn="l">
       <a:lnSpc>
         <a:spcPct val="100000"/>
       </a:lnSpc>
@@ -616,7 +604,7 @@
         <a:srgbClr val="000000"/>
       </a:buClr>
       <a:buFont typeface="Arial"/>
-      <a:defRPr sz="1400" b="0" i="0" u="none" strike="noStrike" cap="none">
+      <a:defRPr b="0" i="0" sz="1400" u="none" cap="none" strike="noStrike">
         <a:solidFill>
           <a:srgbClr val="000000"/>
         </a:solidFill>
@@ -626,7 +614,7 @@
         <a:sym typeface="Arial"/>
       </a:defRPr>
     </a:lvl5pPr>
-    <a:lvl6pPr marR="0" lvl="5" algn="l" rtl="0">
+    <a:lvl6pPr lvl="5" marR="0" rtl="0" algn="l">
       <a:lnSpc>
         <a:spcPct val="100000"/>
       </a:lnSpc>
@@ -640,7 +628,7 @@
         <a:srgbClr val="000000"/>
       </a:buClr>
       <a:buFont typeface="Arial"/>
-      <a:defRPr sz="1400" b="0" i="0" u="none" strike="noStrike" cap="none">
+      <a:defRPr b="0" i="0" sz="1400" u="none" cap="none" strike="noStrike">
         <a:solidFill>
           <a:srgbClr val="000000"/>
         </a:solidFill>
@@ -650,7 +638,7 @@
         <a:sym typeface="Arial"/>
       </a:defRPr>
     </a:lvl6pPr>
-    <a:lvl7pPr marR="0" lvl="6" algn="l" rtl="0">
+    <a:lvl7pPr lvl="6" marR="0" rtl="0" algn="l">
       <a:lnSpc>
         <a:spcPct val="100000"/>
       </a:lnSpc>
@@ -664,7 +652,7 @@
         <a:srgbClr val="000000"/>
       </a:buClr>
       <a:buFont typeface="Arial"/>
-      <a:defRPr sz="1400" b="0" i="0" u="none" strike="noStrike" cap="none">
+      <a:defRPr b="0" i="0" sz="1400" u="none" cap="none" strike="noStrike">
         <a:solidFill>
           <a:srgbClr val="000000"/>
         </a:solidFill>
@@ -674,7 +662,7 @@
         <a:sym typeface="Arial"/>
       </a:defRPr>
     </a:lvl7pPr>
-    <a:lvl8pPr marR="0" lvl="7" algn="l" rtl="0">
+    <a:lvl8pPr lvl="7" marR="0" rtl="0" algn="l">
       <a:lnSpc>
         <a:spcPct val="100000"/>
       </a:lnSpc>
@@ -688,7 +676,7 @@
         <a:srgbClr val="000000"/>
       </a:buClr>
       <a:buFont typeface="Arial"/>
-      <a:defRPr sz="1400" b="0" i="0" u="none" strike="noStrike" cap="none">
+      <a:defRPr b="0" i="0" sz="1400" u="none" cap="none" strike="noStrike">
         <a:solidFill>
           <a:srgbClr val="000000"/>
         </a:solidFill>
@@ -698,7 +686,7 @@
         <a:sym typeface="Arial"/>
       </a:defRPr>
     </a:lvl8pPr>
-    <a:lvl9pPr marR="0" lvl="8" algn="l" rtl="0">
+    <a:lvl9pPr lvl="8" marR="0" rtl="0" algn="l">
       <a:lnSpc>
         <a:spcPct val="100000"/>
       </a:lnSpc>
@@ -712,7 +700,7 @@
         <a:srgbClr val="000000"/>
       </a:buClr>
       <a:buFont typeface="Arial"/>
-      <a:defRPr sz="1400" b="0" i="0" u="none" strike="noStrike" cap="none">
+      <a:defRPr b="0" i="0" sz="1400" u="none" cap="none" strike="noStrike">
         <a:solidFill>
           <a:srgbClr val="000000"/>
         </a:solidFill>
@@ -727,11 +715,11 @@
 </file>
 
 <file path=ppt/notesSlides/notesSlide1.xml><?xml version="1.0" encoding="utf-8"?>
-<p:notes xmlns:a="http://schemas.openxmlformats.org/drawingml/2006/main" xmlns:r="http://schemas.openxmlformats.org/officeDocument/2006/relationships" xmlns:p="http://schemas.openxmlformats.org/presentationml/2006/main" showMasterSp="0" showMasterPhAnim="0">
+<p:notes xmlns:a="http://schemas.openxmlformats.org/drawingml/2006/main" xmlns:r="http://schemas.openxmlformats.org/officeDocument/2006/relationships" xmlns:mc="http://schemas.openxmlformats.org/markup-compatibility/2006" xmlns:mv="urn:schemas-microsoft-com:mac:vml" xmlns:p="http://schemas.openxmlformats.org/presentationml/2006/main" xmlns:c="http://schemas.openxmlformats.org/drawingml/2006/chart" xmlns:dgm="http://schemas.openxmlformats.org/drawingml/2006/diagram" xmlns:o="urn:schemas-microsoft-com:office:office" xmlns:v="urn:schemas-microsoft-com:vml" xmlns:pvml="urn:schemas-microsoft-com:office:powerpoint" xmlns:com="http://schemas.openxmlformats.org/drawingml/2006/compatibility" xmlns:p14="http://schemas.microsoft.com/office/powerpoint/2010/main" xmlns:p15="http://schemas.microsoft.com/office/powerpoint/2012/main" xmlns:ahyp="http://schemas.microsoft.com/office/drawing/2018/hyperlinkcolor" showMasterPhAnim="0" showMasterSp="0">
   <p:cSld>
     <p:spTree>
       <p:nvGrpSpPr>
-        <p:cNvPr id="1" name="Shape 60"/>
+        <p:cNvPr id="60" name="Shape 60"/>
         <p:cNvGrpSpPr/>
         <p:nvPr/>
       </p:nvGrpSpPr>
@@ -746,26 +734,20 @@
       <p:sp>
         <p:nvSpPr>
           <p:cNvPr id="61" name="Google Shape;61;p:notes"/>
-          <p:cNvSpPr>
-            <a:spLocks noGrp="1" noRot="1" noChangeAspect="1"/>
-          </p:cNvSpPr>
+          <p:cNvSpPr/>
           <p:nvPr>
-            <p:ph type="sldImg" idx="2"/>
+            <p:ph idx="2" type="sldImg"/>
           </p:nvPr>
         </p:nvSpPr>
         <p:spPr>
           <a:xfrm>
-            <a:off x="381000" y="685800"/>
-            <a:ext cx="6096000" cy="3429000"/>
+            <a:off x="381300" y="685800"/>
+            <a:ext cx="6096075" cy="3429000"/>
           </a:xfrm>
           <a:custGeom>
-            <a:avLst/>
-            <a:gdLst/>
-            <a:ahLst/>
-            <a:cxnLst/>
-            <a:rect l="l" t="t" r="r" b="b"/>
+            <a:rect b="b" l="l" r="r" t="t"/>
             <a:pathLst>
-              <a:path w="120000" h="120000" extrusionOk="0">
+              <a:path extrusionOk="0" h="120000" w="120000">
                 <a:moveTo>
                   <a:pt x="0" y="0"/>
                 </a:moveTo>
@@ -787,11 +769,9 @@
       <p:sp>
         <p:nvSpPr>
           <p:cNvPr id="62" name="Google Shape;62;p:notes"/>
-          <p:cNvSpPr txBox="1">
-            <a:spLocks noGrp="1"/>
-          </p:cNvSpPr>
+          <p:cNvSpPr txBox="1"/>
           <p:nvPr>
-            <p:ph type="body" idx="1"/>
+            <p:ph idx="1" type="body"/>
           </p:nvPr>
         </p:nvSpPr>
         <p:spPr>
@@ -804,12 +784,12 @@
           </a:prstGeom>
         </p:spPr>
         <p:txBody>
-          <a:bodyPr spcFirstLastPara="1" wrap="square" lIns="91425" tIns="91425" rIns="91425" bIns="91425" anchor="t" anchorCtr="0">
+          <a:bodyPr anchorCtr="0" anchor="t" bIns="91425" lIns="91425" spcFirstLastPara="1" rIns="91425" wrap="square" tIns="91425">
             <a:noAutofit/>
           </a:bodyPr>
           <a:lstStyle/>
           <a:p>
-            <a:pPr marL="0" lvl="0" indent="0" algn="l" rtl="0">
+            <a:pPr indent="0" lvl="0" marL="0" rtl="0" algn="l">
               <a:spcBef>
                 <a:spcPts val="0"/>
               </a:spcBef>
@@ -818,6 +798,405 @@
               </a:spcAft>
               <a:buNone/>
             </a:pPr>
+            <a:r>
+              <a:t/>
+            </a:r>
+            <a:endParaRPr/>
+          </a:p>
+        </p:txBody>
+      </p:sp>
+    </p:spTree>
+  </p:cSld>
+  <p:clrMapOvr>
+    <a:masterClrMapping/>
+  </p:clrMapOvr>
+</p:notes>
+</file>
+
+<file path=ppt/notesSlides/notesSlide10.xml><?xml version="1.0" encoding="utf-8"?>
+<p:notes xmlns:a="http://schemas.openxmlformats.org/drawingml/2006/main" xmlns:r="http://schemas.openxmlformats.org/officeDocument/2006/relationships" xmlns:mc="http://schemas.openxmlformats.org/markup-compatibility/2006" xmlns:mv="urn:schemas-microsoft-com:mac:vml" xmlns:p="http://schemas.openxmlformats.org/presentationml/2006/main" xmlns:c="http://schemas.openxmlformats.org/drawingml/2006/chart" xmlns:dgm="http://schemas.openxmlformats.org/drawingml/2006/diagram" xmlns:o="urn:schemas-microsoft-com:office:office" xmlns:v="urn:schemas-microsoft-com:vml" xmlns:pvml="urn:schemas-microsoft-com:office:powerpoint" xmlns:com="http://schemas.openxmlformats.org/drawingml/2006/compatibility" xmlns:p14="http://schemas.microsoft.com/office/powerpoint/2010/main" xmlns:p15="http://schemas.microsoft.com/office/powerpoint/2012/main" xmlns:ahyp="http://schemas.microsoft.com/office/drawing/2018/hyperlinkcolor" showMasterPhAnim="0" showMasterSp="0">
+  <p:cSld>
+    <p:spTree>
+      <p:nvGrpSpPr>
+        <p:cNvPr id="117" name="Shape 117"/>
+        <p:cNvGrpSpPr/>
+        <p:nvPr/>
+      </p:nvGrpSpPr>
+      <p:grpSpPr>
+        <a:xfrm>
+          <a:off x="0" y="0"/>
+          <a:ext cx="0" cy="0"/>
+          <a:chOff x="0" y="0"/>
+          <a:chExt cx="0" cy="0"/>
+        </a:xfrm>
+      </p:grpSpPr>
+      <p:sp>
+        <p:nvSpPr>
+          <p:cNvPr id="118" name="Google Shape;118;gd163f6bd34_0_423:notes"/>
+          <p:cNvSpPr/>
+          <p:nvPr>
+            <p:ph idx="2" type="sldImg"/>
+          </p:nvPr>
+        </p:nvSpPr>
+        <p:spPr>
+          <a:xfrm>
+            <a:off x="381300" y="685800"/>
+            <a:ext cx="6096000" cy="3429000"/>
+          </a:xfrm>
+          <a:custGeom>
+            <a:rect b="b" l="l" r="r" t="t"/>
+            <a:pathLst>
+              <a:path extrusionOk="0" h="120000" w="120000">
+                <a:moveTo>
+                  <a:pt x="0" y="0"/>
+                </a:moveTo>
+                <a:lnTo>
+                  <a:pt x="120000" y="0"/>
+                </a:lnTo>
+                <a:lnTo>
+                  <a:pt x="120000" y="120000"/>
+                </a:lnTo>
+                <a:lnTo>
+                  <a:pt x="0" y="120000"/>
+                </a:lnTo>
+                <a:close/>
+              </a:path>
+            </a:pathLst>
+          </a:custGeom>
+        </p:spPr>
+      </p:sp>
+      <p:sp>
+        <p:nvSpPr>
+          <p:cNvPr id="119" name="Google Shape;119;gd163f6bd34_0_423:notes"/>
+          <p:cNvSpPr txBox="1"/>
+          <p:nvPr>
+            <p:ph idx="1" type="body"/>
+          </p:nvPr>
+        </p:nvSpPr>
+        <p:spPr>
+          <a:xfrm>
+            <a:off x="685800" y="4343400"/>
+            <a:ext cx="5486400" cy="4114800"/>
+          </a:xfrm>
+          <a:prstGeom prst="rect">
+            <a:avLst/>
+          </a:prstGeom>
+        </p:spPr>
+        <p:txBody>
+          <a:bodyPr anchorCtr="0" anchor="t" bIns="91425" lIns="91425" spcFirstLastPara="1" rIns="91425" wrap="square" tIns="91425">
+            <a:noAutofit/>
+          </a:bodyPr>
+          <a:lstStyle/>
+          <a:p>
+            <a:pPr indent="0" lvl="0" marL="0" rtl="0" algn="l">
+              <a:spcBef>
+                <a:spcPts val="0"/>
+              </a:spcBef>
+              <a:spcAft>
+                <a:spcPts val="0"/>
+              </a:spcAft>
+              <a:buNone/>
+            </a:pPr>
+            <a:r>
+              <a:t/>
+            </a:r>
+            <a:endParaRPr/>
+          </a:p>
+        </p:txBody>
+      </p:sp>
+    </p:spTree>
+  </p:cSld>
+  <p:clrMapOvr>
+    <a:masterClrMapping/>
+  </p:clrMapOvr>
+</p:notes>
+</file>
+
+<file path=ppt/notesSlides/notesSlide11.xml><?xml version="1.0" encoding="utf-8"?>
+<p:notes xmlns:a="http://schemas.openxmlformats.org/drawingml/2006/main" xmlns:r="http://schemas.openxmlformats.org/officeDocument/2006/relationships" xmlns:mc="http://schemas.openxmlformats.org/markup-compatibility/2006" xmlns:mv="urn:schemas-microsoft-com:mac:vml" xmlns:p="http://schemas.openxmlformats.org/presentationml/2006/main" xmlns:c="http://schemas.openxmlformats.org/drawingml/2006/chart" xmlns:dgm="http://schemas.openxmlformats.org/drawingml/2006/diagram" xmlns:o="urn:schemas-microsoft-com:office:office" xmlns:v="urn:schemas-microsoft-com:vml" xmlns:pvml="urn:schemas-microsoft-com:office:powerpoint" xmlns:com="http://schemas.openxmlformats.org/drawingml/2006/compatibility" xmlns:p14="http://schemas.microsoft.com/office/powerpoint/2010/main" xmlns:p15="http://schemas.microsoft.com/office/powerpoint/2012/main" xmlns:ahyp="http://schemas.microsoft.com/office/drawing/2018/hyperlinkcolor" showMasterPhAnim="0" showMasterSp="0">
+  <p:cSld>
+    <p:spTree>
+      <p:nvGrpSpPr>
+        <p:cNvPr id="122" name="Shape 122"/>
+        <p:cNvGrpSpPr/>
+        <p:nvPr/>
+      </p:nvGrpSpPr>
+      <p:grpSpPr>
+        <a:xfrm>
+          <a:off x="0" y="0"/>
+          <a:ext cx="0" cy="0"/>
+          <a:chOff x="0" y="0"/>
+          <a:chExt cx="0" cy="0"/>
+        </a:xfrm>
+      </p:grpSpPr>
+      <p:sp>
+        <p:nvSpPr>
+          <p:cNvPr id="123" name="Google Shape;123;gd163f6bd34_0_418:notes"/>
+          <p:cNvSpPr/>
+          <p:nvPr>
+            <p:ph idx="2" type="sldImg"/>
+          </p:nvPr>
+        </p:nvSpPr>
+        <p:spPr>
+          <a:xfrm>
+            <a:off x="381300" y="685800"/>
+            <a:ext cx="6096000" cy="3429000"/>
+          </a:xfrm>
+          <a:custGeom>
+            <a:rect b="b" l="l" r="r" t="t"/>
+            <a:pathLst>
+              <a:path extrusionOk="0" h="120000" w="120000">
+                <a:moveTo>
+                  <a:pt x="0" y="0"/>
+                </a:moveTo>
+                <a:lnTo>
+                  <a:pt x="120000" y="0"/>
+                </a:lnTo>
+                <a:lnTo>
+                  <a:pt x="120000" y="120000"/>
+                </a:lnTo>
+                <a:lnTo>
+                  <a:pt x="0" y="120000"/>
+                </a:lnTo>
+                <a:close/>
+              </a:path>
+            </a:pathLst>
+          </a:custGeom>
+        </p:spPr>
+      </p:sp>
+      <p:sp>
+        <p:nvSpPr>
+          <p:cNvPr id="124" name="Google Shape;124;gd163f6bd34_0_418:notes"/>
+          <p:cNvSpPr txBox="1"/>
+          <p:nvPr>
+            <p:ph idx="1" type="body"/>
+          </p:nvPr>
+        </p:nvSpPr>
+        <p:spPr>
+          <a:xfrm>
+            <a:off x="685800" y="4343400"/>
+            <a:ext cx="5486400" cy="4114800"/>
+          </a:xfrm>
+          <a:prstGeom prst="rect">
+            <a:avLst/>
+          </a:prstGeom>
+        </p:spPr>
+        <p:txBody>
+          <a:bodyPr anchorCtr="0" anchor="t" bIns="91425" lIns="91425" spcFirstLastPara="1" rIns="91425" wrap="square" tIns="91425">
+            <a:noAutofit/>
+          </a:bodyPr>
+          <a:lstStyle/>
+          <a:p>
+            <a:pPr indent="0" lvl="0" marL="0" rtl="0" algn="l">
+              <a:spcBef>
+                <a:spcPts val="0"/>
+              </a:spcBef>
+              <a:spcAft>
+                <a:spcPts val="0"/>
+              </a:spcAft>
+              <a:buNone/>
+            </a:pPr>
+            <a:r>
+              <a:t/>
+            </a:r>
+            <a:endParaRPr/>
+          </a:p>
+        </p:txBody>
+      </p:sp>
+    </p:spTree>
+  </p:cSld>
+  <p:clrMapOvr>
+    <a:masterClrMapping/>
+  </p:clrMapOvr>
+</p:notes>
+</file>
+
+<file path=ppt/notesSlides/notesSlide12.xml><?xml version="1.0" encoding="utf-8"?>
+<p:notes xmlns:a="http://schemas.openxmlformats.org/drawingml/2006/main" xmlns:r="http://schemas.openxmlformats.org/officeDocument/2006/relationships" xmlns:mc="http://schemas.openxmlformats.org/markup-compatibility/2006" xmlns:mv="urn:schemas-microsoft-com:mac:vml" xmlns:p="http://schemas.openxmlformats.org/presentationml/2006/main" xmlns:c="http://schemas.openxmlformats.org/drawingml/2006/chart" xmlns:dgm="http://schemas.openxmlformats.org/drawingml/2006/diagram" xmlns:o="urn:schemas-microsoft-com:office:office" xmlns:v="urn:schemas-microsoft-com:vml" xmlns:pvml="urn:schemas-microsoft-com:office:powerpoint" xmlns:com="http://schemas.openxmlformats.org/drawingml/2006/compatibility" xmlns:p14="http://schemas.microsoft.com/office/powerpoint/2010/main" xmlns:p15="http://schemas.microsoft.com/office/powerpoint/2012/main" xmlns:ahyp="http://schemas.microsoft.com/office/drawing/2018/hyperlinkcolor" showMasterPhAnim="0" showMasterSp="0">
+  <p:cSld>
+    <p:spTree>
+      <p:nvGrpSpPr>
+        <p:cNvPr id="131" name="Shape 131"/>
+        <p:cNvGrpSpPr/>
+        <p:nvPr/>
+      </p:nvGrpSpPr>
+      <p:grpSpPr>
+        <a:xfrm>
+          <a:off x="0" y="0"/>
+          <a:ext cx="0" cy="0"/>
+          <a:chOff x="0" y="0"/>
+          <a:chExt cx="0" cy="0"/>
+        </a:xfrm>
+      </p:grpSpPr>
+      <p:sp>
+        <p:nvSpPr>
+          <p:cNvPr id="132" name="Google Shape;132;gd163f6bd34_0_389:notes"/>
+          <p:cNvSpPr/>
+          <p:nvPr>
+            <p:ph idx="2" type="sldImg"/>
+          </p:nvPr>
+        </p:nvSpPr>
+        <p:spPr>
+          <a:xfrm>
+            <a:off x="381300" y="685800"/>
+            <a:ext cx="6096000" cy="3429000"/>
+          </a:xfrm>
+          <a:custGeom>
+            <a:rect b="b" l="l" r="r" t="t"/>
+            <a:pathLst>
+              <a:path extrusionOk="0" h="120000" w="120000">
+                <a:moveTo>
+                  <a:pt x="0" y="0"/>
+                </a:moveTo>
+                <a:lnTo>
+                  <a:pt x="120000" y="0"/>
+                </a:lnTo>
+                <a:lnTo>
+                  <a:pt x="120000" y="120000"/>
+                </a:lnTo>
+                <a:lnTo>
+                  <a:pt x="0" y="120000"/>
+                </a:lnTo>
+                <a:close/>
+              </a:path>
+            </a:pathLst>
+          </a:custGeom>
+        </p:spPr>
+      </p:sp>
+      <p:sp>
+        <p:nvSpPr>
+          <p:cNvPr id="133" name="Google Shape;133;gd163f6bd34_0_389:notes"/>
+          <p:cNvSpPr txBox="1"/>
+          <p:nvPr>
+            <p:ph idx="1" type="body"/>
+          </p:nvPr>
+        </p:nvSpPr>
+        <p:spPr>
+          <a:xfrm>
+            <a:off x="685800" y="4343400"/>
+            <a:ext cx="5486400" cy="4114800"/>
+          </a:xfrm>
+          <a:prstGeom prst="rect">
+            <a:avLst/>
+          </a:prstGeom>
+        </p:spPr>
+        <p:txBody>
+          <a:bodyPr anchorCtr="0" anchor="t" bIns="91425" lIns="91425" spcFirstLastPara="1" rIns="91425" wrap="square" tIns="91425">
+            <a:noAutofit/>
+          </a:bodyPr>
+          <a:lstStyle/>
+          <a:p>
+            <a:pPr indent="0" lvl="0" marL="0" rtl="0" algn="l">
+              <a:spcBef>
+                <a:spcPts val="0"/>
+              </a:spcBef>
+              <a:spcAft>
+                <a:spcPts val="0"/>
+              </a:spcAft>
+              <a:buNone/>
+            </a:pPr>
+            <a:r>
+              <a:t/>
+            </a:r>
+            <a:endParaRPr/>
+          </a:p>
+        </p:txBody>
+      </p:sp>
+    </p:spTree>
+  </p:cSld>
+  <p:clrMapOvr>
+    <a:masterClrMapping/>
+  </p:clrMapOvr>
+</p:notes>
+</file>
+
+<file path=ppt/notesSlides/notesSlide13.xml><?xml version="1.0" encoding="utf-8"?>
+<p:notes xmlns:a="http://schemas.openxmlformats.org/drawingml/2006/main" xmlns:r="http://schemas.openxmlformats.org/officeDocument/2006/relationships" xmlns:mc="http://schemas.openxmlformats.org/markup-compatibility/2006" xmlns:mv="urn:schemas-microsoft-com:mac:vml" xmlns:p="http://schemas.openxmlformats.org/presentationml/2006/main" xmlns:c="http://schemas.openxmlformats.org/drawingml/2006/chart" xmlns:dgm="http://schemas.openxmlformats.org/drawingml/2006/diagram" xmlns:o="urn:schemas-microsoft-com:office:office" xmlns:v="urn:schemas-microsoft-com:vml" xmlns:pvml="urn:schemas-microsoft-com:office:powerpoint" xmlns:com="http://schemas.openxmlformats.org/drawingml/2006/compatibility" xmlns:p14="http://schemas.microsoft.com/office/powerpoint/2010/main" xmlns:p15="http://schemas.microsoft.com/office/powerpoint/2012/main" xmlns:ahyp="http://schemas.microsoft.com/office/drawing/2018/hyperlinkcolor" showMasterPhAnim="0" showMasterSp="0">
+  <p:cSld>
+    <p:spTree>
+      <p:nvGrpSpPr>
+        <p:cNvPr id="138" name="Shape 138"/>
+        <p:cNvGrpSpPr/>
+        <p:nvPr/>
+      </p:nvGrpSpPr>
+      <p:grpSpPr>
+        <a:xfrm>
+          <a:off x="0" y="0"/>
+          <a:ext cx="0" cy="0"/>
+          <a:chOff x="0" y="0"/>
+          <a:chExt cx="0" cy="0"/>
+        </a:xfrm>
+      </p:grpSpPr>
+      <p:sp>
+        <p:nvSpPr>
+          <p:cNvPr id="139" name="Google Shape;139;gd163f6bd34_0_407:notes"/>
+          <p:cNvSpPr/>
+          <p:nvPr>
+            <p:ph idx="2" type="sldImg"/>
+          </p:nvPr>
+        </p:nvSpPr>
+        <p:spPr>
+          <a:xfrm>
+            <a:off x="381300" y="685800"/>
+            <a:ext cx="6096000" cy="3429000"/>
+          </a:xfrm>
+          <a:custGeom>
+            <a:rect b="b" l="l" r="r" t="t"/>
+            <a:pathLst>
+              <a:path extrusionOk="0" h="120000" w="120000">
+                <a:moveTo>
+                  <a:pt x="0" y="0"/>
+                </a:moveTo>
+                <a:lnTo>
+                  <a:pt x="120000" y="0"/>
+                </a:lnTo>
+                <a:lnTo>
+                  <a:pt x="120000" y="120000"/>
+                </a:lnTo>
+                <a:lnTo>
+                  <a:pt x="0" y="120000"/>
+                </a:lnTo>
+                <a:close/>
+              </a:path>
+            </a:pathLst>
+          </a:custGeom>
+        </p:spPr>
+      </p:sp>
+      <p:sp>
+        <p:nvSpPr>
+          <p:cNvPr id="140" name="Google Shape;140;gd163f6bd34_0_407:notes"/>
+          <p:cNvSpPr txBox="1"/>
+          <p:nvPr>
+            <p:ph idx="1" type="body"/>
+          </p:nvPr>
+        </p:nvSpPr>
+        <p:spPr>
+          <a:xfrm>
+            <a:off x="685800" y="4343400"/>
+            <a:ext cx="5486400" cy="4114800"/>
+          </a:xfrm>
+          <a:prstGeom prst="rect">
+            <a:avLst/>
+          </a:prstGeom>
+        </p:spPr>
+        <p:txBody>
+          <a:bodyPr anchorCtr="0" anchor="t" bIns="91425" lIns="91425" spcFirstLastPara="1" rIns="91425" wrap="square" tIns="91425">
+            <a:noAutofit/>
+          </a:bodyPr>
+          <a:lstStyle/>
+          <a:p>
+            <a:pPr indent="0" lvl="0" marL="0" rtl="0" algn="l">
+              <a:spcBef>
+                <a:spcPts val="0"/>
+              </a:spcBef>
+              <a:spcAft>
+                <a:spcPts val="0"/>
+              </a:spcAft>
+              <a:buNone/>
+            </a:pPr>
+            <a:r>
+              <a:t/>
+            </a:r>
             <a:endParaRPr/>
           </a:p>
         </p:txBody>
@@ -831,11 +1210,11 @@
 </file>
 
 <file path=ppt/notesSlides/notesSlide2.xml><?xml version="1.0" encoding="utf-8"?>
-<p:notes xmlns:a="http://schemas.openxmlformats.org/drawingml/2006/main" xmlns:r="http://schemas.openxmlformats.org/officeDocument/2006/relationships" xmlns:p="http://schemas.openxmlformats.org/presentationml/2006/main" showMasterSp="0" showMasterPhAnim="0">
+<p:notes xmlns:a="http://schemas.openxmlformats.org/drawingml/2006/main" xmlns:r="http://schemas.openxmlformats.org/officeDocument/2006/relationships" xmlns:mc="http://schemas.openxmlformats.org/markup-compatibility/2006" xmlns:mv="urn:schemas-microsoft-com:mac:vml" xmlns:p="http://schemas.openxmlformats.org/presentationml/2006/main" xmlns:c="http://schemas.openxmlformats.org/drawingml/2006/chart" xmlns:dgm="http://schemas.openxmlformats.org/drawingml/2006/diagram" xmlns:o="urn:schemas-microsoft-com:office:office" xmlns:v="urn:schemas-microsoft-com:vml" xmlns:pvml="urn:schemas-microsoft-com:office:powerpoint" xmlns:com="http://schemas.openxmlformats.org/drawingml/2006/compatibility" xmlns:p14="http://schemas.microsoft.com/office/powerpoint/2010/main" xmlns:p15="http://schemas.microsoft.com/office/powerpoint/2012/main" xmlns:ahyp="http://schemas.microsoft.com/office/drawing/2018/hyperlinkcolor" showMasterPhAnim="0" showMasterSp="0">
   <p:cSld>
     <p:spTree>
       <p:nvGrpSpPr>
-        <p:cNvPr id="1" name="Shape 66"/>
+        <p:cNvPr id="66" name="Shape 66"/>
         <p:cNvGrpSpPr/>
         <p:nvPr/>
       </p:nvGrpSpPr>
@@ -850,11 +1229,9 @@
       <p:sp>
         <p:nvSpPr>
           <p:cNvPr id="67" name="Google Shape;67;gd163f6bd34_0_268:notes"/>
-          <p:cNvSpPr>
-            <a:spLocks noGrp="1" noRot="1" noChangeAspect="1"/>
-          </p:cNvSpPr>
+          <p:cNvSpPr/>
           <p:nvPr>
-            <p:ph type="sldImg" idx="2"/>
+            <p:ph idx="2" type="sldImg"/>
           </p:nvPr>
         </p:nvSpPr>
         <p:spPr>
@@ -863,13 +1240,9 @@
             <a:ext cx="6096000" cy="3429000"/>
           </a:xfrm>
           <a:custGeom>
-            <a:avLst/>
-            <a:gdLst/>
-            <a:ahLst/>
-            <a:cxnLst/>
-            <a:rect l="l" t="t" r="r" b="b"/>
+            <a:rect b="b" l="l" r="r" t="t"/>
             <a:pathLst>
-              <a:path w="120000" h="120000" extrusionOk="0">
+              <a:path extrusionOk="0" h="120000" w="120000">
                 <a:moveTo>
                   <a:pt x="0" y="0"/>
                 </a:moveTo>
@@ -891,11 +1264,9 @@
       <p:sp>
         <p:nvSpPr>
           <p:cNvPr id="68" name="Google Shape;68;gd163f6bd34_0_268:notes"/>
-          <p:cNvSpPr txBox="1">
-            <a:spLocks noGrp="1"/>
-          </p:cNvSpPr>
+          <p:cNvSpPr txBox="1"/>
           <p:nvPr>
-            <p:ph type="body" idx="1"/>
+            <p:ph idx="1" type="body"/>
           </p:nvPr>
         </p:nvSpPr>
         <p:spPr>
@@ -908,12 +1279,12 @@
           </a:prstGeom>
         </p:spPr>
         <p:txBody>
-          <a:bodyPr spcFirstLastPara="1" wrap="square" lIns="91425" tIns="91425" rIns="91425" bIns="91425" anchor="t" anchorCtr="0">
+          <a:bodyPr anchorCtr="0" anchor="t" bIns="91425" lIns="91425" spcFirstLastPara="1" rIns="91425" wrap="square" tIns="91425">
             <a:noAutofit/>
           </a:bodyPr>
           <a:lstStyle/>
           <a:p>
-            <a:pPr marL="0" lvl="0" indent="0" algn="l" rtl="0">
+            <a:pPr indent="0" lvl="0" marL="0" rtl="0" algn="l">
               <a:spcBef>
                 <a:spcPts val="0"/>
               </a:spcBef>
@@ -922,6 +1293,9 @@
               </a:spcAft>
               <a:buNone/>
             </a:pPr>
+            <a:r>
+              <a:t/>
+            </a:r>
             <a:endParaRPr/>
           </a:p>
         </p:txBody>
@@ -935,11 +1309,11 @@
 </file>
 
 <file path=ppt/notesSlides/notesSlide3.xml><?xml version="1.0" encoding="utf-8"?>
-<p:notes xmlns:a="http://schemas.openxmlformats.org/drawingml/2006/main" xmlns:r="http://schemas.openxmlformats.org/officeDocument/2006/relationships" xmlns:p="http://schemas.openxmlformats.org/presentationml/2006/main" showMasterSp="0" showMasterPhAnim="0">
+<p:notes xmlns:a="http://schemas.openxmlformats.org/drawingml/2006/main" xmlns:r="http://schemas.openxmlformats.org/officeDocument/2006/relationships" xmlns:mc="http://schemas.openxmlformats.org/markup-compatibility/2006" xmlns:mv="urn:schemas-microsoft-com:mac:vml" xmlns:p="http://schemas.openxmlformats.org/presentationml/2006/main" xmlns:c="http://schemas.openxmlformats.org/drawingml/2006/chart" xmlns:dgm="http://schemas.openxmlformats.org/drawingml/2006/diagram" xmlns:o="urn:schemas-microsoft-com:office:office" xmlns:v="urn:schemas-microsoft-com:vml" xmlns:pvml="urn:schemas-microsoft-com:office:powerpoint" xmlns:com="http://schemas.openxmlformats.org/drawingml/2006/compatibility" xmlns:p14="http://schemas.microsoft.com/office/powerpoint/2010/main" xmlns:p15="http://schemas.microsoft.com/office/powerpoint/2012/main" xmlns:ahyp="http://schemas.microsoft.com/office/drawing/2018/hyperlinkcolor" showMasterPhAnim="0" showMasterSp="0">
   <p:cSld>
     <p:spTree>
       <p:nvGrpSpPr>
-        <p:cNvPr id="1" name="Shape 72"/>
+        <p:cNvPr id="72" name="Shape 72"/>
         <p:cNvGrpSpPr/>
         <p:nvPr/>
       </p:nvGrpSpPr>
@@ -954,11 +1328,9 @@
       <p:sp>
         <p:nvSpPr>
           <p:cNvPr id="73" name="Google Shape;73;gd163f6bd34_0_273:notes"/>
-          <p:cNvSpPr>
-            <a:spLocks noGrp="1" noRot="1" noChangeAspect="1"/>
-          </p:cNvSpPr>
+          <p:cNvSpPr/>
           <p:nvPr>
-            <p:ph type="sldImg" idx="2"/>
+            <p:ph idx="2" type="sldImg"/>
           </p:nvPr>
         </p:nvSpPr>
         <p:spPr>
@@ -967,13 +1339,9 @@
             <a:ext cx="6096000" cy="3429000"/>
           </a:xfrm>
           <a:custGeom>
-            <a:avLst/>
-            <a:gdLst/>
-            <a:ahLst/>
-            <a:cxnLst/>
-            <a:rect l="l" t="t" r="r" b="b"/>
+            <a:rect b="b" l="l" r="r" t="t"/>
             <a:pathLst>
-              <a:path w="120000" h="120000" extrusionOk="0">
+              <a:path extrusionOk="0" h="120000" w="120000">
                 <a:moveTo>
                   <a:pt x="0" y="0"/>
                 </a:moveTo>
@@ -995,11 +1363,9 @@
       <p:sp>
         <p:nvSpPr>
           <p:cNvPr id="74" name="Google Shape;74;gd163f6bd34_0_273:notes"/>
-          <p:cNvSpPr txBox="1">
-            <a:spLocks noGrp="1"/>
-          </p:cNvSpPr>
+          <p:cNvSpPr txBox="1"/>
           <p:nvPr>
-            <p:ph type="body" idx="1"/>
+            <p:ph idx="1" type="body"/>
           </p:nvPr>
         </p:nvSpPr>
         <p:spPr>
@@ -1012,12 +1378,12 @@
           </a:prstGeom>
         </p:spPr>
         <p:txBody>
-          <a:bodyPr spcFirstLastPara="1" wrap="square" lIns="91425" tIns="91425" rIns="91425" bIns="91425" anchor="t" anchorCtr="0">
+          <a:bodyPr anchorCtr="0" anchor="t" bIns="91425" lIns="91425" spcFirstLastPara="1" rIns="91425" wrap="square" tIns="91425">
             <a:noAutofit/>
           </a:bodyPr>
           <a:lstStyle/>
           <a:p>
-            <a:pPr marL="0" lvl="0" indent="0" algn="l" rtl="0">
+            <a:pPr indent="0" lvl="0" marL="0" rtl="0" algn="l">
               <a:spcBef>
                 <a:spcPts val="0"/>
               </a:spcBef>
@@ -1026,6 +1392,9 @@
               </a:spcAft>
               <a:buNone/>
             </a:pPr>
+            <a:r>
+              <a:t/>
+            </a:r>
             <a:endParaRPr/>
           </a:p>
         </p:txBody>
@@ -1039,11 +1408,11 @@
 </file>
 
 <file path=ppt/notesSlides/notesSlide4.xml><?xml version="1.0" encoding="utf-8"?>
-<p:notes xmlns:a="http://schemas.openxmlformats.org/drawingml/2006/main" xmlns:r="http://schemas.openxmlformats.org/officeDocument/2006/relationships" xmlns:p="http://schemas.openxmlformats.org/presentationml/2006/main" showMasterSp="0" showMasterPhAnim="0">
+<p:notes xmlns:a="http://schemas.openxmlformats.org/drawingml/2006/main" xmlns:r="http://schemas.openxmlformats.org/officeDocument/2006/relationships" xmlns:mc="http://schemas.openxmlformats.org/markup-compatibility/2006" xmlns:mv="urn:schemas-microsoft-com:mac:vml" xmlns:p="http://schemas.openxmlformats.org/presentationml/2006/main" xmlns:c="http://schemas.openxmlformats.org/drawingml/2006/chart" xmlns:dgm="http://schemas.openxmlformats.org/drawingml/2006/diagram" xmlns:o="urn:schemas-microsoft-com:office:office" xmlns:v="urn:schemas-microsoft-com:vml" xmlns:pvml="urn:schemas-microsoft-com:office:powerpoint" xmlns:com="http://schemas.openxmlformats.org/drawingml/2006/compatibility" xmlns:p14="http://schemas.microsoft.com/office/powerpoint/2010/main" xmlns:p15="http://schemas.microsoft.com/office/powerpoint/2012/main" xmlns:ahyp="http://schemas.microsoft.com/office/drawing/2018/hyperlinkcolor" showMasterPhAnim="0" showMasterSp="0">
   <p:cSld>
     <p:spTree>
       <p:nvGrpSpPr>
-        <p:cNvPr id="1" name="Shape 78"/>
+        <p:cNvPr id="78" name="Shape 78"/>
         <p:cNvGrpSpPr/>
         <p:nvPr/>
       </p:nvGrpSpPr>
@@ -1058,11 +1427,9 @@
       <p:sp>
         <p:nvSpPr>
           <p:cNvPr id="79" name="Google Shape;79;gd163f6bd34_0_278:notes"/>
-          <p:cNvSpPr>
-            <a:spLocks noGrp="1" noRot="1" noChangeAspect="1"/>
-          </p:cNvSpPr>
+          <p:cNvSpPr/>
           <p:nvPr>
-            <p:ph type="sldImg" idx="2"/>
+            <p:ph idx="2" type="sldImg"/>
           </p:nvPr>
         </p:nvSpPr>
         <p:spPr>
@@ -1071,13 +1438,9 @@
             <a:ext cx="6096000" cy="3429000"/>
           </a:xfrm>
           <a:custGeom>
-            <a:avLst/>
-            <a:gdLst/>
-            <a:ahLst/>
-            <a:cxnLst/>
-            <a:rect l="l" t="t" r="r" b="b"/>
+            <a:rect b="b" l="l" r="r" t="t"/>
             <a:pathLst>
-              <a:path w="120000" h="120000" extrusionOk="0">
+              <a:path extrusionOk="0" h="120000" w="120000">
                 <a:moveTo>
                   <a:pt x="0" y="0"/>
                 </a:moveTo>
@@ -1099,11 +1462,9 @@
       <p:sp>
         <p:nvSpPr>
           <p:cNvPr id="80" name="Google Shape;80;gd163f6bd34_0_278:notes"/>
-          <p:cNvSpPr txBox="1">
-            <a:spLocks noGrp="1"/>
-          </p:cNvSpPr>
+          <p:cNvSpPr txBox="1"/>
           <p:nvPr>
-            <p:ph type="body" idx="1"/>
+            <p:ph idx="1" type="body"/>
           </p:nvPr>
         </p:nvSpPr>
         <p:spPr>
@@ -1116,12 +1477,12 @@
           </a:prstGeom>
         </p:spPr>
         <p:txBody>
-          <a:bodyPr spcFirstLastPara="1" wrap="square" lIns="91425" tIns="91425" rIns="91425" bIns="91425" anchor="t" anchorCtr="0">
+          <a:bodyPr anchorCtr="0" anchor="t" bIns="91425" lIns="91425" spcFirstLastPara="1" rIns="91425" wrap="square" tIns="91425">
             <a:noAutofit/>
           </a:bodyPr>
           <a:lstStyle/>
           <a:p>
-            <a:pPr marL="0" lvl="0" indent="0" algn="l" rtl="0">
+            <a:pPr indent="0" lvl="0" marL="0" rtl="0" algn="l">
               <a:spcBef>
                 <a:spcPts val="0"/>
               </a:spcBef>
@@ -1130,6 +1491,9 @@
               </a:spcAft>
               <a:buNone/>
             </a:pPr>
+            <a:r>
+              <a:t/>
+            </a:r>
             <a:endParaRPr/>
           </a:p>
         </p:txBody>
@@ -1143,11 +1507,11 @@
 </file>
 
 <file path=ppt/notesSlides/notesSlide5.xml><?xml version="1.0" encoding="utf-8"?>
-<p:notes xmlns:a="http://schemas.openxmlformats.org/drawingml/2006/main" xmlns:r="http://schemas.openxmlformats.org/officeDocument/2006/relationships" xmlns:p="http://schemas.openxmlformats.org/presentationml/2006/main" showMasterSp="0" showMasterPhAnim="0">
+<p:notes xmlns:a="http://schemas.openxmlformats.org/drawingml/2006/main" xmlns:r="http://schemas.openxmlformats.org/officeDocument/2006/relationships" xmlns:mc="http://schemas.openxmlformats.org/markup-compatibility/2006" xmlns:mv="urn:schemas-microsoft-com:mac:vml" xmlns:p="http://schemas.openxmlformats.org/presentationml/2006/main" xmlns:c="http://schemas.openxmlformats.org/drawingml/2006/chart" xmlns:dgm="http://schemas.openxmlformats.org/drawingml/2006/diagram" xmlns:o="urn:schemas-microsoft-com:office:office" xmlns:v="urn:schemas-microsoft-com:vml" xmlns:pvml="urn:schemas-microsoft-com:office:powerpoint" xmlns:com="http://schemas.openxmlformats.org/drawingml/2006/compatibility" xmlns:p14="http://schemas.microsoft.com/office/powerpoint/2010/main" xmlns:p15="http://schemas.microsoft.com/office/powerpoint/2012/main" xmlns:ahyp="http://schemas.microsoft.com/office/drawing/2018/hyperlinkcolor" showMasterPhAnim="0" showMasterSp="0">
   <p:cSld>
     <p:spTree>
       <p:nvGrpSpPr>
-        <p:cNvPr id="1" name="Shape 84"/>
+        <p:cNvPr id="84" name="Shape 84"/>
         <p:cNvGrpSpPr/>
         <p:nvPr/>
       </p:nvGrpSpPr>
@@ -1161,12 +1525,10 @@
       </p:grpSpPr>
       <p:sp>
         <p:nvSpPr>
-          <p:cNvPr id="85" name="Google Shape;85;gd163f6bd34_0_342:notes"/>
-          <p:cNvSpPr>
-            <a:spLocks noGrp="1" noRot="1" noChangeAspect="1"/>
-          </p:cNvSpPr>
+          <p:cNvPr id="85" name="Google Shape;85;gd163f6bd34_0_413:notes"/>
+          <p:cNvSpPr/>
           <p:nvPr>
-            <p:ph type="sldImg" idx="2"/>
+            <p:ph idx="2" type="sldImg"/>
           </p:nvPr>
         </p:nvSpPr>
         <p:spPr>
@@ -1175,13 +1537,9 @@
             <a:ext cx="6096000" cy="3429000"/>
           </a:xfrm>
           <a:custGeom>
-            <a:avLst/>
-            <a:gdLst/>
-            <a:ahLst/>
-            <a:cxnLst/>
-            <a:rect l="l" t="t" r="r" b="b"/>
+            <a:rect b="b" l="l" r="r" t="t"/>
             <a:pathLst>
-              <a:path w="120000" h="120000" extrusionOk="0">
+              <a:path extrusionOk="0" h="120000" w="120000">
                 <a:moveTo>
                   <a:pt x="0" y="0"/>
                 </a:moveTo>
@@ -1202,12 +1560,10 @@
       </p:sp>
       <p:sp>
         <p:nvSpPr>
-          <p:cNvPr id="86" name="Google Shape;86;gd163f6bd34_0_342:notes"/>
-          <p:cNvSpPr txBox="1">
-            <a:spLocks noGrp="1"/>
-          </p:cNvSpPr>
+          <p:cNvPr id="86" name="Google Shape;86;gd163f6bd34_0_413:notes"/>
+          <p:cNvSpPr txBox="1"/>
           <p:nvPr>
-            <p:ph type="body" idx="1"/>
+            <p:ph idx="1" type="body"/>
           </p:nvPr>
         </p:nvSpPr>
         <p:spPr>
@@ -1220,12 +1576,12 @@
           </a:prstGeom>
         </p:spPr>
         <p:txBody>
-          <a:bodyPr spcFirstLastPara="1" wrap="square" lIns="91425" tIns="91425" rIns="91425" bIns="91425" anchor="t" anchorCtr="0">
+          <a:bodyPr anchorCtr="0" anchor="t" bIns="91425" lIns="91425" spcFirstLastPara="1" rIns="91425" wrap="square" tIns="91425">
             <a:noAutofit/>
           </a:bodyPr>
           <a:lstStyle/>
           <a:p>
-            <a:pPr marL="0" lvl="0" indent="0" algn="l" rtl="0">
+            <a:pPr indent="0" lvl="0" marL="0" rtl="0" algn="l">
               <a:spcBef>
                 <a:spcPts val="0"/>
               </a:spcBef>
@@ -1234,6 +1590,9 @@
               </a:spcAft>
               <a:buNone/>
             </a:pPr>
+            <a:r>
+              <a:t/>
+            </a:r>
             <a:endParaRPr/>
           </a:p>
         </p:txBody>
@@ -1247,11 +1606,11 @@
 </file>
 
 <file path=ppt/notesSlides/notesSlide6.xml><?xml version="1.0" encoding="utf-8"?>
-<p:notes xmlns:a="http://schemas.openxmlformats.org/drawingml/2006/main" xmlns:r="http://schemas.openxmlformats.org/officeDocument/2006/relationships" xmlns:p="http://schemas.openxmlformats.org/presentationml/2006/main" showMasterSp="0" showMasterPhAnim="0">
+<p:notes xmlns:a="http://schemas.openxmlformats.org/drawingml/2006/main" xmlns:r="http://schemas.openxmlformats.org/officeDocument/2006/relationships" xmlns:mc="http://schemas.openxmlformats.org/markup-compatibility/2006" xmlns:mv="urn:schemas-microsoft-com:mac:vml" xmlns:p="http://schemas.openxmlformats.org/presentationml/2006/main" xmlns:c="http://schemas.openxmlformats.org/drawingml/2006/chart" xmlns:dgm="http://schemas.openxmlformats.org/drawingml/2006/diagram" xmlns:o="urn:schemas-microsoft-com:office:office" xmlns:v="urn:schemas-microsoft-com:vml" xmlns:pvml="urn:schemas-microsoft-com:office:powerpoint" xmlns:com="http://schemas.openxmlformats.org/drawingml/2006/compatibility" xmlns:p14="http://schemas.microsoft.com/office/powerpoint/2010/main" xmlns:p15="http://schemas.microsoft.com/office/powerpoint/2012/main" xmlns:ahyp="http://schemas.microsoft.com/office/drawing/2018/hyperlinkcolor" showMasterPhAnim="0" showMasterSp="0">
   <p:cSld>
     <p:spTree>
       <p:nvGrpSpPr>
-        <p:cNvPr id="1" name="Shape 91"/>
+        <p:cNvPr id="89" name="Shape 89"/>
         <p:cNvGrpSpPr/>
         <p:nvPr/>
       </p:nvGrpSpPr>
@@ -1265,12 +1624,10 @@
       </p:grpSpPr>
       <p:sp>
         <p:nvSpPr>
-          <p:cNvPr id="92" name="Google Shape;92;gd163f6bd34_0_368:notes"/>
-          <p:cNvSpPr>
-            <a:spLocks noGrp="1" noRot="1" noChangeAspect="1"/>
-          </p:cNvSpPr>
+          <p:cNvPr id="90" name="Google Shape;90;gd163f6bd34_0_342:notes"/>
+          <p:cNvSpPr/>
           <p:nvPr>
-            <p:ph type="sldImg" idx="2"/>
+            <p:ph idx="2" type="sldImg"/>
           </p:nvPr>
         </p:nvSpPr>
         <p:spPr>
@@ -1279,13 +1636,9 @@
             <a:ext cx="6096000" cy="3429000"/>
           </a:xfrm>
           <a:custGeom>
-            <a:avLst/>
-            <a:gdLst/>
-            <a:ahLst/>
-            <a:cxnLst/>
-            <a:rect l="l" t="t" r="r" b="b"/>
+            <a:rect b="b" l="l" r="r" t="t"/>
             <a:pathLst>
-              <a:path w="120000" h="120000" extrusionOk="0">
+              <a:path extrusionOk="0" h="120000" w="120000">
                 <a:moveTo>
                   <a:pt x="0" y="0"/>
                 </a:moveTo>
@@ -1306,12 +1659,10 @@
       </p:sp>
       <p:sp>
         <p:nvSpPr>
-          <p:cNvPr id="93" name="Google Shape;93;gd163f6bd34_0_368:notes"/>
-          <p:cNvSpPr txBox="1">
-            <a:spLocks noGrp="1"/>
-          </p:cNvSpPr>
+          <p:cNvPr id="91" name="Google Shape;91;gd163f6bd34_0_342:notes"/>
+          <p:cNvSpPr txBox="1"/>
           <p:nvPr>
-            <p:ph type="body" idx="1"/>
+            <p:ph idx="1" type="body"/>
           </p:nvPr>
         </p:nvSpPr>
         <p:spPr>
@@ -1324,12 +1675,12 @@
           </a:prstGeom>
         </p:spPr>
         <p:txBody>
-          <a:bodyPr spcFirstLastPara="1" wrap="square" lIns="91425" tIns="91425" rIns="91425" bIns="91425" anchor="t" anchorCtr="0">
+          <a:bodyPr anchorCtr="0" anchor="t" bIns="91425" lIns="91425" spcFirstLastPara="1" rIns="91425" wrap="square" tIns="91425">
             <a:noAutofit/>
           </a:bodyPr>
           <a:lstStyle/>
           <a:p>
-            <a:pPr marL="0" lvl="0" indent="0" algn="l" rtl="0">
+            <a:pPr indent="0" lvl="0" marL="0" rtl="0" algn="l">
               <a:spcBef>
                 <a:spcPts val="0"/>
               </a:spcBef>
@@ -1338,6 +1689,9 @@
               </a:spcAft>
               <a:buNone/>
             </a:pPr>
+            <a:r>
+              <a:t/>
+            </a:r>
             <a:endParaRPr/>
           </a:p>
         </p:txBody>
@@ -1351,11 +1705,11 @@
 </file>
 
 <file path=ppt/notesSlides/notesSlide7.xml><?xml version="1.0" encoding="utf-8"?>
-<p:notes xmlns:a="http://schemas.openxmlformats.org/drawingml/2006/main" xmlns:r="http://schemas.openxmlformats.org/officeDocument/2006/relationships" xmlns:p="http://schemas.openxmlformats.org/presentationml/2006/main" showMasterSp="0" showMasterPhAnim="0">
+<p:notes xmlns:a="http://schemas.openxmlformats.org/drawingml/2006/main" xmlns:r="http://schemas.openxmlformats.org/officeDocument/2006/relationships" xmlns:mc="http://schemas.openxmlformats.org/markup-compatibility/2006" xmlns:mv="urn:schemas-microsoft-com:mac:vml" xmlns:p="http://schemas.openxmlformats.org/presentationml/2006/main" xmlns:c="http://schemas.openxmlformats.org/drawingml/2006/chart" xmlns:dgm="http://schemas.openxmlformats.org/drawingml/2006/diagram" xmlns:o="urn:schemas-microsoft-com:office:office" xmlns:v="urn:schemas-microsoft-com:vml" xmlns:pvml="urn:schemas-microsoft-com:office:powerpoint" xmlns:com="http://schemas.openxmlformats.org/drawingml/2006/compatibility" xmlns:p14="http://schemas.microsoft.com/office/powerpoint/2010/main" xmlns:p15="http://schemas.microsoft.com/office/powerpoint/2012/main" xmlns:ahyp="http://schemas.microsoft.com/office/drawing/2018/hyperlinkcolor" showMasterPhAnim="0" showMasterSp="0">
   <p:cSld>
     <p:spTree>
       <p:nvGrpSpPr>
-        <p:cNvPr id="1" name="Shape 98"/>
+        <p:cNvPr id="96" name="Shape 96"/>
         <p:cNvGrpSpPr/>
         <p:nvPr/>
       </p:nvGrpSpPr>
@@ -1369,12 +1723,10 @@
       </p:grpSpPr>
       <p:sp>
         <p:nvSpPr>
-          <p:cNvPr id="99" name="Google Shape;99;gd163f6bd34_0_374:notes"/>
-          <p:cNvSpPr>
-            <a:spLocks noGrp="1" noRot="1" noChangeAspect="1"/>
-          </p:cNvSpPr>
+          <p:cNvPr id="97" name="Google Shape;97;gd163f6bd34_0_368:notes"/>
+          <p:cNvSpPr/>
           <p:nvPr>
-            <p:ph type="sldImg" idx="2"/>
+            <p:ph idx="2" type="sldImg"/>
           </p:nvPr>
         </p:nvSpPr>
         <p:spPr>
@@ -1383,13 +1735,9 @@
             <a:ext cx="6096000" cy="3429000"/>
           </a:xfrm>
           <a:custGeom>
-            <a:avLst/>
-            <a:gdLst/>
-            <a:ahLst/>
-            <a:cxnLst/>
-            <a:rect l="l" t="t" r="r" b="b"/>
+            <a:rect b="b" l="l" r="r" t="t"/>
             <a:pathLst>
-              <a:path w="120000" h="120000" extrusionOk="0">
+              <a:path extrusionOk="0" h="120000" w="120000">
                 <a:moveTo>
                   <a:pt x="0" y="0"/>
                 </a:moveTo>
@@ -1410,12 +1758,10 @@
       </p:sp>
       <p:sp>
         <p:nvSpPr>
-          <p:cNvPr id="100" name="Google Shape;100;gd163f6bd34_0_374:notes"/>
-          <p:cNvSpPr txBox="1">
-            <a:spLocks noGrp="1"/>
-          </p:cNvSpPr>
+          <p:cNvPr id="98" name="Google Shape;98;gd163f6bd34_0_368:notes"/>
+          <p:cNvSpPr txBox="1"/>
           <p:nvPr>
-            <p:ph type="body" idx="1"/>
+            <p:ph idx="1" type="body"/>
           </p:nvPr>
         </p:nvSpPr>
         <p:spPr>
@@ -1428,12 +1774,12 @@
           </a:prstGeom>
         </p:spPr>
         <p:txBody>
-          <a:bodyPr spcFirstLastPara="1" wrap="square" lIns="91425" tIns="91425" rIns="91425" bIns="91425" anchor="t" anchorCtr="0">
+          <a:bodyPr anchorCtr="0" anchor="t" bIns="91425" lIns="91425" spcFirstLastPara="1" rIns="91425" wrap="square" tIns="91425">
             <a:noAutofit/>
           </a:bodyPr>
           <a:lstStyle/>
           <a:p>
-            <a:pPr marL="0" lvl="0" indent="0" algn="l" rtl="0">
+            <a:pPr indent="0" lvl="0" marL="0" rtl="0" algn="l">
               <a:spcBef>
                 <a:spcPts val="0"/>
               </a:spcBef>
@@ -1442,6 +1788,9 @@
               </a:spcAft>
               <a:buNone/>
             </a:pPr>
+            <a:r>
+              <a:t/>
+            </a:r>
             <a:endParaRPr/>
           </a:p>
         </p:txBody>
@@ -1455,11 +1804,11 @@
 </file>
 
 <file path=ppt/notesSlides/notesSlide8.xml><?xml version="1.0" encoding="utf-8"?>
-<p:notes xmlns:a="http://schemas.openxmlformats.org/drawingml/2006/main" xmlns:r="http://schemas.openxmlformats.org/officeDocument/2006/relationships" xmlns:p="http://schemas.openxmlformats.org/presentationml/2006/main" showMasterSp="0" showMasterPhAnim="0">
+<p:notes xmlns:a="http://schemas.openxmlformats.org/drawingml/2006/main" xmlns:r="http://schemas.openxmlformats.org/officeDocument/2006/relationships" xmlns:mc="http://schemas.openxmlformats.org/markup-compatibility/2006" xmlns:mv="urn:schemas-microsoft-com:mac:vml" xmlns:p="http://schemas.openxmlformats.org/presentationml/2006/main" xmlns:c="http://schemas.openxmlformats.org/drawingml/2006/chart" xmlns:dgm="http://schemas.openxmlformats.org/drawingml/2006/diagram" xmlns:o="urn:schemas-microsoft-com:office:office" xmlns:v="urn:schemas-microsoft-com:vml" xmlns:pvml="urn:schemas-microsoft-com:office:powerpoint" xmlns:com="http://schemas.openxmlformats.org/drawingml/2006/compatibility" xmlns:p14="http://schemas.microsoft.com/office/powerpoint/2010/main" xmlns:p15="http://schemas.microsoft.com/office/powerpoint/2012/main" xmlns:ahyp="http://schemas.microsoft.com/office/drawing/2018/hyperlinkcolor" showMasterPhAnim="0" showMasterSp="0">
   <p:cSld>
     <p:spTree>
       <p:nvGrpSpPr>
-        <p:cNvPr id="1" name="Shape 105"/>
+        <p:cNvPr id="103" name="Shape 103"/>
         <p:cNvGrpSpPr/>
         <p:nvPr/>
       </p:nvGrpSpPr>
@@ -1473,12 +1822,10 @@
       </p:grpSpPr>
       <p:sp>
         <p:nvSpPr>
-          <p:cNvPr id="106" name="Google Shape;106;gd163f6bd34_0_380:notes"/>
-          <p:cNvSpPr>
-            <a:spLocks noGrp="1" noRot="1" noChangeAspect="1"/>
-          </p:cNvSpPr>
+          <p:cNvPr id="104" name="Google Shape;104;gd163f6bd34_0_374:notes"/>
+          <p:cNvSpPr/>
           <p:nvPr>
-            <p:ph type="sldImg" idx="2"/>
+            <p:ph idx="2" type="sldImg"/>
           </p:nvPr>
         </p:nvSpPr>
         <p:spPr>
@@ -1487,13 +1834,9 @@
             <a:ext cx="6096000" cy="3429000"/>
           </a:xfrm>
           <a:custGeom>
-            <a:avLst/>
-            <a:gdLst/>
-            <a:ahLst/>
-            <a:cxnLst/>
-            <a:rect l="l" t="t" r="r" b="b"/>
+            <a:rect b="b" l="l" r="r" t="t"/>
             <a:pathLst>
-              <a:path w="120000" h="120000" extrusionOk="0">
+              <a:path extrusionOk="0" h="120000" w="120000">
                 <a:moveTo>
                   <a:pt x="0" y="0"/>
                 </a:moveTo>
@@ -1514,12 +1857,10 @@
       </p:sp>
       <p:sp>
         <p:nvSpPr>
-          <p:cNvPr id="107" name="Google Shape;107;gd163f6bd34_0_380:notes"/>
-          <p:cNvSpPr txBox="1">
-            <a:spLocks noGrp="1"/>
-          </p:cNvSpPr>
+          <p:cNvPr id="105" name="Google Shape;105;gd163f6bd34_0_374:notes"/>
+          <p:cNvSpPr txBox="1"/>
           <p:nvPr>
-            <p:ph type="body" idx="1"/>
+            <p:ph idx="1" type="body"/>
           </p:nvPr>
         </p:nvSpPr>
         <p:spPr>
@@ -1532,12 +1873,12 @@
           </a:prstGeom>
         </p:spPr>
         <p:txBody>
-          <a:bodyPr spcFirstLastPara="1" wrap="square" lIns="91425" tIns="91425" rIns="91425" bIns="91425" anchor="t" anchorCtr="0">
+          <a:bodyPr anchorCtr="0" anchor="t" bIns="91425" lIns="91425" spcFirstLastPara="1" rIns="91425" wrap="square" tIns="91425">
             <a:noAutofit/>
           </a:bodyPr>
           <a:lstStyle/>
           <a:p>
-            <a:pPr marL="0" lvl="0" indent="0" algn="l" rtl="0">
+            <a:pPr indent="0" lvl="0" marL="0" rtl="0" algn="l">
               <a:spcBef>
                 <a:spcPts val="0"/>
               </a:spcBef>
@@ -1546,6 +1887,9 @@
               </a:spcAft>
               <a:buNone/>
             </a:pPr>
+            <a:r>
+              <a:t/>
+            </a:r>
             <a:endParaRPr/>
           </a:p>
         </p:txBody>
@@ -1559,11 +1903,11 @@
 </file>
 
 <file path=ppt/notesSlides/notesSlide9.xml><?xml version="1.0" encoding="utf-8"?>
-<p:notes xmlns:a="http://schemas.openxmlformats.org/drawingml/2006/main" xmlns:r="http://schemas.openxmlformats.org/officeDocument/2006/relationships" xmlns:p="http://schemas.openxmlformats.org/presentationml/2006/main" showMasterSp="0" showMasterPhAnim="0">
+<p:notes xmlns:a="http://schemas.openxmlformats.org/drawingml/2006/main" xmlns:r="http://schemas.openxmlformats.org/officeDocument/2006/relationships" xmlns:mc="http://schemas.openxmlformats.org/markup-compatibility/2006" xmlns:mv="urn:schemas-microsoft-com:mac:vml" xmlns:p="http://schemas.openxmlformats.org/presentationml/2006/main" xmlns:c="http://schemas.openxmlformats.org/drawingml/2006/chart" xmlns:dgm="http://schemas.openxmlformats.org/drawingml/2006/diagram" xmlns:o="urn:schemas-microsoft-com:office:office" xmlns:v="urn:schemas-microsoft-com:vml" xmlns:pvml="urn:schemas-microsoft-com:office:powerpoint" xmlns:com="http://schemas.openxmlformats.org/drawingml/2006/compatibility" xmlns:p14="http://schemas.microsoft.com/office/powerpoint/2010/main" xmlns:p15="http://schemas.microsoft.com/office/powerpoint/2012/main" xmlns:ahyp="http://schemas.microsoft.com/office/drawing/2018/hyperlinkcolor" showMasterPhAnim="0" showMasterSp="0">
   <p:cSld>
     <p:spTree>
       <p:nvGrpSpPr>
-        <p:cNvPr id="1" name="Shape 112"/>
+        <p:cNvPr id="110" name="Shape 110"/>
         <p:cNvGrpSpPr/>
         <p:nvPr/>
       </p:nvGrpSpPr>
@@ -1577,12 +1921,10 @@
       </p:grpSpPr>
       <p:sp>
         <p:nvSpPr>
-          <p:cNvPr id="113" name="Google Shape;113;gd163f6bd34_0_389:notes"/>
-          <p:cNvSpPr>
-            <a:spLocks noGrp="1" noRot="1" noChangeAspect="1"/>
-          </p:cNvSpPr>
+          <p:cNvPr id="111" name="Google Shape;111;gd163f6bd34_0_380:notes"/>
+          <p:cNvSpPr/>
           <p:nvPr>
-            <p:ph type="sldImg" idx="2"/>
+            <p:ph idx="2" type="sldImg"/>
           </p:nvPr>
         </p:nvSpPr>
         <p:spPr>
@@ -1591,13 +1933,9 @@
             <a:ext cx="6096000" cy="3429000"/>
           </a:xfrm>
           <a:custGeom>
-            <a:avLst/>
-            <a:gdLst/>
-            <a:ahLst/>
-            <a:cxnLst/>
-            <a:rect l="l" t="t" r="r" b="b"/>
+            <a:rect b="b" l="l" r="r" t="t"/>
             <a:pathLst>
-              <a:path w="120000" h="120000" extrusionOk="0">
+              <a:path extrusionOk="0" h="120000" w="120000">
                 <a:moveTo>
                   <a:pt x="0" y="0"/>
                 </a:moveTo>
@@ -1618,12 +1956,10 @@
       </p:sp>
       <p:sp>
         <p:nvSpPr>
-          <p:cNvPr id="114" name="Google Shape;114;gd163f6bd34_0_389:notes"/>
-          <p:cNvSpPr txBox="1">
-            <a:spLocks noGrp="1"/>
-          </p:cNvSpPr>
+          <p:cNvPr id="112" name="Google Shape;112;gd163f6bd34_0_380:notes"/>
+          <p:cNvSpPr txBox="1"/>
           <p:nvPr>
-            <p:ph type="body" idx="1"/>
+            <p:ph idx="1" type="body"/>
           </p:nvPr>
         </p:nvSpPr>
         <p:spPr>
@@ -1636,12 +1972,12 @@
           </a:prstGeom>
         </p:spPr>
         <p:txBody>
-          <a:bodyPr spcFirstLastPara="1" wrap="square" lIns="91425" tIns="91425" rIns="91425" bIns="91425" anchor="t" anchorCtr="0">
+          <a:bodyPr anchorCtr="0" anchor="t" bIns="91425" lIns="91425" spcFirstLastPara="1" rIns="91425" wrap="square" tIns="91425">
             <a:noAutofit/>
           </a:bodyPr>
           <a:lstStyle/>
           <a:p>
-            <a:pPr marL="0" lvl="0" indent="0" algn="l" rtl="0">
+            <a:pPr indent="0" lvl="0" marL="0" rtl="0" algn="l">
               <a:spcBef>
                 <a:spcPts val="0"/>
               </a:spcBef>
@@ -1650,6 +1986,9 @@
               </a:spcAft>
               <a:buNone/>
             </a:pPr>
+            <a:r>
+              <a:t/>
+            </a:r>
             <a:endParaRPr/>
           </a:p>
         </p:txBody>
@@ -1663,19 +2002,18 @@
 </file>
 
 <file path=ppt/slideLayouts/slideLayout1.xml><?xml version="1.0" encoding="utf-8"?>
-<p:sldLayout xmlns:a="http://schemas.openxmlformats.org/drawingml/2006/main" xmlns:r="http://schemas.openxmlformats.org/officeDocument/2006/relationships" xmlns:p="http://schemas.openxmlformats.org/presentationml/2006/main" matchingName="Title slide" type="title">
+<p:sldLayout xmlns:a="http://schemas.openxmlformats.org/drawingml/2006/main" xmlns:r="http://schemas.openxmlformats.org/officeDocument/2006/relationships" xmlns:mc="http://schemas.openxmlformats.org/markup-compatibility/2006" xmlns:mv="urn:schemas-microsoft-com:mac:vml" xmlns:p="http://schemas.openxmlformats.org/presentationml/2006/main" xmlns:c="http://schemas.openxmlformats.org/drawingml/2006/chart" xmlns:dgm="http://schemas.openxmlformats.org/drawingml/2006/diagram" xmlns:o="urn:schemas-microsoft-com:office:office" xmlns:v="urn:schemas-microsoft-com:vml" xmlns:pvml="urn:schemas-microsoft-com:office:powerpoint" xmlns:com="http://schemas.openxmlformats.org/drawingml/2006/compatibility" xmlns:p14="http://schemas.microsoft.com/office/powerpoint/2010/main" xmlns:p15="http://schemas.microsoft.com/office/powerpoint/2012/main" xmlns:ahyp="http://schemas.microsoft.com/office/drawing/2018/hyperlinkcolor" matchingName="Title slide" type="title">
   <p:cSld name="TITLE">
     <p:bg>
       <p:bgPr>
         <a:solidFill>
           <a:schemeClr val="dk1"/>
         </a:solidFill>
-        <a:effectLst/>
       </p:bgPr>
     </p:bg>
     <p:spTree>
       <p:nvGrpSpPr>
-        <p:cNvPr id="1" name="Shape 9"/>
+        <p:cNvPr id="9" name="Shape 9"/>
         <p:cNvGrpSpPr/>
         <p:nvPr/>
       </p:nvGrpSpPr>
@@ -1699,13 +2037,9 @@
             <a:ext cx="9144250" cy="4398100"/>
           </a:xfrm>
           <a:custGeom>
-            <a:avLst/>
-            <a:gdLst/>
-            <a:ahLst/>
-            <a:cxnLst/>
-            <a:rect l="l" t="t" r="r" b="b"/>
+            <a:rect b="b" l="l" r="r" t="t"/>
             <a:pathLst>
-              <a:path w="365770" h="175924" extrusionOk="0">
+              <a:path extrusionOk="0" h="175924" w="365770">
                 <a:moveTo>
                   <a:pt x="0" y="0"/>
                 </a:moveTo>
@@ -1733,9 +2067,7 @@
       <p:sp>
         <p:nvSpPr>
           <p:cNvPr id="11" name="Google Shape;11;p2"/>
-          <p:cNvSpPr txBox="1">
-            <a:spLocks noGrp="1"/>
-          </p:cNvSpPr>
+          <p:cNvSpPr txBox="1"/>
           <p:nvPr>
             <p:ph type="ctrTitle"/>
           </p:nvPr>
@@ -1750,7 +2082,7 @@
           </a:prstGeom>
         </p:spPr>
         <p:txBody>
-          <a:bodyPr spcFirstLastPara="1" wrap="square" lIns="91425" tIns="91425" rIns="91425" bIns="91425" anchor="t" anchorCtr="0">
+          <a:bodyPr anchorCtr="0" anchor="t" bIns="91425" lIns="91425" spcFirstLastPara="1" rIns="91425" wrap="square" tIns="91425">
             <a:normAutofit/>
           </a:bodyPr>
           <a:lstStyle>
@@ -1854,19 +2186,15 @@
               <a:defRPr sz="3600"/>
             </a:lvl9pPr>
           </a:lstStyle>
-          <a:p>
-            <a:endParaRPr/>
-          </a:p>
+          <a:p/>
         </p:txBody>
       </p:sp>
       <p:sp>
         <p:nvSpPr>
           <p:cNvPr id="12" name="Google Shape;12;p2"/>
-          <p:cNvSpPr txBox="1">
-            <a:spLocks noGrp="1"/>
-          </p:cNvSpPr>
+          <p:cNvSpPr txBox="1"/>
           <p:nvPr>
-            <p:ph type="subTitle" idx="1"/>
+            <p:ph idx="1" type="subTitle"/>
           </p:nvPr>
         </p:nvSpPr>
         <p:spPr>
@@ -1879,7 +2207,7 @@
           </a:prstGeom>
         </p:spPr>
         <p:txBody>
-          <a:bodyPr spcFirstLastPara="1" wrap="square" lIns="91425" tIns="91425" rIns="91425" bIns="91425" anchor="t" anchorCtr="0">
+          <a:bodyPr anchorCtr="0" anchor="t" bIns="91425" lIns="91425" spcFirstLastPara="1" rIns="91425" wrap="square" tIns="91425">
             <a:normAutofit/>
           </a:bodyPr>
           <a:lstStyle>
@@ -2073,19 +2401,15 @@
               </a:defRPr>
             </a:lvl9pPr>
           </a:lstStyle>
-          <a:p>
-            <a:endParaRPr/>
-          </a:p>
+          <a:p/>
         </p:txBody>
       </p:sp>
       <p:sp>
         <p:nvSpPr>
           <p:cNvPr id="13" name="Google Shape;13;p2"/>
-          <p:cNvSpPr txBox="1">
-            <a:spLocks noGrp="1"/>
-          </p:cNvSpPr>
+          <p:cNvSpPr txBox="1"/>
           <p:nvPr>
-            <p:ph type="sldNum" idx="12"/>
+            <p:ph idx="12" type="sldNum"/>
           </p:nvPr>
         </p:nvSpPr>
         <p:spPr>
@@ -2098,7 +2422,7 @@
           </a:prstGeom>
         </p:spPr>
         <p:txBody>
-          <a:bodyPr spcFirstLastPara="1" wrap="square" lIns="91425" tIns="91425" rIns="91425" bIns="91425" anchor="ctr" anchorCtr="0">
+          <a:bodyPr anchorCtr="0" anchor="ctr" bIns="91425" lIns="91425" spcFirstLastPara="1" rIns="91425" wrap="square" tIns="91425">
             <a:normAutofit/>
           </a:bodyPr>
           <a:lstStyle>
@@ -2176,7 +2500,7 @@
             </a:lvl9pPr>
           </a:lstStyle>
           <a:p>
-            <a:pPr marL="0" lvl="0" indent="0" algn="r" rtl="0">
+            <a:pPr indent="0" lvl="0" marL="0" rtl="0" algn="r">
               <a:spcBef>
                 <a:spcPts val="0"/>
               </a:spcBef>
@@ -2187,7 +2511,7 @@
             </a:pPr>
             <a:fld id="{00000000-1234-1234-1234-123412341234}" type="slidenum">
               <a:rPr lang="es"/>
-              <a:t>‹Nº›</a:t>
+              <a:t>‹#›</a:t>
             </a:fld>
             <a:endParaRPr/>
           </a:p>
@@ -2202,19 +2526,18 @@
 </file>
 
 <file path=ppt/slideLayouts/slideLayout10.xml><?xml version="1.0" encoding="utf-8"?>
-<p:sldLayout xmlns:a="http://schemas.openxmlformats.org/drawingml/2006/main" xmlns:r="http://schemas.openxmlformats.org/officeDocument/2006/relationships" xmlns:p="http://schemas.openxmlformats.org/presentationml/2006/main" matchingName="Big number">
+<p:sldLayout xmlns:a="http://schemas.openxmlformats.org/drawingml/2006/main" xmlns:r="http://schemas.openxmlformats.org/officeDocument/2006/relationships" xmlns:mc="http://schemas.openxmlformats.org/markup-compatibility/2006" xmlns:mv="urn:schemas-microsoft-com:mac:vml" xmlns:p="http://schemas.openxmlformats.org/presentationml/2006/main" xmlns:c="http://schemas.openxmlformats.org/drawingml/2006/chart" xmlns:dgm="http://schemas.openxmlformats.org/drawingml/2006/diagram" xmlns:o="urn:schemas-microsoft-com:office:office" xmlns:v="urn:schemas-microsoft-com:vml" xmlns:pvml="urn:schemas-microsoft-com:office:powerpoint" xmlns:com="http://schemas.openxmlformats.org/drawingml/2006/compatibility" xmlns:p14="http://schemas.microsoft.com/office/powerpoint/2010/main" xmlns:p15="http://schemas.microsoft.com/office/powerpoint/2012/main" xmlns:ahyp="http://schemas.microsoft.com/office/drawing/2018/hyperlinkcolor" matchingName="Big number">
   <p:cSld name="BIG_NUMBER">
     <p:bg>
       <p:bgPr>
         <a:solidFill>
           <a:schemeClr val="dk1"/>
         </a:solidFill>
-        <a:effectLst/>
       </p:bgPr>
     </p:bg>
     <p:spTree>
       <p:nvGrpSpPr>
-        <p:cNvPr id="1" name="Shape 54"/>
+        <p:cNvPr id="54" name="Shape 54"/>
         <p:cNvGrpSpPr/>
         <p:nvPr/>
       </p:nvGrpSpPr>
@@ -2229,11 +2552,9 @@
       <p:sp>
         <p:nvSpPr>
           <p:cNvPr id="55" name="Google Shape;55;p11"/>
-          <p:cNvSpPr txBox="1">
-            <a:spLocks noGrp="1"/>
-          </p:cNvSpPr>
+          <p:cNvSpPr txBox="1"/>
           <p:nvPr>
-            <p:ph type="title" hasCustomPrompt="1"/>
+            <p:ph hasCustomPrompt="1" type="title"/>
           </p:nvPr>
         </p:nvSpPr>
         <p:spPr>
@@ -2246,7 +2567,7 @@
           </a:prstGeom>
         </p:spPr>
         <p:txBody>
-          <a:bodyPr spcFirstLastPara="1" wrap="square" lIns="91425" tIns="91425" rIns="91425" bIns="91425" anchor="b" anchorCtr="0">
+          <a:bodyPr anchorCtr="0" anchor="b" bIns="91425" lIns="91425" spcFirstLastPara="1" rIns="91425" wrap="square" tIns="91425">
             <a:normAutofit/>
           </a:bodyPr>
           <a:lstStyle>
@@ -2423,11 +2744,9 @@
       <p:sp>
         <p:nvSpPr>
           <p:cNvPr id="56" name="Google Shape;56;p11"/>
-          <p:cNvSpPr txBox="1">
-            <a:spLocks noGrp="1"/>
-          </p:cNvSpPr>
+          <p:cNvSpPr txBox="1"/>
           <p:nvPr>
-            <p:ph type="body" idx="1"/>
+            <p:ph idx="1" type="body"/>
           </p:nvPr>
         </p:nvSpPr>
         <p:spPr>
@@ -2440,11 +2759,11 @@
           </a:prstGeom>
         </p:spPr>
         <p:txBody>
-          <a:bodyPr spcFirstLastPara="1" wrap="square" lIns="91425" tIns="91425" rIns="91425" bIns="91425" anchor="t" anchorCtr="0">
+          <a:bodyPr anchorCtr="0" anchor="t" bIns="91425" lIns="91425" spcFirstLastPara="1" rIns="91425" wrap="square" tIns="91425">
             <a:normAutofit/>
           </a:bodyPr>
           <a:lstStyle>
-            <a:lvl1pPr marL="457200" lvl="0" indent="-311150">
+            <a:lvl1pPr indent="-311150" lvl="0" marL="457200">
               <a:spcBef>
                 <a:spcPts val="0"/>
               </a:spcBef>
@@ -2462,7 +2781,7 @@
                 </a:solidFill>
               </a:defRPr>
             </a:lvl1pPr>
-            <a:lvl2pPr marL="914400" lvl="1" indent="-298450">
+            <a:lvl2pPr indent="-298450" lvl="1" marL="914400">
               <a:spcBef>
                 <a:spcPts val="0"/>
               </a:spcBef>
@@ -2480,7 +2799,7 @@
                 </a:solidFill>
               </a:defRPr>
             </a:lvl2pPr>
-            <a:lvl3pPr marL="1371600" lvl="2" indent="-298450">
+            <a:lvl3pPr indent="-298450" lvl="2" marL="1371600">
               <a:spcBef>
                 <a:spcPts val="0"/>
               </a:spcBef>
@@ -2498,7 +2817,7 @@
                 </a:solidFill>
               </a:defRPr>
             </a:lvl3pPr>
-            <a:lvl4pPr marL="1828800" lvl="3" indent="-298450">
+            <a:lvl4pPr indent="-298450" lvl="3" marL="1828800">
               <a:spcBef>
                 <a:spcPts val="0"/>
               </a:spcBef>
@@ -2516,7 +2835,7 @@
                 </a:solidFill>
               </a:defRPr>
             </a:lvl4pPr>
-            <a:lvl5pPr marL="2286000" lvl="4" indent="-298450">
+            <a:lvl5pPr indent="-298450" lvl="4" marL="2286000">
               <a:spcBef>
                 <a:spcPts val="0"/>
               </a:spcBef>
@@ -2534,7 +2853,7 @@
                 </a:solidFill>
               </a:defRPr>
             </a:lvl5pPr>
-            <a:lvl6pPr marL="2743200" lvl="5" indent="-298450">
+            <a:lvl6pPr indent="-298450" lvl="5" marL="2743200">
               <a:spcBef>
                 <a:spcPts val="0"/>
               </a:spcBef>
@@ -2552,7 +2871,7 @@
                 </a:solidFill>
               </a:defRPr>
             </a:lvl6pPr>
-            <a:lvl7pPr marL="3200400" lvl="6" indent="-298450">
+            <a:lvl7pPr indent="-298450" lvl="6" marL="3200400">
               <a:spcBef>
                 <a:spcPts val="0"/>
               </a:spcBef>
@@ -2570,7 +2889,7 @@
                 </a:solidFill>
               </a:defRPr>
             </a:lvl7pPr>
-            <a:lvl8pPr marL="3657600" lvl="7" indent="-298450">
+            <a:lvl8pPr indent="-298450" lvl="7" marL="3657600">
               <a:spcBef>
                 <a:spcPts val="0"/>
               </a:spcBef>
@@ -2588,7 +2907,7 @@
                 </a:solidFill>
               </a:defRPr>
             </a:lvl8pPr>
-            <a:lvl9pPr marL="4114800" lvl="8" indent="-298450">
+            <a:lvl9pPr indent="-298450" lvl="8" marL="4114800">
               <a:spcBef>
                 <a:spcPts val="0"/>
               </a:spcBef>
@@ -2607,19 +2926,15 @@
               </a:defRPr>
             </a:lvl9pPr>
           </a:lstStyle>
-          <a:p>
-            <a:endParaRPr/>
-          </a:p>
+          <a:p/>
         </p:txBody>
       </p:sp>
       <p:sp>
         <p:nvSpPr>
           <p:cNvPr id="57" name="Google Shape;57;p11"/>
-          <p:cNvSpPr txBox="1">
-            <a:spLocks noGrp="1"/>
-          </p:cNvSpPr>
+          <p:cNvSpPr txBox="1"/>
           <p:nvPr>
-            <p:ph type="sldNum" idx="12"/>
+            <p:ph idx="12" type="sldNum"/>
           </p:nvPr>
         </p:nvSpPr>
         <p:spPr>
@@ -2632,7 +2947,7 @@
           </a:prstGeom>
         </p:spPr>
         <p:txBody>
-          <a:bodyPr spcFirstLastPara="1" wrap="square" lIns="91425" tIns="91425" rIns="91425" bIns="91425" anchor="ctr" anchorCtr="0">
+          <a:bodyPr anchorCtr="0" anchor="ctr" bIns="91425" lIns="91425" spcFirstLastPara="1" rIns="91425" wrap="square" tIns="91425">
             <a:normAutofit/>
           </a:bodyPr>
           <a:lstStyle>
@@ -2710,7 +3025,7 @@
             </a:lvl9pPr>
           </a:lstStyle>
           <a:p>
-            <a:pPr marL="0" lvl="0" indent="0" algn="r" rtl="0">
+            <a:pPr indent="0" lvl="0" marL="0" rtl="0" algn="r">
               <a:spcBef>
                 <a:spcPts val="0"/>
               </a:spcBef>
@@ -2721,7 +3036,7 @@
             </a:pPr>
             <a:fld id="{00000000-1234-1234-1234-123412341234}" type="slidenum">
               <a:rPr lang="es"/>
-              <a:t>‹Nº›</a:t>
+              <a:t>‹#›</a:t>
             </a:fld>
             <a:endParaRPr/>
           </a:p>
@@ -2736,11 +3051,11 @@
 </file>
 
 <file path=ppt/slideLayouts/slideLayout11.xml><?xml version="1.0" encoding="utf-8"?>
-<p:sldLayout xmlns:a="http://schemas.openxmlformats.org/drawingml/2006/main" xmlns:r="http://schemas.openxmlformats.org/officeDocument/2006/relationships" xmlns:p="http://schemas.openxmlformats.org/presentationml/2006/main" matchingName="Blank" type="blank">
+<p:sldLayout xmlns:a="http://schemas.openxmlformats.org/drawingml/2006/main" xmlns:r="http://schemas.openxmlformats.org/officeDocument/2006/relationships" xmlns:mc="http://schemas.openxmlformats.org/markup-compatibility/2006" xmlns:mv="urn:schemas-microsoft-com:mac:vml" xmlns:p="http://schemas.openxmlformats.org/presentationml/2006/main" xmlns:c="http://schemas.openxmlformats.org/drawingml/2006/chart" xmlns:dgm="http://schemas.openxmlformats.org/drawingml/2006/diagram" xmlns:o="urn:schemas-microsoft-com:office:office" xmlns:v="urn:schemas-microsoft-com:vml" xmlns:pvml="urn:schemas-microsoft-com:office:powerpoint" xmlns:com="http://schemas.openxmlformats.org/drawingml/2006/compatibility" xmlns:p14="http://schemas.microsoft.com/office/powerpoint/2010/main" xmlns:p15="http://schemas.microsoft.com/office/powerpoint/2012/main" xmlns:ahyp="http://schemas.microsoft.com/office/drawing/2018/hyperlinkcolor" matchingName="Blank" type="blank">
   <p:cSld name="BLANK">
     <p:spTree>
       <p:nvGrpSpPr>
-        <p:cNvPr id="1" name="Shape 58"/>
+        <p:cNvPr id="58" name="Shape 58"/>
         <p:cNvGrpSpPr/>
         <p:nvPr/>
       </p:nvGrpSpPr>
@@ -2755,11 +3070,9 @@
       <p:sp>
         <p:nvSpPr>
           <p:cNvPr id="59" name="Google Shape;59;p12"/>
-          <p:cNvSpPr txBox="1">
-            <a:spLocks noGrp="1"/>
-          </p:cNvSpPr>
+          <p:cNvSpPr txBox="1"/>
           <p:nvPr>
-            <p:ph type="sldNum" idx="12"/>
+            <p:ph idx="12" type="sldNum"/>
           </p:nvPr>
         </p:nvSpPr>
         <p:spPr>
@@ -2772,7 +3085,7 @@
           </a:prstGeom>
         </p:spPr>
         <p:txBody>
-          <a:bodyPr spcFirstLastPara="1" wrap="square" lIns="91425" tIns="91425" rIns="91425" bIns="91425" anchor="ctr" anchorCtr="0">
+          <a:bodyPr anchorCtr="0" anchor="ctr" bIns="91425" lIns="91425" spcFirstLastPara="1" rIns="91425" wrap="square" tIns="91425">
             <a:normAutofit/>
           </a:bodyPr>
           <a:lstStyle>
@@ -2814,7 +3127,7 @@
             </a:lvl9pPr>
           </a:lstStyle>
           <a:p>
-            <a:pPr marL="0" lvl="0" indent="0" algn="r" rtl="0">
+            <a:pPr indent="0" lvl="0" marL="0" rtl="0" algn="r">
               <a:spcBef>
                 <a:spcPts val="0"/>
               </a:spcBef>
@@ -2825,7 +3138,7 @@
             </a:pPr>
             <a:fld id="{00000000-1234-1234-1234-123412341234}" type="slidenum">
               <a:rPr lang="es"/>
-              <a:t>‹Nº›</a:t>
+              <a:t>‹#›</a:t>
             </a:fld>
             <a:endParaRPr/>
           </a:p>
@@ -2840,19 +3153,18 @@
 </file>
 
 <file path=ppt/slideLayouts/slideLayout2.xml><?xml version="1.0" encoding="utf-8"?>
-<p:sldLayout xmlns:a="http://schemas.openxmlformats.org/drawingml/2006/main" xmlns:r="http://schemas.openxmlformats.org/officeDocument/2006/relationships" xmlns:p="http://schemas.openxmlformats.org/presentationml/2006/main" matchingName="Section header" type="secHead">
+<p:sldLayout xmlns:a="http://schemas.openxmlformats.org/drawingml/2006/main" xmlns:r="http://schemas.openxmlformats.org/officeDocument/2006/relationships" xmlns:mc="http://schemas.openxmlformats.org/markup-compatibility/2006" xmlns:mv="urn:schemas-microsoft-com:mac:vml" xmlns:p="http://schemas.openxmlformats.org/presentationml/2006/main" xmlns:c="http://schemas.openxmlformats.org/drawingml/2006/chart" xmlns:dgm="http://schemas.openxmlformats.org/drawingml/2006/diagram" xmlns:o="urn:schemas-microsoft-com:office:office" xmlns:v="urn:schemas-microsoft-com:vml" xmlns:pvml="urn:schemas-microsoft-com:office:powerpoint" xmlns:com="http://schemas.openxmlformats.org/drawingml/2006/compatibility" xmlns:p14="http://schemas.microsoft.com/office/powerpoint/2010/main" xmlns:p15="http://schemas.microsoft.com/office/powerpoint/2012/main" xmlns:ahyp="http://schemas.microsoft.com/office/drawing/2018/hyperlinkcolor" matchingName="Section header" type="secHead">
   <p:cSld name="SECTION_HEADER">
     <p:bg>
       <p:bgPr>
         <a:solidFill>
           <a:schemeClr val="accent3"/>
         </a:solidFill>
-        <a:effectLst/>
       </p:bgPr>
     </p:bg>
     <p:spTree>
       <p:nvGrpSpPr>
-        <p:cNvPr id="1" name="Shape 14"/>
+        <p:cNvPr id="14" name="Shape 14"/>
         <p:cNvGrpSpPr/>
         <p:nvPr/>
       </p:nvGrpSpPr>
@@ -2876,13 +3188,9 @@
             <a:ext cx="9144250" cy="4398100"/>
           </a:xfrm>
           <a:custGeom>
-            <a:avLst/>
-            <a:gdLst/>
-            <a:ahLst/>
-            <a:cxnLst/>
-            <a:rect l="l" t="t" r="r" b="b"/>
+            <a:rect b="b" l="l" r="r" t="t"/>
             <a:pathLst>
-              <a:path w="365770" h="175924" extrusionOk="0">
+              <a:path extrusionOk="0" h="175924" w="365770">
                 <a:moveTo>
                   <a:pt x="0" y="0"/>
                 </a:moveTo>
@@ -2919,13 +3227,9 @@
             <a:ext cx="9144250" cy="4398100"/>
           </a:xfrm>
           <a:custGeom>
-            <a:avLst/>
-            <a:gdLst/>
-            <a:ahLst/>
-            <a:cxnLst/>
-            <a:rect l="l" t="t" r="r" b="b"/>
+            <a:rect b="b" l="l" r="r" t="t"/>
             <a:pathLst>
-              <a:path w="365770" h="175924" extrusionOk="0">
+              <a:path extrusionOk="0" h="175924" w="365770">
                 <a:moveTo>
                   <a:pt x="0" y="0"/>
                 </a:moveTo>
@@ -2953,9 +3257,7 @@
       <p:sp>
         <p:nvSpPr>
           <p:cNvPr id="17" name="Google Shape;17;p3"/>
-          <p:cNvSpPr txBox="1">
-            <a:spLocks noGrp="1"/>
-          </p:cNvSpPr>
+          <p:cNvSpPr txBox="1"/>
           <p:nvPr>
             <p:ph type="title"/>
           </p:nvPr>
@@ -2970,7 +3272,7 @@
           </a:prstGeom>
         </p:spPr>
         <p:txBody>
-          <a:bodyPr spcFirstLastPara="1" wrap="square" lIns="91425" tIns="91425" rIns="91425" bIns="91425" anchor="t" anchorCtr="0">
+          <a:bodyPr anchorCtr="0" anchor="t" bIns="91425" lIns="91425" spcFirstLastPara="1" rIns="91425" wrap="square" tIns="91425">
             <a:normAutofit/>
           </a:bodyPr>
           <a:lstStyle>
@@ -3074,19 +3376,15 @@
               <a:defRPr sz="3600"/>
             </a:lvl9pPr>
           </a:lstStyle>
-          <a:p>
-            <a:endParaRPr/>
-          </a:p>
+          <a:p/>
         </p:txBody>
       </p:sp>
       <p:sp>
         <p:nvSpPr>
           <p:cNvPr id="18" name="Google Shape;18;p3"/>
-          <p:cNvSpPr txBox="1">
-            <a:spLocks noGrp="1"/>
-          </p:cNvSpPr>
+          <p:cNvSpPr txBox="1"/>
           <p:nvPr>
-            <p:ph type="sldNum" idx="12"/>
+            <p:ph idx="12" type="sldNum"/>
           </p:nvPr>
         </p:nvSpPr>
         <p:spPr>
@@ -3099,7 +3397,7 @@
           </a:prstGeom>
         </p:spPr>
         <p:txBody>
-          <a:bodyPr spcFirstLastPara="1" wrap="square" lIns="91425" tIns="91425" rIns="91425" bIns="91425" anchor="ctr" anchorCtr="0">
+          <a:bodyPr anchorCtr="0" anchor="ctr" bIns="91425" lIns="91425" spcFirstLastPara="1" rIns="91425" wrap="square" tIns="91425">
             <a:normAutofit/>
           </a:bodyPr>
           <a:lstStyle>
@@ -3177,7 +3475,7 @@
             </a:lvl9pPr>
           </a:lstStyle>
           <a:p>
-            <a:pPr marL="0" lvl="0" indent="0" algn="r" rtl="0">
+            <a:pPr indent="0" lvl="0" marL="0" rtl="0" algn="r">
               <a:spcBef>
                 <a:spcPts val="0"/>
               </a:spcBef>
@@ -3188,7 +3486,7 @@
             </a:pPr>
             <a:fld id="{00000000-1234-1234-1234-123412341234}" type="slidenum">
               <a:rPr lang="es"/>
-              <a:t>‹Nº›</a:t>
+              <a:t>‹#›</a:t>
             </a:fld>
             <a:endParaRPr/>
           </a:p>
@@ -3203,11 +3501,11 @@
 </file>
 
 <file path=ppt/slideLayouts/slideLayout3.xml><?xml version="1.0" encoding="utf-8"?>
-<p:sldLayout xmlns:a="http://schemas.openxmlformats.org/drawingml/2006/main" xmlns:r="http://schemas.openxmlformats.org/officeDocument/2006/relationships" xmlns:p="http://schemas.openxmlformats.org/presentationml/2006/main" matchingName="Title and body" type="tx">
+<p:sldLayout xmlns:a="http://schemas.openxmlformats.org/drawingml/2006/main" xmlns:r="http://schemas.openxmlformats.org/officeDocument/2006/relationships" xmlns:mc="http://schemas.openxmlformats.org/markup-compatibility/2006" xmlns:mv="urn:schemas-microsoft-com:mac:vml" xmlns:p="http://schemas.openxmlformats.org/presentationml/2006/main" xmlns:c="http://schemas.openxmlformats.org/drawingml/2006/chart" xmlns:dgm="http://schemas.openxmlformats.org/drawingml/2006/diagram" xmlns:o="urn:schemas-microsoft-com:office:office" xmlns:v="urn:schemas-microsoft-com:vml" xmlns:pvml="urn:schemas-microsoft-com:office:powerpoint" xmlns:com="http://schemas.openxmlformats.org/drawingml/2006/compatibility" xmlns:p14="http://schemas.microsoft.com/office/powerpoint/2010/main" xmlns:p15="http://schemas.microsoft.com/office/powerpoint/2012/main" xmlns:ahyp="http://schemas.microsoft.com/office/drawing/2018/hyperlinkcolor" matchingName="Title and body" type="tx">
   <p:cSld name="TITLE_AND_BODY">
     <p:spTree>
       <p:nvGrpSpPr>
-        <p:cNvPr id="1" name="Shape 19"/>
+        <p:cNvPr id="19" name="Shape 19"/>
         <p:cNvGrpSpPr/>
         <p:nvPr/>
       </p:nvGrpSpPr>
@@ -3241,12 +3539,12 @@
           </a:ln>
         </p:spPr>
         <p:txBody>
-          <a:bodyPr spcFirstLastPara="1" wrap="square" lIns="91425" tIns="91425" rIns="91425" bIns="91425" anchor="ctr" anchorCtr="0">
+          <a:bodyPr anchorCtr="0" anchor="ctr" bIns="91425" lIns="91425" spcFirstLastPara="1" rIns="91425" wrap="square" tIns="91425">
             <a:noAutofit/>
           </a:bodyPr>
           <a:lstStyle/>
           <a:p>
-            <a:pPr marL="0" lvl="0" indent="0" algn="l" rtl="0">
+            <a:pPr indent="0" lvl="0" marL="0" rtl="0" algn="l">
               <a:spcBef>
                 <a:spcPts val="0"/>
               </a:spcBef>
@@ -3255,6 +3553,9 @@
               </a:spcAft>
               <a:buNone/>
             </a:pPr>
+            <a:r>
+              <a:t/>
+            </a:r>
             <a:endParaRPr/>
           </a:p>
         </p:txBody>
@@ -3271,13 +3572,9 @@
             <a:ext cx="4313625" cy="4399375"/>
           </a:xfrm>
           <a:custGeom>
-            <a:avLst/>
-            <a:gdLst/>
-            <a:ahLst/>
-            <a:cxnLst/>
-            <a:rect l="l" t="t" r="r" b="b"/>
+            <a:rect b="b" l="l" r="r" t="t"/>
             <a:pathLst>
-              <a:path w="172545" h="175975" extrusionOk="0">
+              <a:path extrusionOk="0" h="175975" w="172545">
                 <a:moveTo>
                   <a:pt x="0" y="157"/>
                 </a:moveTo>
@@ -3314,13 +3611,9 @@
             <a:ext cx="4316900" cy="4395600"/>
           </a:xfrm>
           <a:custGeom>
-            <a:avLst/>
-            <a:gdLst/>
-            <a:ahLst/>
-            <a:cxnLst/>
-            <a:rect l="l" t="t" r="r" b="b"/>
+            <a:rect b="b" l="l" r="r" t="t"/>
             <a:pathLst>
-              <a:path w="172676" h="175824" extrusionOk="0">
+              <a:path extrusionOk="0" h="175824" w="172676">
                 <a:moveTo>
                   <a:pt x="0" y="6"/>
                 </a:moveTo>
@@ -3348,9 +3641,7 @@
       <p:sp>
         <p:nvSpPr>
           <p:cNvPr id="23" name="Google Shape;23;p4"/>
-          <p:cNvSpPr txBox="1">
-            <a:spLocks noGrp="1"/>
-          </p:cNvSpPr>
+          <p:cNvSpPr txBox="1"/>
           <p:nvPr>
             <p:ph type="title"/>
           </p:nvPr>
@@ -3365,7 +3656,7 @@
           </a:prstGeom>
         </p:spPr>
         <p:txBody>
-          <a:bodyPr spcFirstLastPara="1" wrap="square" lIns="91425" tIns="91425" rIns="91425" bIns="91425" anchor="t" anchorCtr="0">
+          <a:bodyPr anchorCtr="0" anchor="t" bIns="91425" lIns="91425" spcFirstLastPara="1" rIns="91425" wrap="square" tIns="91425">
             <a:normAutofit/>
           </a:bodyPr>
           <a:lstStyle>
@@ -3532,19 +3823,15 @@
               </a:defRPr>
             </a:lvl9pPr>
           </a:lstStyle>
-          <a:p>
-            <a:endParaRPr/>
-          </a:p>
+          <a:p/>
         </p:txBody>
       </p:sp>
       <p:sp>
         <p:nvSpPr>
           <p:cNvPr id="24" name="Google Shape;24;p4"/>
-          <p:cNvSpPr txBox="1">
-            <a:spLocks noGrp="1"/>
-          </p:cNvSpPr>
+          <p:cNvSpPr txBox="1"/>
           <p:nvPr>
-            <p:ph type="body" idx="1"/>
+            <p:ph idx="1" type="body"/>
           </p:nvPr>
         </p:nvSpPr>
         <p:spPr>
@@ -3557,11 +3844,11 @@
           </a:prstGeom>
         </p:spPr>
         <p:txBody>
-          <a:bodyPr spcFirstLastPara="1" wrap="square" lIns="91425" tIns="91425" rIns="91425" bIns="91425" anchor="t" anchorCtr="0">
+          <a:bodyPr anchorCtr="0" anchor="t" bIns="91425" lIns="91425" spcFirstLastPara="1" rIns="91425" wrap="square" tIns="91425">
             <a:normAutofit/>
           </a:bodyPr>
           <a:lstStyle>
-            <a:lvl1pPr marL="457200" lvl="0" indent="-311150">
+            <a:lvl1pPr indent="-311150" lvl="0" marL="457200">
               <a:spcBef>
                 <a:spcPts val="0"/>
               </a:spcBef>
@@ -3572,7 +3859,7 @@
               <a:buChar char="●"/>
               <a:defRPr/>
             </a:lvl1pPr>
-            <a:lvl2pPr marL="914400" lvl="1" indent="-298450">
+            <a:lvl2pPr indent="-298450" lvl="1" marL="914400">
               <a:spcBef>
                 <a:spcPts val="0"/>
               </a:spcBef>
@@ -3583,7 +3870,7 @@
               <a:buChar char="○"/>
               <a:defRPr/>
             </a:lvl2pPr>
-            <a:lvl3pPr marL="1371600" lvl="2" indent="-298450">
+            <a:lvl3pPr indent="-298450" lvl="2" marL="1371600">
               <a:spcBef>
                 <a:spcPts val="0"/>
               </a:spcBef>
@@ -3594,7 +3881,7 @@
               <a:buChar char="■"/>
               <a:defRPr/>
             </a:lvl3pPr>
-            <a:lvl4pPr marL="1828800" lvl="3" indent="-298450">
+            <a:lvl4pPr indent="-298450" lvl="3" marL="1828800">
               <a:spcBef>
                 <a:spcPts val="0"/>
               </a:spcBef>
@@ -3605,7 +3892,7 @@
               <a:buChar char="●"/>
               <a:defRPr/>
             </a:lvl4pPr>
-            <a:lvl5pPr marL="2286000" lvl="4" indent="-298450">
+            <a:lvl5pPr indent="-298450" lvl="4" marL="2286000">
               <a:spcBef>
                 <a:spcPts val="0"/>
               </a:spcBef>
@@ -3616,7 +3903,7 @@
               <a:buChar char="○"/>
               <a:defRPr/>
             </a:lvl5pPr>
-            <a:lvl6pPr marL="2743200" lvl="5" indent="-298450">
+            <a:lvl6pPr indent="-298450" lvl="5" marL="2743200">
               <a:spcBef>
                 <a:spcPts val="0"/>
               </a:spcBef>
@@ -3627,7 +3914,7 @@
               <a:buChar char="■"/>
               <a:defRPr/>
             </a:lvl6pPr>
-            <a:lvl7pPr marL="3200400" lvl="6" indent="-298450">
+            <a:lvl7pPr indent="-298450" lvl="6" marL="3200400">
               <a:spcBef>
                 <a:spcPts val="0"/>
               </a:spcBef>
@@ -3638,7 +3925,7 @@
               <a:buChar char="●"/>
               <a:defRPr/>
             </a:lvl7pPr>
-            <a:lvl8pPr marL="3657600" lvl="7" indent="-298450">
+            <a:lvl8pPr indent="-298450" lvl="7" marL="3657600">
               <a:spcBef>
                 <a:spcPts val="0"/>
               </a:spcBef>
@@ -3649,7 +3936,7 @@
               <a:buChar char="○"/>
               <a:defRPr/>
             </a:lvl8pPr>
-            <a:lvl9pPr marL="4114800" lvl="8" indent="-298450">
+            <a:lvl9pPr indent="-298450" lvl="8" marL="4114800">
               <a:spcBef>
                 <a:spcPts val="0"/>
               </a:spcBef>
@@ -3661,19 +3948,15 @@
               <a:defRPr/>
             </a:lvl9pPr>
           </a:lstStyle>
-          <a:p>
-            <a:endParaRPr/>
-          </a:p>
+          <a:p/>
         </p:txBody>
       </p:sp>
       <p:sp>
         <p:nvSpPr>
           <p:cNvPr id="25" name="Google Shape;25;p4"/>
-          <p:cNvSpPr txBox="1">
-            <a:spLocks noGrp="1"/>
-          </p:cNvSpPr>
+          <p:cNvSpPr txBox="1"/>
           <p:nvPr>
-            <p:ph type="sldNum" idx="12"/>
+            <p:ph idx="12" type="sldNum"/>
           </p:nvPr>
         </p:nvSpPr>
         <p:spPr>
@@ -3686,7 +3969,7 @@
           </a:prstGeom>
         </p:spPr>
         <p:txBody>
-          <a:bodyPr spcFirstLastPara="1" wrap="square" lIns="91425" tIns="91425" rIns="91425" bIns="91425" anchor="ctr" anchorCtr="0">
+          <a:bodyPr anchorCtr="0" anchor="ctr" bIns="91425" lIns="91425" spcFirstLastPara="1" rIns="91425" wrap="square" tIns="91425">
             <a:normAutofit/>
           </a:bodyPr>
           <a:lstStyle>
@@ -3728,7 +4011,7 @@
             </a:lvl9pPr>
           </a:lstStyle>
           <a:p>
-            <a:pPr marL="0" lvl="0" indent="0" algn="r" rtl="0">
+            <a:pPr indent="0" lvl="0" marL="0" rtl="0" algn="r">
               <a:spcBef>
                 <a:spcPts val="0"/>
               </a:spcBef>
@@ -3739,7 +4022,7 @@
             </a:pPr>
             <a:fld id="{00000000-1234-1234-1234-123412341234}" type="slidenum">
               <a:rPr lang="es"/>
-              <a:t>‹Nº›</a:t>
+              <a:t>‹#›</a:t>
             </a:fld>
             <a:endParaRPr/>
           </a:p>
@@ -3754,11 +4037,11 @@
 </file>
 
 <file path=ppt/slideLayouts/slideLayout4.xml><?xml version="1.0" encoding="utf-8"?>
-<p:sldLayout xmlns:a="http://schemas.openxmlformats.org/drawingml/2006/main" xmlns:r="http://schemas.openxmlformats.org/officeDocument/2006/relationships" xmlns:p="http://schemas.openxmlformats.org/presentationml/2006/main" matchingName="Title and two columns" type="twoColTx">
+<p:sldLayout xmlns:a="http://schemas.openxmlformats.org/drawingml/2006/main" xmlns:r="http://schemas.openxmlformats.org/officeDocument/2006/relationships" xmlns:mc="http://schemas.openxmlformats.org/markup-compatibility/2006" xmlns:mv="urn:schemas-microsoft-com:mac:vml" xmlns:p="http://schemas.openxmlformats.org/presentationml/2006/main" xmlns:c="http://schemas.openxmlformats.org/drawingml/2006/chart" xmlns:dgm="http://schemas.openxmlformats.org/drawingml/2006/diagram" xmlns:o="urn:schemas-microsoft-com:office:office" xmlns:v="urn:schemas-microsoft-com:vml" xmlns:pvml="urn:schemas-microsoft-com:office:powerpoint" xmlns:com="http://schemas.openxmlformats.org/drawingml/2006/compatibility" xmlns:p14="http://schemas.microsoft.com/office/powerpoint/2010/main" xmlns:p15="http://schemas.microsoft.com/office/powerpoint/2012/main" xmlns:ahyp="http://schemas.microsoft.com/office/drawing/2018/hyperlinkcolor" matchingName="Title and two columns" type="twoColTx">
   <p:cSld name="TITLE_AND_TWO_COLUMNS">
     <p:spTree>
       <p:nvGrpSpPr>
-        <p:cNvPr id="1" name="Shape 26"/>
+        <p:cNvPr id="26" name="Shape 26"/>
         <p:cNvGrpSpPr/>
         <p:nvPr/>
       </p:nvGrpSpPr>
@@ -3792,12 +4075,12 @@
           </a:ln>
         </p:spPr>
         <p:txBody>
-          <a:bodyPr spcFirstLastPara="1" wrap="square" lIns="91425" tIns="91425" rIns="91425" bIns="91425" anchor="ctr" anchorCtr="0">
+          <a:bodyPr anchorCtr="0" anchor="ctr" bIns="91425" lIns="91425" spcFirstLastPara="1" rIns="91425" wrap="square" tIns="91425">
             <a:noAutofit/>
           </a:bodyPr>
           <a:lstStyle/>
           <a:p>
-            <a:pPr marL="0" lvl="0" indent="0" algn="l" rtl="0">
+            <a:pPr indent="0" lvl="0" marL="0" rtl="0" algn="l">
               <a:spcBef>
                 <a:spcPts val="0"/>
               </a:spcBef>
@@ -3806,6 +4089,9 @@
               </a:spcAft>
               <a:buNone/>
             </a:pPr>
+            <a:r>
+              <a:t/>
+            </a:r>
             <a:endParaRPr/>
           </a:p>
         </p:txBody>
@@ -3813,9 +4099,7 @@
       <p:sp>
         <p:nvSpPr>
           <p:cNvPr id="28" name="Google Shape;28;p5"/>
-          <p:cNvSpPr txBox="1">
-            <a:spLocks noGrp="1"/>
-          </p:cNvSpPr>
+          <p:cNvSpPr txBox="1"/>
           <p:nvPr>
             <p:ph type="title"/>
           </p:nvPr>
@@ -3830,7 +4114,7 @@
           </a:prstGeom>
         </p:spPr>
         <p:txBody>
-          <a:bodyPr spcFirstLastPara="1" wrap="square" lIns="91425" tIns="91425" rIns="91425" bIns="91425" anchor="t" anchorCtr="0">
+          <a:bodyPr anchorCtr="0" anchor="t" bIns="91425" lIns="91425" spcFirstLastPara="1" rIns="91425" wrap="square" tIns="91425">
             <a:normAutofit/>
           </a:bodyPr>
           <a:lstStyle>
@@ -3997,19 +4281,15 @@
               </a:defRPr>
             </a:lvl9pPr>
           </a:lstStyle>
-          <a:p>
-            <a:endParaRPr/>
-          </a:p>
+          <a:p/>
         </p:txBody>
       </p:sp>
       <p:sp>
         <p:nvSpPr>
           <p:cNvPr id="29" name="Google Shape;29;p5"/>
-          <p:cNvSpPr txBox="1">
-            <a:spLocks noGrp="1"/>
-          </p:cNvSpPr>
+          <p:cNvSpPr txBox="1"/>
           <p:nvPr>
-            <p:ph type="body" idx="1"/>
+            <p:ph idx="1" type="body"/>
           </p:nvPr>
         </p:nvSpPr>
         <p:spPr>
@@ -4022,11 +4302,11 @@
           </a:prstGeom>
         </p:spPr>
         <p:txBody>
-          <a:bodyPr spcFirstLastPara="1" wrap="square" lIns="91425" tIns="91425" rIns="91425" bIns="91425" anchor="t" anchorCtr="0">
+          <a:bodyPr anchorCtr="0" anchor="t" bIns="91425" lIns="91425" spcFirstLastPara="1" rIns="91425" wrap="square" tIns="91425">
             <a:normAutofit/>
           </a:bodyPr>
           <a:lstStyle>
-            <a:lvl1pPr marL="457200" lvl="0" indent="-311150">
+            <a:lvl1pPr indent="-311150" lvl="0" marL="457200">
               <a:spcBef>
                 <a:spcPts val="0"/>
               </a:spcBef>
@@ -4037,7 +4317,7 @@
               <a:buChar char="●"/>
               <a:defRPr/>
             </a:lvl1pPr>
-            <a:lvl2pPr marL="914400" lvl="1" indent="-298450">
+            <a:lvl2pPr indent="-298450" lvl="1" marL="914400">
               <a:spcBef>
                 <a:spcPts val="0"/>
               </a:spcBef>
@@ -4048,7 +4328,7 @@
               <a:buChar char="○"/>
               <a:defRPr/>
             </a:lvl2pPr>
-            <a:lvl3pPr marL="1371600" lvl="2" indent="-298450">
+            <a:lvl3pPr indent="-298450" lvl="2" marL="1371600">
               <a:spcBef>
                 <a:spcPts val="0"/>
               </a:spcBef>
@@ -4059,7 +4339,7 @@
               <a:buChar char="■"/>
               <a:defRPr/>
             </a:lvl3pPr>
-            <a:lvl4pPr marL="1828800" lvl="3" indent="-298450">
+            <a:lvl4pPr indent="-298450" lvl="3" marL="1828800">
               <a:spcBef>
                 <a:spcPts val="0"/>
               </a:spcBef>
@@ -4070,7 +4350,7 @@
               <a:buChar char="●"/>
               <a:defRPr/>
             </a:lvl4pPr>
-            <a:lvl5pPr marL="2286000" lvl="4" indent="-298450">
+            <a:lvl5pPr indent="-298450" lvl="4" marL="2286000">
               <a:spcBef>
                 <a:spcPts val="0"/>
               </a:spcBef>
@@ -4081,7 +4361,7 @@
               <a:buChar char="○"/>
               <a:defRPr/>
             </a:lvl5pPr>
-            <a:lvl6pPr marL="2743200" lvl="5" indent="-298450">
+            <a:lvl6pPr indent="-298450" lvl="5" marL="2743200">
               <a:spcBef>
                 <a:spcPts val="0"/>
               </a:spcBef>
@@ -4092,7 +4372,7 @@
               <a:buChar char="■"/>
               <a:defRPr/>
             </a:lvl6pPr>
-            <a:lvl7pPr marL="3200400" lvl="6" indent="-298450">
+            <a:lvl7pPr indent="-298450" lvl="6" marL="3200400">
               <a:spcBef>
                 <a:spcPts val="0"/>
               </a:spcBef>
@@ -4103,7 +4383,7 @@
               <a:buChar char="●"/>
               <a:defRPr/>
             </a:lvl7pPr>
-            <a:lvl8pPr marL="3657600" lvl="7" indent="-298450">
+            <a:lvl8pPr indent="-298450" lvl="7" marL="3657600">
               <a:spcBef>
                 <a:spcPts val="0"/>
               </a:spcBef>
@@ -4114,7 +4394,7 @@
               <a:buChar char="○"/>
               <a:defRPr/>
             </a:lvl8pPr>
-            <a:lvl9pPr marL="4114800" lvl="8" indent="-298450">
+            <a:lvl9pPr indent="-298450" lvl="8" marL="4114800">
               <a:spcBef>
                 <a:spcPts val="0"/>
               </a:spcBef>
@@ -4126,19 +4406,15 @@
               <a:defRPr/>
             </a:lvl9pPr>
           </a:lstStyle>
-          <a:p>
-            <a:endParaRPr/>
-          </a:p>
+          <a:p/>
         </p:txBody>
       </p:sp>
       <p:sp>
         <p:nvSpPr>
           <p:cNvPr id="30" name="Google Shape;30;p5"/>
-          <p:cNvSpPr txBox="1">
-            <a:spLocks noGrp="1"/>
-          </p:cNvSpPr>
+          <p:cNvSpPr txBox="1"/>
           <p:nvPr>
-            <p:ph type="body" idx="2"/>
+            <p:ph idx="2" type="body"/>
           </p:nvPr>
         </p:nvSpPr>
         <p:spPr>
@@ -4151,11 +4427,11 @@
           </a:prstGeom>
         </p:spPr>
         <p:txBody>
-          <a:bodyPr spcFirstLastPara="1" wrap="square" lIns="91425" tIns="91425" rIns="91425" bIns="91425" anchor="t" anchorCtr="0">
+          <a:bodyPr anchorCtr="0" anchor="t" bIns="91425" lIns="91425" spcFirstLastPara="1" rIns="91425" wrap="square" tIns="91425">
             <a:normAutofit/>
           </a:bodyPr>
           <a:lstStyle>
-            <a:lvl1pPr marL="457200" lvl="0" indent="-311150">
+            <a:lvl1pPr indent="-311150" lvl="0" marL="457200">
               <a:spcBef>
                 <a:spcPts val="0"/>
               </a:spcBef>
@@ -4166,7 +4442,7 @@
               <a:buChar char="●"/>
               <a:defRPr/>
             </a:lvl1pPr>
-            <a:lvl2pPr marL="914400" lvl="1" indent="-298450">
+            <a:lvl2pPr indent="-298450" lvl="1" marL="914400">
               <a:spcBef>
                 <a:spcPts val="0"/>
               </a:spcBef>
@@ -4177,7 +4453,7 @@
               <a:buChar char="○"/>
               <a:defRPr/>
             </a:lvl2pPr>
-            <a:lvl3pPr marL="1371600" lvl="2" indent="-298450">
+            <a:lvl3pPr indent="-298450" lvl="2" marL="1371600">
               <a:spcBef>
                 <a:spcPts val="0"/>
               </a:spcBef>
@@ -4188,7 +4464,7 @@
               <a:buChar char="■"/>
               <a:defRPr/>
             </a:lvl3pPr>
-            <a:lvl4pPr marL="1828800" lvl="3" indent="-298450">
+            <a:lvl4pPr indent="-298450" lvl="3" marL="1828800">
               <a:spcBef>
                 <a:spcPts val="0"/>
               </a:spcBef>
@@ -4199,7 +4475,7 @@
               <a:buChar char="●"/>
               <a:defRPr/>
             </a:lvl4pPr>
-            <a:lvl5pPr marL="2286000" lvl="4" indent="-298450">
+            <a:lvl5pPr indent="-298450" lvl="4" marL="2286000">
               <a:spcBef>
                 <a:spcPts val="0"/>
               </a:spcBef>
@@ -4210,7 +4486,7 @@
               <a:buChar char="○"/>
               <a:defRPr/>
             </a:lvl5pPr>
-            <a:lvl6pPr marL="2743200" lvl="5" indent="-298450">
+            <a:lvl6pPr indent="-298450" lvl="5" marL="2743200">
               <a:spcBef>
                 <a:spcPts val="0"/>
               </a:spcBef>
@@ -4221,7 +4497,7 @@
               <a:buChar char="■"/>
               <a:defRPr/>
             </a:lvl6pPr>
-            <a:lvl7pPr marL="3200400" lvl="6" indent="-298450">
+            <a:lvl7pPr indent="-298450" lvl="6" marL="3200400">
               <a:spcBef>
                 <a:spcPts val="0"/>
               </a:spcBef>
@@ -4232,7 +4508,7 @@
               <a:buChar char="●"/>
               <a:defRPr/>
             </a:lvl7pPr>
-            <a:lvl8pPr marL="3657600" lvl="7" indent="-298450">
+            <a:lvl8pPr indent="-298450" lvl="7" marL="3657600">
               <a:spcBef>
                 <a:spcPts val="0"/>
               </a:spcBef>
@@ -4243,7 +4519,7 @@
               <a:buChar char="○"/>
               <a:defRPr/>
             </a:lvl8pPr>
-            <a:lvl9pPr marL="4114800" lvl="8" indent="-298450">
+            <a:lvl9pPr indent="-298450" lvl="8" marL="4114800">
               <a:spcBef>
                 <a:spcPts val="0"/>
               </a:spcBef>
@@ -4255,19 +4531,15 @@
               <a:defRPr/>
             </a:lvl9pPr>
           </a:lstStyle>
-          <a:p>
-            <a:endParaRPr/>
-          </a:p>
+          <a:p/>
         </p:txBody>
       </p:sp>
       <p:sp>
         <p:nvSpPr>
           <p:cNvPr id="31" name="Google Shape;31;p5"/>
-          <p:cNvSpPr txBox="1">
-            <a:spLocks noGrp="1"/>
-          </p:cNvSpPr>
+          <p:cNvSpPr txBox="1"/>
           <p:nvPr>
-            <p:ph type="sldNum" idx="12"/>
+            <p:ph idx="12" type="sldNum"/>
           </p:nvPr>
         </p:nvSpPr>
         <p:spPr>
@@ -4280,7 +4552,7 @@
           </a:prstGeom>
         </p:spPr>
         <p:txBody>
-          <a:bodyPr spcFirstLastPara="1" wrap="square" lIns="91425" tIns="91425" rIns="91425" bIns="91425" anchor="ctr" anchorCtr="0">
+          <a:bodyPr anchorCtr="0" anchor="ctr" bIns="91425" lIns="91425" spcFirstLastPara="1" rIns="91425" wrap="square" tIns="91425">
             <a:normAutofit/>
           </a:bodyPr>
           <a:lstStyle>
@@ -4322,7 +4594,7 @@
             </a:lvl9pPr>
           </a:lstStyle>
           <a:p>
-            <a:pPr marL="0" lvl="0" indent="0" algn="r" rtl="0">
+            <a:pPr indent="0" lvl="0" marL="0" rtl="0" algn="r">
               <a:spcBef>
                 <a:spcPts val="0"/>
               </a:spcBef>
@@ -4333,7 +4605,7 @@
             </a:pPr>
             <a:fld id="{00000000-1234-1234-1234-123412341234}" type="slidenum">
               <a:rPr lang="es"/>
-              <a:t>‹Nº›</a:t>
+              <a:t>‹#›</a:t>
             </a:fld>
             <a:endParaRPr/>
           </a:p>
@@ -4348,11 +4620,11 @@
 </file>
 
 <file path=ppt/slideLayouts/slideLayout5.xml><?xml version="1.0" encoding="utf-8"?>
-<p:sldLayout xmlns:a="http://schemas.openxmlformats.org/drawingml/2006/main" xmlns:r="http://schemas.openxmlformats.org/officeDocument/2006/relationships" xmlns:p="http://schemas.openxmlformats.org/presentationml/2006/main" matchingName="Title only" type="titleOnly">
+<p:sldLayout xmlns:a="http://schemas.openxmlformats.org/drawingml/2006/main" xmlns:r="http://schemas.openxmlformats.org/officeDocument/2006/relationships" xmlns:mc="http://schemas.openxmlformats.org/markup-compatibility/2006" xmlns:mv="urn:schemas-microsoft-com:mac:vml" xmlns:p="http://schemas.openxmlformats.org/presentationml/2006/main" xmlns:c="http://schemas.openxmlformats.org/drawingml/2006/chart" xmlns:dgm="http://schemas.openxmlformats.org/drawingml/2006/diagram" xmlns:o="urn:schemas-microsoft-com:office:office" xmlns:v="urn:schemas-microsoft-com:vml" xmlns:pvml="urn:schemas-microsoft-com:office:powerpoint" xmlns:com="http://schemas.openxmlformats.org/drawingml/2006/compatibility" xmlns:p14="http://schemas.microsoft.com/office/powerpoint/2010/main" xmlns:p15="http://schemas.microsoft.com/office/powerpoint/2012/main" xmlns:ahyp="http://schemas.microsoft.com/office/drawing/2018/hyperlinkcolor" matchingName="Title only" type="titleOnly">
   <p:cSld name="TITLE_ONLY">
     <p:spTree>
       <p:nvGrpSpPr>
-        <p:cNvPr id="1" name="Shape 32"/>
+        <p:cNvPr id="32" name="Shape 32"/>
         <p:cNvGrpSpPr/>
         <p:nvPr/>
       </p:nvGrpSpPr>
@@ -4386,12 +4658,12 @@
           </a:ln>
         </p:spPr>
         <p:txBody>
-          <a:bodyPr spcFirstLastPara="1" wrap="square" lIns="91425" tIns="91425" rIns="91425" bIns="91425" anchor="ctr" anchorCtr="0">
+          <a:bodyPr anchorCtr="0" anchor="ctr" bIns="91425" lIns="91425" spcFirstLastPara="1" rIns="91425" wrap="square" tIns="91425">
             <a:noAutofit/>
           </a:bodyPr>
           <a:lstStyle/>
           <a:p>
-            <a:pPr marL="0" lvl="0" indent="0" algn="l" rtl="0">
+            <a:pPr indent="0" lvl="0" marL="0" rtl="0" algn="l">
               <a:spcBef>
                 <a:spcPts val="0"/>
               </a:spcBef>
@@ -4400,6 +4672,9 @@
               </a:spcAft>
               <a:buNone/>
             </a:pPr>
+            <a:r>
+              <a:t/>
+            </a:r>
             <a:endParaRPr/>
           </a:p>
         </p:txBody>
@@ -4407,9 +4682,7 @@
       <p:sp>
         <p:nvSpPr>
           <p:cNvPr id="34" name="Google Shape;34;p6"/>
-          <p:cNvSpPr txBox="1">
-            <a:spLocks noGrp="1"/>
-          </p:cNvSpPr>
+          <p:cNvSpPr txBox="1"/>
           <p:nvPr>
             <p:ph type="title"/>
           </p:nvPr>
@@ -4424,7 +4697,7 @@
           </a:prstGeom>
         </p:spPr>
         <p:txBody>
-          <a:bodyPr spcFirstLastPara="1" wrap="square" lIns="91425" tIns="91425" rIns="91425" bIns="91425" anchor="t" anchorCtr="0">
+          <a:bodyPr anchorCtr="0" anchor="t" bIns="91425" lIns="91425" spcFirstLastPara="1" rIns="91425" wrap="square" tIns="91425">
             <a:normAutofit/>
           </a:bodyPr>
           <a:lstStyle>
@@ -4591,19 +4864,15 @@
               </a:defRPr>
             </a:lvl9pPr>
           </a:lstStyle>
-          <a:p>
-            <a:endParaRPr/>
-          </a:p>
+          <a:p/>
         </p:txBody>
       </p:sp>
       <p:sp>
         <p:nvSpPr>
           <p:cNvPr id="35" name="Google Shape;35;p6"/>
-          <p:cNvSpPr txBox="1">
-            <a:spLocks noGrp="1"/>
-          </p:cNvSpPr>
+          <p:cNvSpPr txBox="1"/>
           <p:nvPr>
-            <p:ph type="sldNum" idx="12"/>
+            <p:ph idx="12" type="sldNum"/>
           </p:nvPr>
         </p:nvSpPr>
         <p:spPr>
@@ -4616,7 +4885,7 @@
           </a:prstGeom>
         </p:spPr>
         <p:txBody>
-          <a:bodyPr spcFirstLastPara="1" wrap="square" lIns="91425" tIns="91425" rIns="91425" bIns="91425" anchor="ctr" anchorCtr="0">
+          <a:bodyPr anchorCtr="0" anchor="ctr" bIns="91425" lIns="91425" spcFirstLastPara="1" rIns="91425" wrap="square" tIns="91425">
             <a:normAutofit/>
           </a:bodyPr>
           <a:lstStyle>
@@ -4658,7 +4927,7 @@
             </a:lvl9pPr>
           </a:lstStyle>
           <a:p>
-            <a:pPr marL="0" lvl="0" indent="0" algn="r" rtl="0">
+            <a:pPr indent="0" lvl="0" marL="0" rtl="0" algn="r">
               <a:spcBef>
                 <a:spcPts val="0"/>
               </a:spcBef>
@@ -4669,7 +4938,7 @@
             </a:pPr>
             <a:fld id="{00000000-1234-1234-1234-123412341234}" type="slidenum">
               <a:rPr lang="es"/>
-              <a:t>‹Nº›</a:t>
+              <a:t>‹#›</a:t>
             </a:fld>
             <a:endParaRPr/>
           </a:p>
@@ -4684,11 +4953,11 @@
 </file>
 
 <file path=ppt/slideLayouts/slideLayout6.xml><?xml version="1.0" encoding="utf-8"?>
-<p:sldLayout xmlns:a="http://schemas.openxmlformats.org/drawingml/2006/main" xmlns:r="http://schemas.openxmlformats.org/officeDocument/2006/relationships" xmlns:p="http://schemas.openxmlformats.org/presentationml/2006/main" matchingName="One column text">
+<p:sldLayout xmlns:a="http://schemas.openxmlformats.org/drawingml/2006/main" xmlns:r="http://schemas.openxmlformats.org/officeDocument/2006/relationships" xmlns:mc="http://schemas.openxmlformats.org/markup-compatibility/2006" xmlns:mv="urn:schemas-microsoft-com:mac:vml" xmlns:p="http://schemas.openxmlformats.org/presentationml/2006/main" xmlns:c="http://schemas.openxmlformats.org/drawingml/2006/chart" xmlns:dgm="http://schemas.openxmlformats.org/drawingml/2006/diagram" xmlns:o="urn:schemas-microsoft-com:office:office" xmlns:v="urn:schemas-microsoft-com:vml" xmlns:pvml="urn:schemas-microsoft-com:office:powerpoint" xmlns:com="http://schemas.openxmlformats.org/drawingml/2006/compatibility" xmlns:p14="http://schemas.microsoft.com/office/powerpoint/2010/main" xmlns:p15="http://schemas.microsoft.com/office/powerpoint/2012/main" xmlns:ahyp="http://schemas.microsoft.com/office/drawing/2018/hyperlinkcolor" matchingName="One column text">
   <p:cSld name="ONE_COLUMN_TEXT">
     <p:spTree>
       <p:nvGrpSpPr>
-        <p:cNvPr id="1" name="Shape 36"/>
+        <p:cNvPr id="36" name="Shape 36"/>
         <p:cNvGrpSpPr/>
         <p:nvPr/>
       </p:nvGrpSpPr>
@@ -4722,12 +4991,12 @@
           </a:ln>
         </p:spPr>
         <p:txBody>
-          <a:bodyPr spcFirstLastPara="1" wrap="square" lIns="91425" tIns="91425" rIns="91425" bIns="91425" anchor="ctr" anchorCtr="0">
+          <a:bodyPr anchorCtr="0" anchor="ctr" bIns="91425" lIns="91425" spcFirstLastPara="1" rIns="91425" wrap="square" tIns="91425">
             <a:noAutofit/>
           </a:bodyPr>
           <a:lstStyle/>
           <a:p>
-            <a:pPr marL="0" lvl="0" indent="0" algn="l" rtl="0">
+            <a:pPr indent="0" lvl="0" marL="0" rtl="0" algn="l">
               <a:spcBef>
                 <a:spcPts val="0"/>
               </a:spcBef>
@@ -4736,6 +5005,9 @@
               </a:spcAft>
               <a:buNone/>
             </a:pPr>
+            <a:r>
+              <a:t/>
+            </a:r>
             <a:endParaRPr/>
           </a:p>
         </p:txBody>
@@ -4743,9 +5015,7 @@
       <p:sp>
         <p:nvSpPr>
           <p:cNvPr id="38" name="Google Shape;38;p7"/>
-          <p:cNvSpPr txBox="1">
-            <a:spLocks noGrp="1"/>
-          </p:cNvSpPr>
+          <p:cNvSpPr txBox="1"/>
           <p:nvPr>
             <p:ph type="title"/>
           </p:nvPr>
@@ -4760,7 +5030,7 @@
           </a:prstGeom>
         </p:spPr>
         <p:txBody>
-          <a:bodyPr spcFirstLastPara="1" wrap="square" lIns="91425" tIns="91425" rIns="91425" bIns="91425" anchor="t" anchorCtr="0">
+          <a:bodyPr anchorCtr="0" anchor="t" bIns="91425" lIns="91425" spcFirstLastPara="1" rIns="91425" wrap="square" tIns="91425">
             <a:normAutofit/>
           </a:bodyPr>
           <a:lstStyle>
@@ -4927,19 +5197,15 @@
               </a:defRPr>
             </a:lvl9pPr>
           </a:lstStyle>
-          <a:p>
-            <a:endParaRPr/>
-          </a:p>
+          <a:p/>
         </p:txBody>
       </p:sp>
       <p:sp>
         <p:nvSpPr>
           <p:cNvPr id="39" name="Google Shape;39;p7"/>
-          <p:cNvSpPr txBox="1">
-            <a:spLocks noGrp="1"/>
-          </p:cNvSpPr>
+          <p:cNvSpPr txBox="1"/>
           <p:nvPr>
-            <p:ph type="body" idx="1"/>
+            <p:ph idx="1" type="body"/>
           </p:nvPr>
         </p:nvSpPr>
         <p:spPr>
@@ -4952,11 +5218,11 @@
           </a:prstGeom>
         </p:spPr>
         <p:txBody>
-          <a:bodyPr spcFirstLastPara="1" wrap="square" lIns="91425" tIns="91425" rIns="91425" bIns="91425" anchor="t" anchorCtr="0">
+          <a:bodyPr anchorCtr="0" anchor="t" bIns="91425" lIns="91425" spcFirstLastPara="1" rIns="91425" wrap="square" tIns="91425">
             <a:normAutofit/>
           </a:bodyPr>
           <a:lstStyle>
-            <a:lvl1pPr marL="457200" lvl="0" indent="-311150">
+            <a:lvl1pPr indent="-311150" lvl="0" marL="457200">
               <a:spcBef>
                 <a:spcPts val="0"/>
               </a:spcBef>
@@ -4974,7 +5240,7 @@
                 </a:solidFill>
               </a:defRPr>
             </a:lvl1pPr>
-            <a:lvl2pPr marL="914400" lvl="1" indent="-298450">
+            <a:lvl2pPr indent="-298450" lvl="1" marL="914400">
               <a:spcBef>
                 <a:spcPts val="0"/>
               </a:spcBef>
@@ -4992,7 +5258,7 @@
                 </a:solidFill>
               </a:defRPr>
             </a:lvl2pPr>
-            <a:lvl3pPr marL="1371600" lvl="2" indent="-298450">
+            <a:lvl3pPr indent="-298450" lvl="2" marL="1371600">
               <a:spcBef>
                 <a:spcPts val="0"/>
               </a:spcBef>
@@ -5010,7 +5276,7 @@
                 </a:solidFill>
               </a:defRPr>
             </a:lvl3pPr>
-            <a:lvl4pPr marL="1828800" lvl="3" indent="-298450">
+            <a:lvl4pPr indent="-298450" lvl="3" marL="1828800">
               <a:spcBef>
                 <a:spcPts val="0"/>
               </a:spcBef>
@@ -5028,7 +5294,7 @@
                 </a:solidFill>
               </a:defRPr>
             </a:lvl4pPr>
-            <a:lvl5pPr marL="2286000" lvl="4" indent="-298450">
+            <a:lvl5pPr indent="-298450" lvl="4" marL="2286000">
               <a:spcBef>
                 <a:spcPts val="0"/>
               </a:spcBef>
@@ -5046,7 +5312,7 @@
                 </a:solidFill>
               </a:defRPr>
             </a:lvl5pPr>
-            <a:lvl6pPr marL="2743200" lvl="5" indent="-298450">
+            <a:lvl6pPr indent="-298450" lvl="5" marL="2743200">
               <a:spcBef>
                 <a:spcPts val="0"/>
               </a:spcBef>
@@ -5064,7 +5330,7 @@
                 </a:solidFill>
               </a:defRPr>
             </a:lvl6pPr>
-            <a:lvl7pPr marL="3200400" lvl="6" indent="-298450">
+            <a:lvl7pPr indent="-298450" lvl="6" marL="3200400">
               <a:spcBef>
                 <a:spcPts val="0"/>
               </a:spcBef>
@@ -5082,7 +5348,7 @@
                 </a:solidFill>
               </a:defRPr>
             </a:lvl7pPr>
-            <a:lvl8pPr marL="3657600" lvl="7" indent="-298450">
+            <a:lvl8pPr indent="-298450" lvl="7" marL="3657600">
               <a:spcBef>
                 <a:spcPts val="0"/>
               </a:spcBef>
@@ -5100,7 +5366,7 @@
                 </a:solidFill>
               </a:defRPr>
             </a:lvl8pPr>
-            <a:lvl9pPr marL="4114800" lvl="8" indent="-298450">
+            <a:lvl9pPr indent="-298450" lvl="8" marL="4114800">
               <a:spcBef>
                 <a:spcPts val="0"/>
               </a:spcBef>
@@ -5119,19 +5385,15 @@
               </a:defRPr>
             </a:lvl9pPr>
           </a:lstStyle>
-          <a:p>
-            <a:endParaRPr/>
-          </a:p>
+          <a:p/>
         </p:txBody>
       </p:sp>
       <p:sp>
         <p:nvSpPr>
           <p:cNvPr id="40" name="Google Shape;40;p7"/>
-          <p:cNvSpPr txBox="1">
-            <a:spLocks noGrp="1"/>
-          </p:cNvSpPr>
+          <p:cNvSpPr txBox="1"/>
           <p:nvPr>
-            <p:ph type="sldNum" idx="12"/>
+            <p:ph idx="12" type="sldNum"/>
           </p:nvPr>
         </p:nvSpPr>
         <p:spPr>
@@ -5144,7 +5406,7 @@
           </a:prstGeom>
         </p:spPr>
         <p:txBody>
-          <a:bodyPr spcFirstLastPara="1" wrap="square" lIns="91425" tIns="91425" rIns="91425" bIns="91425" anchor="ctr" anchorCtr="0">
+          <a:bodyPr anchorCtr="0" anchor="ctr" bIns="91425" lIns="91425" spcFirstLastPara="1" rIns="91425" wrap="square" tIns="91425">
             <a:normAutofit/>
           </a:bodyPr>
           <a:lstStyle>
@@ -5186,7 +5448,7 @@
             </a:lvl9pPr>
           </a:lstStyle>
           <a:p>
-            <a:pPr marL="0" lvl="0" indent="0" algn="r" rtl="0">
+            <a:pPr indent="0" lvl="0" marL="0" rtl="0" algn="r">
               <a:spcBef>
                 <a:spcPts val="0"/>
               </a:spcBef>
@@ -5197,7 +5459,7 @@
             </a:pPr>
             <a:fld id="{00000000-1234-1234-1234-123412341234}" type="slidenum">
               <a:rPr lang="es"/>
-              <a:t>‹Nº›</a:t>
+              <a:t>‹#›</a:t>
             </a:fld>
             <a:endParaRPr/>
           </a:p>
@@ -5212,19 +5474,18 @@
 </file>
 
 <file path=ppt/slideLayouts/slideLayout7.xml><?xml version="1.0" encoding="utf-8"?>
-<p:sldLayout xmlns:a="http://schemas.openxmlformats.org/drawingml/2006/main" xmlns:r="http://schemas.openxmlformats.org/officeDocument/2006/relationships" xmlns:p="http://schemas.openxmlformats.org/presentationml/2006/main" matchingName="Main point">
+<p:sldLayout xmlns:a="http://schemas.openxmlformats.org/drawingml/2006/main" xmlns:r="http://schemas.openxmlformats.org/officeDocument/2006/relationships" xmlns:mc="http://schemas.openxmlformats.org/markup-compatibility/2006" xmlns:mv="urn:schemas-microsoft-com:mac:vml" xmlns:p="http://schemas.openxmlformats.org/presentationml/2006/main" xmlns:c="http://schemas.openxmlformats.org/drawingml/2006/chart" xmlns:dgm="http://schemas.openxmlformats.org/drawingml/2006/diagram" xmlns:o="urn:schemas-microsoft-com:office:office" xmlns:v="urn:schemas-microsoft-com:vml" xmlns:pvml="urn:schemas-microsoft-com:office:powerpoint" xmlns:com="http://schemas.openxmlformats.org/drawingml/2006/compatibility" xmlns:p14="http://schemas.microsoft.com/office/powerpoint/2010/main" xmlns:p15="http://schemas.microsoft.com/office/powerpoint/2012/main" xmlns:ahyp="http://schemas.microsoft.com/office/drawing/2018/hyperlinkcolor" matchingName="Main point">
   <p:cSld name="MAIN_POINT">
     <p:bg>
       <p:bgPr>
         <a:solidFill>
           <a:schemeClr val="accent3"/>
         </a:solidFill>
-        <a:effectLst/>
       </p:bgPr>
     </p:bg>
     <p:spTree>
       <p:nvGrpSpPr>
-        <p:cNvPr id="1" name="Shape 41"/>
+        <p:cNvPr id="41" name="Shape 41"/>
         <p:cNvGrpSpPr/>
         <p:nvPr/>
       </p:nvGrpSpPr>
@@ -5239,9 +5500,7 @@
       <p:sp>
         <p:nvSpPr>
           <p:cNvPr id="42" name="Google Shape;42;p8"/>
-          <p:cNvSpPr txBox="1">
-            <a:spLocks noGrp="1"/>
-          </p:cNvSpPr>
+          <p:cNvSpPr txBox="1"/>
           <p:nvPr>
             <p:ph type="title"/>
           </p:nvPr>
@@ -5256,7 +5515,7 @@
           </a:prstGeom>
         </p:spPr>
         <p:txBody>
-          <a:bodyPr spcFirstLastPara="1" wrap="square" lIns="91425" tIns="91425" rIns="91425" bIns="91425" anchor="ctr" anchorCtr="0">
+          <a:bodyPr anchorCtr="0" anchor="ctr" bIns="91425" lIns="91425" spcFirstLastPara="1" rIns="91425" wrap="square" tIns="91425">
             <a:normAutofit/>
           </a:bodyPr>
           <a:lstStyle>
@@ -5360,19 +5619,15 @@
               <a:defRPr sz="3600"/>
             </a:lvl9pPr>
           </a:lstStyle>
-          <a:p>
-            <a:endParaRPr/>
-          </a:p>
+          <a:p/>
         </p:txBody>
       </p:sp>
       <p:sp>
         <p:nvSpPr>
           <p:cNvPr id="43" name="Google Shape;43;p8"/>
-          <p:cNvSpPr txBox="1">
-            <a:spLocks noGrp="1"/>
-          </p:cNvSpPr>
+          <p:cNvSpPr txBox="1"/>
           <p:nvPr>
-            <p:ph type="sldNum" idx="12"/>
+            <p:ph idx="12" type="sldNum"/>
           </p:nvPr>
         </p:nvSpPr>
         <p:spPr>
@@ -5385,7 +5640,7 @@
           </a:prstGeom>
         </p:spPr>
         <p:txBody>
-          <a:bodyPr spcFirstLastPara="1" wrap="square" lIns="91425" tIns="91425" rIns="91425" bIns="91425" anchor="ctr" anchorCtr="0">
+          <a:bodyPr anchorCtr="0" anchor="ctr" bIns="91425" lIns="91425" spcFirstLastPara="1" rIns="91425" wrap="square" tIns="91425">
             <a:normAutofit/>
           </a:bodyPr>
           <a:lstStyle>
@@ -5463,7 +5718,7 @@
             </a:lvl9pPr>
           </a:lstStyle>
           <a:p>
-            <a:pPr marL="0" lvl="0" indent="0" algn="r" rtl="0">
+            <a:pPr indent="0" lvl="0" marL="0" rtl="0" algn="r">
               <a:spcBef>
                 <a:spcPts val="0"/>
               </a:spcBef>
@@ -5474,7 +5729,7 @@
             </a:pPr>
             <a:fld id="{00000000-1234-1234-1234-123412341234}" type="slidenum">
               <a:rPr lang="es"/>
-              <a:t>‹Nº›</a:t>
+              <a:t>‹#›</a:t>
             </a:fld>
             <a:endParaRPr/>
           </a:p>
@@ -5489,11 +5744,11 @@
 </file>
 
 <file path=ppt/slideLayouts/slideLayout8.xml><?xml version="1.0" encoding="utf-8"?>
-<p:sldLayout xmlns:a="http://schemas.openxmlformats.org/drawingml/2006/main" xmlns:r="http://schemas.openxmlformats.org/officeDocument/2006/relationships" xmlns:p="http://schemas.openxmlformats.org/presentationml/2006/main" matchingName="Section title and description">
+<p:sldLayout xmlns:a="http://schemas.openxmlformats.org/drawingml/2006/main" xmlns:r="http://schemas.openxmlformats.org/officeDocument/2006/relationships" xmlns:mc="http://schemas.openxmlformats.org/markup-compatibility/2006" xmlns:mv="urn:schemas-microsoft-com:mac:vml" xmlns:p="http://schemas.openxmlformats.org/presentationml/2006/main" xmlns:c="http://schemas.openxmlformats.org/drawingml/2006/chart" xmlns:dgm="http://schemas.openxmlformats.org/drawingml/2006/diagram" xmlns:o="urn:schemas-microsoft-com:office:office" xmlns:v="urn:schemas-microsoft-com:vml" xmlns:pvml="urn:schemas-microsoft-com:office:powerpoint" xmlns:com="http://schemas.openxmlformats.org/drawingml/2006/compatibility" xmlns:p14="http://schemas.microsoft.com/office/powerpoint/2010/main" xmlns:p15="http://schemas.microsoft.com/office/powerpoint/2012/main" xmlns:ahyp="http://schemas.microsoft.com/office/drawing/2018/hyperlinkcolor" matchingName="Section title and description">
   <p:cSld name="SECTION_TITLE_AND_DESCRIPTION">
     <p:spTree>
       <p:nvGrpSpPr>
-        <p:cNvPr id="1" name="Shape 44"/>
+        <p:cNvPr id="44" name="Shape 44"/>
         <p:cNvGrpSpPr/>
         <p:nvPr/>
       </p:nvGrpSpPr>
@@ -5527,12 +5782,12 @@
           </a:ln>
         </p:spPr>
         <p:txBody>
-          <a:bodyPr spcFirstLastPara="1" wrap="square" lIns="91425" tIns="91425" rIns="91425" bIns="91425" anchor="ctr" anchorCtr="0">
+          <a:bodyPr anchorCtr="0" anchor="ctr" bIns="91425" lIns="91425" spcFirstLastPara="1" rIns="91425" wrap="square" tIns="91425">
             <a:noAutofit/>
           </a:bodyPr>
           <a:lstStyle/>
           <a:p>
-            <a:pPr marL="0" lvl="0" indent="0" algn="l" rtl="0">
+            <a:pPr indent="0" lvl="0" marL="0" rtl="0" algn="l">
               <a:spcBef>
                 <a:spcPts val="0"/>
               </a:spcBef>
@@ -5541,6 +5796,9 @@
               </a:spcAft>
               <a:buNone/>
             </a:pPr>
+            <a:r>
+              <a:t/>
+            </a:r>
             <a:endParaRPr/>
           </a:p>
         </p:txBody>
@@ -5548,9 +5806,7 @@
       <p:sp>
         <p:nvSpPr>
           <p:cNvPr id="46" name="Google Shape;46;p9"/>
-          <p:cNvSpPr txBox="1">
-            <a:spLocks noGrp="1"/>
-          </p:cNvSpPr>
+          <p:cNvSpPr txBox="1"/>
           <p:nvPr>
             <p:ph type="title"/>
           </p:nvPr>
@@ -5565,7 +5821,7 @@
           </a:prstGeom>
         </p:spPr>
         <p:txBody>
-          <a:bodyPr spcFirstLastPara="1" wrap="square" lIns="91425" tIns="91425" rIns="91425" bIns="91425" anchor="t" anchorCtr="0">
+          <a:bodyPr anchorCtr="0" anchor="t" bIns="91425" lIns="91425" spcFirstLastPara="1" rIns="91425" wrap="square" tIns="91425">
             <a:normAutofit/>
           </a:bodyPr>
           <a:lstStyle>
@@ -5732,19 +5988,15 @@
               </a:defRPr>
             </a:lvl9pPr>
           </a:lstStyle>
-          <a:p>
-            <a:endParaRPr/>
-          </a:p>
+          <a:p/>
         </p:txBody>
       </p:sp>
       <p:sp>
         <p:nvSpPr>
           <p:cNvPr id="47" name="Google Shape;47;p9"/>
-          <p:cNvSpPr txBox="1">
-            <a:spLocks noGrp="1"/>
-          </p:cNvSpPr>
+          <p:cNvSpPr txBox="1"/>
           <p:nvPr>
-            <p:ph type="subTitle" idx="1"/>
+            <p:ph idx="1" type="subTitle"/>
           </p:nvPr>
         </p:nvSpPr>
         <p:spPr>
@@ -5757,7 +6009,7 @@
           </a:prstGeom>
         </p:spPr>
         <p:txBody>
-          <a:bodyPr spcFirstLastPara="1" wrap="square" lIns="91425" tIns="91425" rIns="91425" bIns="91425" anchor="t" anchorCtr="0">
+          <a:bodyPr anchorCtr="0" anchor="t" bIns="91425" lIns="91425" spcFirstLastPara="1" rIns="91425" wrap="square" tIns="91425">
             <a:normAutofit/>
           </a:bodyPr>
           <a:lstStyle>
@@ -5951,19 +6203,15 @@
               </a:defRPr>
             </a:lvl9pPr>
           </a:lstStyle>
-          <a:p>
-            <a:endParaRPr/>
-          </a:p>
+          <a:p/>
         </p:txBody>
       </p:sp>
       <p:sp>
         <p:nvSpPr>
           <p:cNvPr id="48" name="Google Shape;48;p9"/>
-          <p:cNvSpPr txBox="1">
-            <a:spLocks noGrp="1"/>
-          </p:cNvSpPr>
+          <p:cNvSpPr txBox="1"/>
           <p:nvPr>
-            <p:ph type="body" idx="2"/>
+            <p:ph idx="2" type="body"/>
           </p:nvPr>
         </p:nvSpPr>
         <p:spPr>
@@ -5976,11 +6224,11 @@
           </a:prstGeom>
         </p:spPr>
         <p:txBody>
-          <a:bodyPr spcFirstLastPara="1" wrap="square" lIns="91425" tIns="91425" rIns="91425" bIns="91425" anchor="t" anchorCtr="0">
+          <a:bodyPr anchorCtr="0" anchor="t" bIns="91425" lIns="91425" spcFirstLastPara="1" rIns="91425" wrap="square" tIns="91425">
             <a:normAutofit/>
           </a:bodyPr>
           <a:lstStyle>
-            <a:lvl1pPr marL="457200" lvl="0" indent="-311150">
+            <a:lvl1pPr indent="-311150" lvl="0" marL="457200">
               <a:spcBef>
                 <a:spcPts val="0"/>
               </a:spcBef>
@@ -5991,7 +6239,7 @@
               <a:buChar char="●"/>
               <a:defRPr/>
             </a:lvl1pPr>
-            <a:lvl2pPr marL="914400" lvl="1" indent="-298450">
+            <a:lvl2pPr indent="-298450" lvl="1" marL="914400">
               <a:spcBef>
                 <a:spcPts val="0"/>
               </a:spcBef>
@@ -6002,7 +6250,7 @@
               <a:buChar char="○"/>
               <a:defRPr/>
             </a:lvl2pPr>
-            <a:lvl3pPr marL="1371600" lvl="2" indent="-298450">
+            <a:lvl3pPr indent="-298450" lvl="2" marL="1371600">
               <a:spcBef>
                 <a:spcPts val="0"/>
               </a:spcBef>
@@ -6013,7 +6261,7 @@
               <a:buChar char="■"/>
               <a:defRPr/>
             </a:lvl3pPr>
-            <a:lvl4pPr marL="1828800" lvl="3" indent="-298450">
+            <a:lvl4pPr indent="-298450" lvl="3" marL="1828800">
               <a:spcBef>
                 <a:spcPts val="0"/>
               </a:spcBef>
@@ -6024,7 +6272,7 @@
               <a:buChar char="●"/>
               <a:defRPr/>
             </a:lvl4pPr>
-            <a:lvl5pPr marL="2286000" lvl="4" indent="-298450">
+            <a:lvl5pPr indent="-298450" lvl="4" marL="2286000">
               <a:spcBef>
                 <a:spcPts val="0"/>
               </a:spcBef>
@@ -6035,7 +6283,7 @@
               <a:buChar char="○"/>
               <a:defRPr/>
             </a:lvl5pPr>
-            <a:lvl6pPr marL="2743200" lvl="5" indent="-298450">
+            <a:lvl6pPr indent="-298450" lvl="5" marL="2743200">
               <a:spcBef>
                 <a:spcPts val="0"/>
               </a:spcBef>
@@ -6046,7 +6294,7 @@
               <a:buChar char="■"/>
               <a:defRPr/>
             </a:lvl6pPr>
-            <a:lvl7pPr marL="3200400" lvl="6" indent="-298450">
+            <a:lvl7pPr indent="-298450" lvl="6" marL="3200400">
               <a:spcBef>
                 <a:spcPts val="0"/>
               </a:spcBef>
@@ -6057,7 +6305,7 @@
               <a:buChar char="●"/>
               <a:defRPr/>
             </a:lvl7pPr>
-            <a:lvl8pPr marL="3657600" lvl="7" indent="-298450">
+            <a:lvl8pPr indent="-298450" lvl="7" marL="3657600">
               <a:spcBef>
                 <a:spcPts val="0"/>
               </a:spcBef>
@@ -6068,7 +6316,7 @@
               <a:buChar char="○"/>
               <a:defRPr/>
             </a:lvl8pPr>
-            <a:lvl9pPr marL="4114800" lvl="8" indent="-298450">
+            <a:lvl9pPr indent="-298450" lvl="8" marL="4114800">
               <a:spcBef>
                 <a:spcPts val="0"/>
               </a:spcBef>
@@ -6080,19 +6328,15 @@
               <a:defRPr/>
             </a:lvl9pPr>
           </a:lstStyle>
-          <a:p>
-            <a:endParaRPr/>
-          </a:p>
+          <a:p/>
         </p:txBody>
       </p:sp>
       <p:sp>
         <p:nvSpPr>
           <p:cNvPr id="49" name="Google Shape;49;p9"/>
-          <p:cNvSpPr txBox="1">
-            <a:spLocks noGrp="1"/>
-          </p:cNvSpPr>
+          <p:cNvSpPr txBox="1"/>
           <p:nvPr>
-            <p:ph type="sldNum" idx="12"/>
+            <p:ph idx="12" type="sldNum"/>
           </p:nvPr>
         </p:nvSpPr>
         <p:spPr>
@@ -6105,7 +6349,7 @@
           </a:prstGeom>
         </p:spPr>
         <p:txBody>
-          <a:bodyPr spcFirstLastPara="1" wrap="square" lIns="91425" tIns="91425" rIns="91425" bIns="91425" anchor="ctr" anchorCtr="0">
+          <a:bodyPr anchorCtr="0" anchor="ctr" bIns="91425" lIns="91425" spcFirstLastPara="1" rIns="91425" wrap="square" tIns="91425">
             <a:normAutofit/>
           </a:bodyPr>
           <a:lstStyle>
@@ -6147,7 +6391,7 @@
             </a:lvl9pPr>
           </a:lstStyle>
           <a:p>
-            <a:pPr marL="0" lvl="0" indent="0" algn="r" rtl="0">
+            <a:pPr indent="0" lvl="0" marL="0" rtl="0" algn="r">
               <a:spcBef>
                 <a:spcPts val="0"/>
               </a:spcBef>
@@ -6158,7 +6402,7 @@
             </a:pPr>
             <a:fld id="{00000000-1234-1234-1234-123412341234}" type="slidenum">
               <a:rPr lang="es"/>
-              <a:t>‹Nº›</a:t>
+              <a:t>‹#›</a:t>
             </a:fld>
             <a:endParaRPr/>
           </a:p>
@@ -6173,11 +6417,11 @@
 </file>
 
 <file path=ppt/slideLayouts/slideLayout9.xml><?xml version="1.0" encoding="utf-8"?>
-<p:sldLayout xmlns:a="http://schemas.openxmlformats.org/drawingml/2006/main" xmlns:r="http://schemas.openxmlformats.org/officeDocument/2006/relationships" xmlns:p="http://schemas.openxmlformats.org/presentationml/2006/main" matchingName="Caption">
+<p:sldLayout xmlns:a="http://schemas.openxmlformats.org/drawingml/2006/main" xmlns:r="http://schemas.openxmlformats.org/officeDocument/2006/relationships" xmlns:mc="http://schemas.openxmlformats.org/markup-compatibility/2006" xmlns:mv="urn:schemas-microsoft-com:mac:vml" xmlns:p="http://schemas.openxmlformats.org/presentationml/2006/main" xmlns:c="http://schemas.openxmlformats.org/drawingml/2006/chart" xmlns:dgm="http://schemas.openxmlformats.org/drawingml/2006/diagram" xmlns:o="urn:schemas-microsoft-com:office:office" xmlns:v="urn:schemas-microsoft-com:vml" xmlns:pvml="urn:schemas-microsoft-com:office:powerpoint" xmlns:com="http://schemas.openxmlformats.org/drawingml/2006/compatibility" xmlns:p14="http://schemas.microsoft.com/office/powerpoint/2010/main" xmlns:p15="http://schemas.microsoft.com/office/powerpoint/2012/main" xmlns:ahyp="http://schemas.microsoft.com/office/drawing/2018/hyperlinkcolor" matchingName="Caption">
   <p:cSld name="CAPTION_ONLY">
     <p:spTree>
       <p:nvGrpSpPr>
-        <p:cNvPr id="1" name="Shape 50"/>
+        <p:cNvPr id="50" name="Shape 50"/>
         <p:cNvGrpSpPr/>
         <p:nvPr/>
       </p:nvGrpSpPr>
@@ -6211,12 +6455,12 @@
           </a:ln>
         </p:spPr>
         <p:txBody>
-          <a:bodyPr spcFirstLastPara="1" wrap="square" lIns="91425" tIns="91425" rIns="91425" bIns="91425" anchor="ctr" anchorCtr="0">
+          <a:bodyPr anchorCtr="0" anchor="ctr" bIns="91425" lIns="91425" spcFirstLastPara="1" rIns="91425" wrap="square" tIns="91425">
             <a:noAutofit/>
           </a:bodyPr>
           <a:lstStyle/>
           <a:p>
-            <a:pPr marL="0" lvl="0" indent="0" algn="l" rtl="0">
+            <a:pPr indent="0" lvl="0" marL="0" rtl="0" algn="l">
               <a:spcBef>
                 <a:spcPts val="0"/>
               </a:spcBef>
@@ -6225,6 +6469,9 @@
               </a:spcAft>
               <a:buNone/>
             </a:pPr>
+            <a:r>
+              <a:t/>
+            </a:r>
             <a:endParaRPr/>
           </a:p>
         </p:txBody>
@@ -6232,11 +6479,9 @@
       <p:sp>
         <p:nvSpPr>
           <p:cNvPr id="52" name="Google Shape;52;p10"/>
-          <p:cNvSpPr txBox="1">
-            <a:spLocks noGrp="1"/>
-          </p:cNvSpPr>
+          <p:cNvSpPr txBox="1"/>
           <p:nvPr>
-            <p:ph type="body" idx="1"/>
+            <p:ph idx="1" type="body"/>
           </p:nvPr>
         </p:nvSpPr>
         <p:spPr>
@@ -6249,11 +6494,11 @@
           </a:prstGeom>
         </p:spPr>
         <p:txBody>
-          <a:bodyPr spcFirstLastPara="1" wrap="square" lIns="91425" tIns="91425" rIns="91425" bIns="91425" anchor="ctr" anchorCtr="0">
+          <a:bodyPr anchorCtr="0" anchor="ctr" bIns="91425" lIns="91425" spcFirstLastPara="1" rIns="91425" wrap="square" tIns="91425">
             <a:normAutofit/>
           </a:bodyPr>
           <a:lstStyle>
-            <a:lvl1pPr marL="457200" lvl="0" indent="-228600">
+            <a:lvl1pPr indent="-228600" lvl="0" marL="457200">
               <a:lnSpc>
                 <a:spcPct val="100000"/>
               </a:lnSpc>
@@ -6280,19 +6525,15 @@
               </a:defRPr>
             </a:lvl1pPr>
           </a:lstStyle>
-          <a:p>
-            <a:endParaRPr/>
-          </a:p>
+          <a:p/>
         </p:txBody>
       </p:sp>
       <p:sp>
         <p:nvSpPr>
           <p:cNvPr id="53" name="Google Shape;53;p10"/>
-          <p:cNvSpPr txBox="1">
-            <a:spLocks noGrp="1"/>
-          </p:cNvSpPr>
+          <p:cNvSpPr txBox="1"/>
           <p:nvPr>
-            <p:ph type="sldNum" idx="12"/>
+            <p:ph idx="12" type="sldNum"/>
           </p:nvPr>
         </p:nvSpPr>
         <p:spPr>
@@ -6305,7 +6546,7 @@
           </a:prstGeom>
         </p:spPr>
         <p:txBody>
-          <a:bodyPr spcFirstLastPara="1" wrap="square" lIns="91425" tIns="91425" rIns="91425" bIns="91425" anchor="ctr" anchorCtr="0">
+          <a:bodyPr anchorCtr="0" anchor="ctr" bIns="91425" lIns="91425" spcFirstLastPara="1" rIns="91425" wrap="square" tIns="91425">
             <a:normAutofit/>
           </a:bodyPr>
           <a:lstStyle>
@@ -6383,7 +6624,7 @@
             </a:lvl9pPr>
           </a:lstStyle>
           <a:p>
-            <a:pPr marL="0" lvl="0" indent="0" algn="r" rtl="0">
+            <a:pPr indent="0" lvl="0" marL="0" rtl="0" algn="r">
               <a:spcBef>
                 <a:spcPts val="0"/>
               </a:spcBef>
@@ -6394,7 +6635,7 @@
             </a:pPr>
             <a:fld id="{00000000-1234-1234-1234-123412341234}" type="slidenum">
               <a:rPr lang="es"/>
-              <a:t>‹Nº›</a:t>
+              <a:t>‹#›</a:t>
             </a:fld>
             <a:endParaRPr/>
           </a:p>
@@ -6409,19 +6650,18 @@
 </file>
 
 <file path=ppt/slideMasters/slideMaster1.xml><?xml version="1.0" encoding="utf-8"?>
-<p:sldMaster xmlns:a="http://schemas.openxmlformats.org/drawingml/2006/main" xmlns:r="http://schemas.openxmlformats.org/officeDocument/2006/relationships" xmlns:p="http://schemas.openxmlformats.org/presentationml/2006/main">
+<p:sldMaster xmlns:a="http://schemas.openxmlformats.org/drawingml/2006/main" xmlns:r="http://schemas.openxmlformats.org/officeDocument/2006/relationships" xmlns:mc="http://schemas.openxmlformats.org/markup-compatibility/2006" xmlns:mv="urn:schemas-microsoft-com:mac:vml" xmlns:p="http://schemas.openxmlformats.org/presentationml/2006/main" xmlns:c="http://schemas.openxmlformats.org/drawingml/2006/chart" xmlns:dgm="http://schemas.openxmlformats.org/drawingml/2006/diagram" xmlns:o="urn:schemas-microsoft-com:office:office" xmlns:v="urn:schemas-microsoft-com:vml" xmlns:pvml="urn:schemas-microsoft-com:office:powerpoint" xmlns:com="http://schemas.openxmlformats.org/drawingml/2006/compatibility" xmlns:p14="http://schemas.microsoft.com/office/powerpoint/2010/main" xmlns:p15="http://schemas.microsoft.com/office/powerpoint/2012/main" xmlns:ahyp="http://schemas.microsoft.com/office/drawing/2018/hyperlinkcolor">
   <p:cSld name="paradigm">
     <p:bg>
       <p:bgPr>
         <a:solidFill>
           <a:schemeClr val="lt1"/>
         </a:solidFill>
-        <a:effectLst/>
       </p:bgPr>
     </p:bg>
     <p:spTree>
       <p:nvGrpSpPr>
-        <p:cNvPr id="1" name="Shape 5"/>
+        <p:cNvPr id="5" name="Shape 5"/>
         <p:cNvGrpSpPr/>
         <p:nvPr/>
       </p:nvGrpSpPr>
@@ -6436,9 +6676,7 @@
       <p:sp>
         <p:nvSpPr>
           <p:cNvPr id="6" name="Google Shape;6;p1"/>
-          <p:cNvSpPr txBox="1">
-            <a:spLocks noGrp="1"/>
-          </p:cNvSpPr>
+          <p:cNvSpPr txBox="1"/>
           <p:nvPr>
             <p:ph type="title"/>
           </p:nvPr>
@@ -6457,7 +6695,7 @@
           </a:ln>
         </p:spPr>
         <p:txBody>
-          <a:bodyPr spcFirstLastPara="1" wrap="square" lIns="91425" tIns="91425" rIns="91425" bIns="91425" anchor="t" anchorCtr="0">
+          <a:bodyPr anchorCtr="0" anchor="t" bIns="91425" lIns="91425" spcFirstLastPara="1" rIns="91425" wrap="square" tIns="91425">
             <a:normAutofit/>
           </a:bodyPr>
           <a:lstStyle>
@@ -6669,19 +6907,15 @@
               </a:defRPr>
             </a:lvl9pPr>
           </a:lstStyle>
-          <a:p>
-            <a:endParaRPr/>
-          </a:p>
+          <a:p/>
         </p:txBody>
       </p:sp>
       <p:sp>
         <p:nvSpPr>
           <p:cNvPr id="7" name="Google Shape;7;p1"/>
-          <p:cNvSpPr txBox="1">
-            <a:spLocks noGrp="1"/>
-          </p:cNvSpPr>
+          <p:cNvSpPr txBox="1"/>
           <p:nvPr>
-            <p:ph type="body" idx="1"/>
+            <p:ph idx="1" type="body"/>
           </p:nvPr>
         </p:nvSpPr>
         <p:spPr>
@@ -6698,11 +6932,11 @@
           </a:ln>
         </p:spPr>
         <p:txBody>
-          <a:bodyPr spcFirstLastPara="1" wrap="square" lIns="91425" tIns="91425" rIns="91425" bIns="91425" anchor="t" anchorCtr="0">
+          <a:bodyPr anchorCtr="0" anchor="t" bIns="91425" lIns="91425" spcFirstLastPara="1" rIns="91425" wrap="square" tIns="91425">
             <a:normAutofit/>
           </a:bodyPr>
           <a:lstStyle>
-            <a:lvl1pPr marL="457200" lvl="0" indent="-311150">
+            <a:lvl1pPr indent="-311150" lvl="0" marL="457200">
               <a:lnSpc>
                 <a:spcPct val="115000"/>
               </a:lnSpc>
@@ -6728,7 +6962,7 @@
                 <a:sym typeface="Roboto"/>
               </a:defRPr>
             </a:lvl1pPr>
-            <a:lvl2pPr marL="914400" lvl="1" indent="-298450">
+            <a:lvl2pPr indent="-298450" lvl="1" marL="914400">
               <a:lnSpc>
                 <a:spcPct val="115000"/>
               </a:lnSpc>
@@ -6754,7 +6988,7 @@
                 <a:sym typeface="Roboto"/>
               </a:defRPr>
             </a:lvl2pPr>
-            <a:lvl3pPr marL="1371600" lvl="2" indent="-298450">
+            <a:lvl3pPr indent="-298450" lvl="2" marL="1371600">
               <a:lnSpc>
                 <a:spcPct val="115000"/>
               </a:lnSpc>
@@ -6780,7 +7014,7 @@
                 <a:sym typeface="Roboto"/>
               </a:defRPr>
             </a:lvl3pPr>
-            <a:lvl4pPr marL="1828800" lvl="3" indent="-298450">
+            <a:lvl4pPr indent="-298450" lvl="3" marL="1828800">
               <a:lnSpc>
                 <a:spcPct val="115000"/>
               </a:lnSpc>
@@ -6806,7 +7040,7 @@
                 <a:sym typeface="Roboto"/>
               </a:defRPr>
             </a:lvl4pPr>
-            <a:lvl5pPr marL="2286000" lvl="4" indent="-298450">
+            <a:lvl5pPr indent="-298450" lvl="4" marL="2286000">
               <a:lnSpc>
                 <a:spcPct val="115000"/>
               </a:lnSpc>
@@ -6832,7 +7066,7 @@
                 <a:sym typeface="Roboto"/>
               </a:defRPr>
             </a:lvl5pPr>
-            <a:lvl6pPr marL="2743200" lvl="5" indent="-298450">
+            <a:lvl6pPr indent="-298450" lvl="5" marL="2743200">
               <a:lnSpc>
                 <a:spcPct val="115000"/>
               </a:lnSpc>
@@ -6858,7 +7092,7 @@
                 <a:sym typeface="Roboto"/>
               </a:defRPr>
             </a:lvl6pPr>
-            <a:lvl7pPr marL="3200400" lvl="6" indent="-298450">
+            <a:lvl7pPr indent="-298450" lvl="6" marL="3200400">
               <a:lnSpc>
                 <a:spcPct val="115000"/>
               </a:lnSpc>
@@ -6884,7 +7118,7 @@
                 <a:sym typeface="Roboto"/>
               </a:defRPr>
             </a:lvl7pPr>
-            <a:lvl8pPr marL="3657600" lvl="7" indent="-298450">
+            <a:lvl8pPr indent="-298450" lvl="7" marL="3657600">
               <a:lnSpc>
                 <a:spcPct val="115000"/>
               </a:lnSpc>
@@ -6910,7 +7144,7 @@
                 <a:sym typeface="Roboto"/>
               </a:defRPr>
             </a:lvl8pPr>
-            <a:lvl9pPr marL="4114800" lvl="8" indent="-298450">
+            <a:lvl9pPr indent="-298450" lvl="8" marL="4114800">
               <a:lnSpc>
                 <a:spcPct val="115000"/>
               </a:lnSpc>
@@ -6937,19 +7171,15 @@
               </a:defRPr>
             </a:lvl9pPr>
           </a:lstStyle>
-          <a:p>
-            <a:endParaRPr/>
-          </a:p>
+          <a:p/>
         </p:txBody>
       </p:sp>
       <p:sp>
         <p:nvSpPr>
           <p:cNvPr id="8" name="Google Shape;8;p1"/>
-          <p:cNvSpPr txBox="1">
-            <a:spLocks noGrp="1"/>
-          </p:cNvSpPr>
+          <p:cNvSpPr txBox="1"/>
           <p:nvPr>
-            <p:ph type="sldNum" idx="12"/>
+            <p:ph idx="12" type="sldNum"/>
           </p:nvPr>
         </p:nvSpPr>
         <p:spPr>
@@ -6966,7 +7196,7 @@
           </a:ln>
         </p:spPr>
         <p:txBody>
-          <a:bodyPr spcFirstLastPara="1" wrap="square" lIns="91425" tIns="91425" rIns="91425" bIns="91425" anchor="ctr" anchorCtr="0">
+          <a:bodyPr anchorCtr="0" anchor="ctr" bIns="91425" lIns="91425" spcFirstLastPara="1" rIns="91425" wrap="square" tIns="91425">
             <a:normAutofit/>
           </a:bodyPr>
           <a:lstStyle>
@@ -7080,7 +7310,7 @@
             </a:lvl9pPr>
           </a:lstStyle>
           <a:p>
-            <a:pPr marL="0" lvl="0" indent="0" algn="r" rtl="0">
+            <a:pPr indent="0" lvl="0" marL="0" rtl="0" algn="r">
               <a:spcBef>
                 <a:spcPts val="0"/>
               </a:spcBef>
@@ -7091,7 +7321,7 @@
             </a:pPr>
             <a:fld id="{00000000-1234-1234-1234-123412341234}" type="slidenum">
               <a:rPr lang="es"/>
-              <a:t>‹Nº›</a:t>
+              <a:t>‹#›</a:t>
             </a:fld>
             <a:endParaRPr/>
           </a:p>
@@ -7099,7 +7329,7 @@
       </p:sp>
     </p:spTree>
   </p:cSld>
-  <p:clrMap bg1="lt1" tx1="dk1" bg2="dk2" tx2="lt2" accent1="accent1" accent2="accent2" accent3="accent3" accent4="accent4" accent5="accent5" accent6="accent6" hlink="hlink" folHlink="folHlink"/>
+  <p:clrMap accent1="accent1" accent2="accent2" accent3="accent3" accent4="accent4" accent5="accent5" accent6="accent6" bg1="lt1" bg2="dk2" tx1="dk1" tx2="lt2" folHlink="folHlink" hlink="hlink"/>
   <p:sldLayoutIdLst>
     <p:sldLayoutId id="2147483648" r:id="rId1"/>
     <p:sldLayoutId id="2147483649" r:id="rId2"/>
@@ -7113,10 +7343,10 @@
     <p:sldLayoutId id="2147483657" r:id="rId10"/>
     <p:sldLayoutId id="2147483658" r:id="rId11"/>
   </p:sldLayoutIdLst>
-  <p:hf sldNum="0" hdr="0" ftr="0" dt="0"/>
+  <p:hf dt="0" ftr="0" hdr="0" sldNum="0"/>
   <p:txStyles>
     <p:titleStyle>
-      <a:defPPr marR="0" lvl="0" algn="l" rtl="0">
+      <a:defPPr lvl="0" marR="0" rtl="0" algn="l">
         <a:lnSpc>
           <a:spcPct val="100000"/>
         </a:lnSpc>
@@ -7127,7 +7357,7 @@
           <a:spcPts val="0"/>
         </a:spcAft>
       </a:defPPr>
-      <a:lvl1pPr marR="0" lvl="0" algn="l" rtl="0">
+      <a:lvl1pPr lvl="0" marR="0" rtl="0" algn="l">
         <a:lnSpc>
           <a:spcPct val="100000"/>
         </a:lnSpc>
@@ -7141,7 +7371,7 @@
           <a:srgbClr val="000000"/>
         </a:buClr>
         <a:buFont typeface="Arial"/>
-        <a:defRPr sz="1400" b="0" i="0" u="none" strike="noStrike" cap="none">
+        <a:defRPr b="0" i="0" sz="1400" u="none" cap="none" strike="noStrike">
           <a:solidFill>
             <a:srgbClr val="000000"/>
           </a:solidFill>
@@ -7151,7 +7381,7 @@
           <a:sym typeface="Arial"/>
         </a:defRPr>
       </a:lvl1pPr>
-      <a:lvl2pPr marR="0" lvl="1" algn="l" rtl="0">
+      <a:lvl2pPr lvl="1" marR="0" rtl="0" algn="l">
         <a:lnSpc>
           <a:spcPct val="100000"/>
         </a:lnSpc>
@@ -7165,7 +7395,7 @@
           <a:srgbClr val="000000"/>
         </a:buClr>
         <a:buFont typeface="Arial"/>
-        <a:defRPr sz="1400" b="0" i="0" u="none" strike="noStrike" cap="none">
+        <a:defRPr b="0" i="0" sz="1400" u="none" cap="none" strike="noStrike">
           <a:solidFill>
             <a:srgbClr val="000000"/>
           </a:solidFill>
@@ -7175,7 +7405,7 @@
           <a:sym typeface="Arial"/>
         </a:defRPr>
       </a:lvl2pPr>
-      <a:lvl3pPr marR="0" lvl="2" algn="l" rtl="0">
+      <a:lvl3pPr lvl="2" marR="0" rtl="0" algn="l">
         <a:lnSpc>
           <a:spcPct val="100000"/>
         </a:lnSpc>
@@ -7189,7 +7419,7 @@
           <a:srgbClr val="000000"/>
         </a:buClr>
         <a:buFont typeface="Arial"/>
-        <a:defRPr sz="1400" b="0" i="0" u="none" strike="noStrike" cap="none">
+        <a:defRPr b="0" i="0" sz="1400" u="none" cap="none" strike="noStrike">
           <a:solidFill>
             <a:srgbClr val="000000"/>
           </a:solidFill>
@@ -7199,7 +7429,7 @@
           <a:sym typeface="Arial"/>
         </a:defRPr>
       </a:lvl3pPr>
-      <a:lvl4pPr marR="0" lvl="3" algn="l" rtl="0">
+      <a:lvl4pPr lvl="3" marR="0" rtl="0" algn="l">
         <a:lnSpc>
           <a:spcPct val="100000"/>
         </a:lnSpc>
@@ -7213,7 +7443,7 @@
           <a:srgbClr val="000000"/>
         </a:buClr>
         <a:buFont typeface="Arial"/>
-        <a:defRPr sz="1400" b="0" i="0" u="none" strike="noStrike" cap="none">
+        <a:defRPr b="0" i="0" sz="1400" u="none" cap="none" strike="noStrike">
           <a:solidFill>
             <a:srgbClr val="000000"/>
           </a:solidFill>
@@ -7223,7 +7453,7 @@
           <a:sym typeface="Arial"/>
         </a:defRPr>
       </a:lvl4pPr>
-      <a:lvl5pPr marR="0" lvl="4" algn="l" rtl="0">
+      <a:lvl5pPr lvl="4" marR="0" rtl="0" algn="l">
         <a:lnSpc>
           <a:spcPct val="100000"/>
         </a:lnSpc>
@@ -7237,7 +7467,7 @@
           <a:srgbClr val="000000"/>
         </a:buClr>
         <a:buFont typeface="Arial"/>
-        <a:defRPr sz="1400" b="0" i="0" u="none" strike="noStrike" cap="none">
+        <a:defRPr b="0" i="0" sz="1400" u="none" cap="none" strike="noStrike">
           <a:solidFill>
             <a:srgbClr val="000000"/>
           </a:solidFill>
@@ -7247,7 +7477,7 @@
           <a:sym typeface="Arial"/>
         </a:defRPr>
       </a:lvl5pPr>
-      <a:lvl6pPr marR="0" lvl="5" algn="l" rtl="0">
+      <a:lvl6pPr lvl="5" marR="0" rtl="0" algn="l">
         <a:lnSpc>
           <a:spcPct val="100000"/>
         </a:lnSpc>
@@ -7261,7 +7491,7 @@
           <a:srgbClr val="000000"/>
         </a:buClr>
         <a:buFont typeface="Arial"/>
-        <a:defRPr sz="1400" b="0" i="0" u="none" strike="noStrike" cap="none">
+        <a:defRPr b="0" i="0" sz="1400" u="none" cap="none" strike="noStrike">
           <a:solidFill>
             <a:srgbClr val="000000"/>
           </a:solidFill>
@@ -7271,7 +7501,7 @@
           <a:sym typeface="Arial"/>
         </a:defRPr>
       </a:lvl6pPr>
-      <a:lvl7pPr marR="0" lvl="6" algn="l" rtl="0">
+      <a:lvl7pPr lvl="6" marR="0" rtl="0" algn="l">
         <a:lnSpc>
           <a:spcPct val="100000"/>
         </a:lnSpc>
@@ -7285,7 +7515,7 @@
           <a:srgbClr val="000000"/>
         </a:buClr>
         <a:buFont typeface="Arial"/>
-        <a:defRPr sz="1400" b="0" i="0" u="none" strike="noStrike" cap="none">
+        <a:defRPr b="0" i="0" sz="1400" u="none" cap="none" strike="noStrike">
           <a:solidFill>
             <a:srgbClr val="000000"/>
           </a:solidFill>
@@ -7295,7 +7525,7 @@
           <a:sym typeface="Arial"/>
         </a:defRPr>
       </a:lvl7pPr>
-      <a:lvl8pPr marR="0" lvl="7" algn="l" rtl="0">
+      <a:lvl8pPr lvl="7" marR="0" rtl="0" algn="l">
         <a:lnSpc>
           <a:spcPct val="100000"/>
         </a:lnSpc>
@@ -7309,7 +7539,7 @@
           <a:srgbClr val="000000"/>
         </a:buClr>
         <a:buFont typeface="Arial"/>
-        <a:defRPr sz="1400" b="0" i="0" u="none" strike="noStrike" cap="none">
+        <a:defRPr b="0" i="0" sz="1400" u="none" cap="none" strike="noStrike">
           <a:solidFill>
             <a:srgbClr val="000000"/>
           </a:solidFill>
@@ -7319,7 +7549,7 @@
           <a:sym typeface="Arial"/>
         </a:defRPr>
       </a:lvl8pPr>
-      <a:lvl9pPr marR="0" lvl="8" algn="l" rtl="0">
+      <a:lvl9pPr lvl="8" marR="0" rtl="0" algn="l">
         <a:lnSpc>
           <a:spcPct val="100000"/>
         </a:lnSpc>
@@ -7333,7 +7563,7 @@
           <a:srgbClr val="000000"/>
         </a:buClr>
         <a:buFont typeface="Arial"/>
-        <a:defRPr sz="1400" b="0" i="0" u="none" strike="noStrike" cap="none">
+        <a:defRPr b="0" i="0" sz="1400" u="none" cap="none" strike="noStrike">
           <a:solidFill>
             <a:srgbClr val="000000"/>
           </a:solidFill>
@@ -7345,7 +7575,7 @@
       </a:lvl9pPr>
     </p:titleStyle>
     <p:bodyStyle>
-      <a:defPPr marR="0" lvl="0" algn="l" rtl="0">
+      <a:defPPr lvl="0" marR="0" rtl="0" algn="l">
         <a:lnSpc>
           <a:spcPct val="100000"/>
         </a:lnSpc>
@@ -7356,7 +7586,7 @@
           <a:spcPts val="0"/>
         </a:spcAft>
       </a:defPPr>
-      <a:lvl1pPr marR="0" lvl="0" algn="l" rtl="0">
+      <a:lvl1pPr lvl="0" marR="0" rtl="0" algn="l">
         <a:lnSpc>
           <a:spcPct val="100000"/>
         </a:lnSpc>
@@ -7370,7 +7600,7 @@
           <a:srgbClr val="000000"/>
         </a:buClr>
         <a:buFont typeface="Arial"/>
-        <a:defRPr sz="1400" b="0" i="0" u="none" strike="noStrike" cap="none">
+        <a:defRPr b="0" i="0" sz="1400" u="none" cap="none" strike="noStrike">
           <a:solidFill>
             <a:srgbClr val="000000"/>
           </a:solidFill>
@@ -7380,7 +7610,7 @@
           <a:sym typeface="Arial"/>
         </a:defRPr>
       </a:lvl1pPr>
-      <a:lvl2pPr marR="0" lvl="1" algn="l" rtl="0">
+      <a:lvl2pPr lvl="1" marR="0" rtl="0" algn="l">
         <a:lnSpc>
           <a:spcPct val="100000"/>
         </a:lnSpc>
@@ -7394,7 +7624,7 @@
           <a:srgbClr val="000000"/>
         </a:buClr>
         <a:buFont typeface="Arial"/>
-        <a:defRPr sz="1400" b="0" i="0" u="none" strike="noStrike" cap="none">
+        <a:defRPr b="0" i="0" sz="1400" u="none" cap="none" strike="noStrike">
           <a:solidFill>
             <a:srgbClr val="000000"/>
           </a:solidFill>
@@ -7404,7 +7634,7 @@
           <a:sym typeface="Arial"/>
         </a:defRPr>
       </a:lvl2pPr>
-      <a:lvl3pPr marR="0" lvl="2" algn="l" rtl="0">
+      <a:lvl3pPr lvl="2" marR="0" rtl="0" algn="l">
         <a:lnSpc>
           <a:spcPct val="100000"/>
         </a:lnSpc>
@@ -7418,7 +7648,7 @@
           <a:srgbClr val="000000"/>
         </a:buClr>
         <a:buFont typeface="Arial"/>
-        <a:defRPr sz="1400" b="0" i="0" u="none" strike="noStrike" cap="none">
+        <a:defRPr b="0" i="0" sz="1400" u="none" cap="none" strike="noStrike">
           <a:solidFill>
             <a:srgbClr val="000000"/>
           </a:solidFill>
@@ -7428,7 +7658,7 @@
           <a:sym typeface="Arial"/>
         </a:defRPr>
       </a:lvl3pPr>
-      <a:lvl4pPr marR="0" lvl="3" algn="l" rtl="0">
+      <a:lvl4pPr lvl="3" marR="0" rtl="0" algn="l">
         <a:lnSpc>
           <a:spcPct val="100000"/>
         </a:lnSpc>
@@ -7442,7 +7672,7 @@
           <a:srgbClr val="000000"/>
         </a:buClr>
         <a:buFont typeface="Arial"/>
-        <a:defRPr sz="1400" b="0" i="0" u="none" strike="noStrike" cap="none">
+        <a:defRPr b="0" i="0" sz="1400" u="none" cap="none" strike="noStrike">
           <a:solidFill>
             <a:srgbClr val="000000"/>
           </a:solidFill>
@@ -7452,7 +7682,7 @@
           <a:sym typeface="Arial"/>
         </a:defRPr>
       </a:lvl4pPr>
-      <a:lvl5pPr marR="0" lvl="4" algn="l" rtl="0">
+      <a:lvl5pPr lvl="4" marR="0" rtl="0" algn="l">
         <a:lnSpc>
           <a:spcPct val="100000"/>
         </a:lnSpc>
@@ -7466,7 +7696,7 @@
           <a:srgbClr val="000000"/>
         </a:buClr>
         <a:buFont typeface="Arial"/>
-        <a:defRPr sz="1400" b="0" i="0" u="none" strike="noStrike" cap="none">
+        <a:defRPr b="0" i="0" sz="1400" u="none" cap="none" strike="noStrike">
           <a:solidFill>
             <a:srgbClr val="000000"/>
           </a:solidFill>
@@ -7476,7 +7706,7 @@
           <a:sym typeface="Arial"/>
         </a:defRPr>
       </a:lvl5pPr>
-      <a:lvl6pPr marR="0" lvl="5" algn="l" rtl="0">
+      <a:lvl6pPr lvl="5" marR="0" rtl="0" algn="l">
         <a:lnSpc>
           <a:spcPct val="100000"/>
         </a:lnSpc>
@@ -7490,7 +7720,7 @@
           <a:srgbClr val="000000"/>
         </a:buClr>
         <a:buFont typeface="Arial"/>
-        <a:defRPr sz="1400" b="0" i="0" u="none" strike="noStrike" cap="none">
+        <a:defRPr b="0" i="0" sz="1400" u="none" cap="none" strike="noStrike">
           <a:solidFill>
             <a:srgbClr val="000000"/>
           </a:solidFill>
@@ -7500,7 +7730,7 @@
           <a:sym typeface="Arial"/>
         </a:defRPr>
       </a:lvl6pPr>
-      <a:lvl7pPr marR="0" lvl="6" algn="l" rtl="0">
+      <a:lvl7pPr lvl="6" marR="0" rtl="0" algn="l">
         <a:lnSpc>
           <a:spcPct val="100000"/>
         </a:lnSpc>
@@ -7514,7 +7744,7 @@
           <a:srgbClr val="000000"/>
         </a:buClr>
         <a:buFont typeface="Arial"/>
-        <a:defRPr sz="1400" b="0" i="0" u="none" strike="noStrike" cap="none">
+        <a:defRPr b="0" i="0" sz="1400" u="none" cap="none" strike="noStrike">
           <a:solidFill>
             <a:srgbClr val="000000"/>
           </a:solidFill>
@@ -7524,7 +7754,7 @@
           <a:sym typeface="Arial"/>
         </a:defRPr>
       </a:lvl7pPr>
-      <a:lvl8pPr marR="0" lvl="7" algn="l" rtl="0">
+      <a:lvl8pPr lvl="7" marR="0" rtl="0" algn="l">
         <a:lnSpc>
           <a:spcPct val="100000"/>
         </a:lnSpc>
@@ -7538,7 +7768,7 @@
           <a:srgbClr val="000000"/>
         </a:buClr>
         <a:buFont typeface="Arial"/>
-        <a:defRPr sz="1400" b="0" i="0" u="none" strike="noStrike" cap="none">
+        <a:defRPr b="0" i="0" sz="1400" u="none" cap="none" strike="noStrike">
           <a:solidFill>
             <a:srgbClr val="000000"/>
           </a:solidFill>
@@ -7548,7 +7778,7 @@
           <a:sym typeface="Arial"/>
         </a:defRPr>
       </a:lvl8pPr>
-      <a:lvl9pPr marR="0" lvl="8" algn="l" rtl="0">
+      <a:lvl9pPr lvl="8" marR="0" rtl="0" algn="l">
         <a:lnSpc>
           <a:spcPct val="100000"/>
         </a:lnSpc>
@@ -7562,7 +7792,7 @@
           <a:srgbClr val="000000"/>
         </a:buClr>
         <a:buFont typeface="Arial"/>
-        <a:defRPr sz="1400" b="0" i="0" u="none" strike="noStrike" cap="none">
+        <a:defRPr b="0" i="0" sz="1400" u="none" cap="none" strike="noStrike">
           <a:solidFill>
             <a:srgbClr val="000000"/>
           </a:solidFill>
@@ -7574,7 +7804,7 @@
       </a:lvl9pPr>
     </p:bodyStyle>
     <p:otherStyle>
-      <a:defPPr marR="0" lvl="0" algn="l" rtl="0">
+      <a:defPPr lvl="0" marR="0" rtl="0" algn="l">
         <a:lnSpc>
           <a:spcPct val="100000"/>
         </a:lnSpc>
@@ -7585,7 +7815,7 @@
           <a:spcPts val="0"/>
         </a:spcAft>
       </a:defPPr>
-      <a:lvl1pPr marR="0" lvl="0" algn="l" rtl="0">
+      <a:lvl1pPr lvl="0" marR="0" rtl="0" algn="l">
         <a:lnSpc>
           <a:spcPct val="100000"/>
         </a:lnSpc>
@@ -7599,7 +7829,7 @@
           <a:srgbClr val="000000"/>
         </a:buClr>
         <a:buFont typeface="Arial"/>
-        <a:defRPr sz="1400" b="0" i="0" u="none" strike="noStrike" cap="none">
+        <a:defRPr b="0" i="0" sz="1400" u="none" cap="none" strike="noStrike">
           <a:solidFill>
             <a:srgbClr val="000000"/>
           </a:solidFill>
@@ -7609,7 +7839,7 @@
           <a:sym typeface="Arial"/>
         </a:defRPr>
       </a:lvl1pPr>
-      <a:lvl2pPr marR="0" lvl="1" algn="l" rtl="0">
+      <a:lvl2pPr lvl="1" marR="0" rtl="0" algn="l">
         <a:lnSpc>
           <a:spcPct val="100000"/>
         </a:lnSpc>
@@ -7623,7 +7853,7 @@
           <a:srgbClr val="000000"/>
         </a:buClr>
         <a:buFont typeface="Arial"/>
-        <a:defRPr sz="1400" b="0" i="0" u="none" strike="noStrike" cap="none">
+        <a:defRPr b="0" i="0" sz="1400" u="none" cap="none" strike="noStrike">
           <a:solidFill>
             <a:srgbClr val="000000"/>
           </a:solidFill>
@@ -7633,7 +7863,7 @@
           <a:sym typeface="Arial"/>
         </a:defRPr>
       </a:lvl2pPr>
-      <a:lvl3pPr marR="0" lvl="2" algn="l" rtl="0">
+      <a:lvl3pPr lvl="2" marR="0" rtl="0" algn="l">
         <a:lnSpc>
           <a:spcPct val="100000"/>
         </a:lnSpc>
@@ -7647,7 +7877,7 @@
           <a:srgbClr val="000000"/>
         </a:buClr>
         <a:buFont typeface="Arial"/>
-        <a:defRPr sz="1400" b="0" i="0" u="none" strike="noStrike" cap="none">
+        <a:defRPr b="0" i="0" sz="1400" u="none" cap="none" strike="noStrike">
           <a:solidFill>
             <a:srgbClr val="000000"/>
           </a:solidFill>
@@ -7657,7 +7887,7 @@
           <a:sym typeface="Arial"/>
         </a:defRPr>
       </a:lvl3pPr>
-      <a:lvl4pPr marR="0" lvl="3" algn="l" rtl="0">
+      <a:lvl4pPr lvl="3" marR="0" rtl="0" algn="l">
         <a:lnSpc>
           <a:spcPct val="100000"/>
         </a:lnSpc>
@@ -7671,7 +7901,7 @@
           <a:srgbClr val="000000"/>
         </a:buClr>
         <a:buFont typeface="Arial"/>
-        <a:defRPr sz="1400" b="0" i="0" u="none" strike="noStrike" cap="none">
+        <a:defRPr b="0" i="0" sz="1400" u="none" cap="none" strike="noStrike">
           <a:solidFill>
             <a:srgbClr val="000000"/>
           </a:solidFill>
@@ -7681,7 +7911,7 @@
           <a:sym typeface="Arial"/>
         </a:defRPr>
       </a:lvl4pPr>
-      <a:lvl5pPr marR="0" lvl="4" algn="l" rtl="0">
+      <a:lvl5pPr lvl="4" marR="0" rtl="0" algn="l">
         <a:lnSpc>
           <a:spcPct val="100000"/>
         </a:lnSpc>
@@ -7695,7 +7925,7 @@
           <a:srgbClr val="000000"/>
         </a:buClr>
         <a:buFont typeface="Arial"/>
-        <a:defRPr sz="1400" b="0" i="0" u="none" strike="noStrike" cap="none">
+        <a:defRPr b="0" i="0" sz="1400" u="none" cap="none" strike="noStrike">
           <a:solidFill>
             <a:srgbClr val="000000"/>
           </a:solidFill>
@@ -7705,7 +7935,7 @@
           <a:sym typeface="Arial"/>
         </a:defRPr>
       </a:lvl5pPr>
-      <a:lvl6pPr marR="0" lvl="5" algn="l" rtl="0">
+      <a:lvl6pPr lvl="5" marR="0" rtl="0" algn="l">
         <a:lnSpc>
           <a:spcPct val="100000"/>
         </a:lnSpc>
@@ -7719,7 +7949,7 @@
           <a:srgbClr val="000000"/>
         </a:buClr>
         <a:buFont typeface="Arial"/>
-        <a:defRPr sz="1400" b="0" i="0" u="none" strike="noStrike" cap="none">
+        <a:defRPr b="0" i="0" sz="1400" u="none" cap="none" strike="noStrike">
           <a:solidFill>
             <a:srgbClr val="000000"/>
           </a:solidFill>
@@ -7729,7 +7959,7 @@
           <a:sym typeface="Arial"/>
         </a:defRPr>
       </a:lvl6pPr>
-      <a:lvl7pPr marR="0" lvl="6" algn="l" rtl="0">
+      <a:lvl7pPr lvl="6" marR="0" rtl="0" algn="l">
         <a:lnSpc>
           <a:spcPct val="100000"/>
         </a:lnSpc>
@@ -7743,7 +7973,7 @@
           <a:srgbClr val="000000"/>
         </a:buClr>
         <a:buFont typeface="Arial"/>
-        <a:defRPr sz="1400" b="0" i="0" u="none" strike="noStrike" cap="none">
+        <a:defRPr b="0" i="0" sz="1400" u="none" cap="none" strike="noStrike">
           <a:solidFill>
             <a:srgbClr val="000000"/>
           </a:solidFill>
@@ -7753,7 +7983,7 @@
           <a:sym typeface="Arial"/>
         </a:defRPr>
       </a:lvl7pPr>
-      <a:lvl8pPr marR="0" lvl="7" algn="l" rtl="0">
+      <a:lvl8pPr lvl="7" marR="0" rtl="0" algn="l">
         <a:lnSpc>
           <a:spcPct val="100000"/>
         </a:lnSpc>
@@ -7767,7 +7997,7 @@
           <a:srgbClr val="000000"/>
         </a:buClr>
         <a:buFont typeface="Arial"/>
-        <a:defRPr sz="1400" b="0" i="0" u="none" strike="noStrike" cap="none">
+        <a:defRPr b="0" i="0" sz="1400" u="none" cap="none" strike="noStrike">
           <a:solidFill>
             <a:srgbClr val="000000"/>
           </a:solidFill>
@@ -7777,7 +8007,7 @@
           <a:sym typeface="Arial"/>
         </a:defRPr>
       </a:lvl8pPr>
-      <a:lvl9pPr marR="0" lvl="8" algn="l" rtl="0">
+      <a:lvl9pPr lvl="8" marR="0" rtl="0" algn="l">
         <a:lnSpc>
           <a:spcPct val="100000"/>
         </a:lnSpc>
@@ -7791,7 +8021,7 @@
           <a:srgbClr val="000000"/>
         </a:buClr>
         <a:buFont typeface="Arial"/>
-        <a:defRPr sz="1400" b="0" i="0" u="none" strike="noStrike" cap="none">
+        <a:defRPr b="0" i="0" sz="1400" u="none" cap="none" strike="noStrike">
           <a:solidFill>
             <a:srgbClr val="000000"/>
           </a:solidFill>
@@ -7807,11 +8037,11 @@
 </file>
 
 <file path=ppt/slides/slide1.xml><?xml version="1.0" encoding="utf-8"?>
-<p:sld xmlns:a="http://schemas.openxmlformats.org/drawingml/2006/main" xmlns:r="http://schemas.openxmlformats.org/officeDocument/2006/relationships" xmlns:p="http://schemas.openxmlformats.org/presentationml/2006/main">
+<p:sld xmlns:a="http://schemas.openxmlformats.org/drawingml/2006/main" xmlns:r="http://schemas.openxmlformats.org/officeDocument/2006/relationships" xmlns:mc="http://schemas.openxmlformats.org/markup-compatibility/2006" xmlns:mv="urn:schemas-microsoft-com:mac:vml" xmlns:p="http://schemas.openxmlformats.org/presentationml/2006/main" xmlns:c="http://schemas.openxmlformats.org/drawingml/2006/chart" xmlns:dgm="http://schemas.openxmlformats.org/drawingml/2006/diagram" xmlns:o="urn:schemas-microsoft-com:office:office" xmlns:v="urn:schemas-microsoft-com:vml" xmlns:pvml="urn:schemas-microsoft-com:office:powerpoint" xmlns:com="http://schemas.openxmlformats.org/drawingml/2006/compatibility" xmlns:p14="http://schemas.microsoft.com/office/powerpoint/2010/main" xmlns:p15="http://schemas.microsoft.com/office/powerpoint/2012/main" xmlns:ahyp="http://schemas.microsoft.com/office/drawing/2018/hyperlinkcolor">
   <p:cSld>
     <p:spTree>
       <p:nvGrpSpPr>
-        <p:cNvPr id="1" name="Shape 63"/>
+        <p:cNvPr id="63" name="Shape 63"/>
         <p:cNvGrpSpPr/>
         <p:nvPr/>
       </p:nvGrpSpPr>
@@ -7826,9 +8056,7 @@
       <p:sp>
         <p:nvSpPr>
           <p:cNvPr id="64" name="Google Shape;64;p13"/>
-          <p:cNvSpPr txBox="1">
-            <a:spLocks noGrp="1"/>
-          </p:cNvSpPr>
+          <p:cNvSpPr txBox="1"/>
           <p:nvPr>
             <p:ph type="ctrTitle"/>
           </p:nvPr>
@@ -7843,12 +8071,12 @@
           </a:prstGeom>
         </p:spPr>
         <p:txBody>
-          <a:bodyPr spcFirstLastPara="1" wrap="square" lIns="91425" tIns="91425" rIns="91425" bIns="91425" anchor="t" anchorCtr="0">
+          <a:bodyPr anchorCtr="0" anchor="t" bIns="91425" lIns="91425" spcFirstLastPara="1" rIns="91425" wrap="square" tIns="91425">
             <a:normAutofit/>
           </a:bodyPr>
           <a:lstStyle/>
           <a:p>
-            <a:pPr marL="0" lvl="0" indent="0" algn="l" rtl="0">
+            <a:pPr indent="0" lvl="0" marL="0" rtl="0" algn="l">
               <a:spcBef>
                 <a:spcPts val="0"/>
               </a:spcBef>
@@ -7859,7 +8087,15 @@
             </a:pPr>
             <a:r>
               <a:rPr lang="es"/>
-              <a:t>Proyecto de Matemática aplicada desarrollo y soporte de sistemas</a:t>
+              <a:t>Proyecto de </a:t>
+            </a:r>
+            <a:r>
+              <a:rPr lang="es"/>
+              <a:t>Matemática</a:t>
+            </a:r>
+            <a:r>
+              <a:rPr lang="es"/>
+              <a:t> aplicada desarrollo y soporte de sistemas</a:t>
             </a:r>
             <a:endParaRPr/>
           </a:p>
@@ -7868,11 +8104,9 @@
       <p:sp>
         <p:nvSpPr>
           <p:cNvPr id="65" name="Google Shape;65;p13"/>
-          <p:cNvSpPr txBox="1">
-            <a:spLocks noGrp="1"/>
-          </p:cNvSpPr>
+          <p:cNvSpPr txBox="1"/>
           <p:nvPr>
-            <p:ph type="subTitle" idx="1"/>
+            <p:ph idx="1" type="subTitle"/>
           </p:nvPr>
         </p:nvSpPr>
         <p:spPr>
@@ -7885,12 +8119,12 @@
           </a:prstGeom>
         </p:spPr>
         <p:txBody>
-          <a:bodyPr spcFirstLastPara="1" wrap="square" lIns="91425" tIns="91425" rIns="91425" bIns="91425" anchor="t" anchorCtr="0">
+          <a:bodyPr anchorCtr="0" anchor="t" bIns="91425" lIns="91425" spcFirstLastPara="1" rIns="91425" wrap="square" tIns="91425">
             <a:normAutofit/>
           </a:bodyPr>
           <a:lstStyle/>
           <a:p>
-            <a:pPr marL="0" lvl="0" indent="0" algn="l" rtl="0">
+            <a:pPr indent="0" lvl="0" marL="0" rtl="0" algn="l">
               <a:spcBef>
                 <a:spcPts val="0"/>
               </a:spcBef>
@@ -7900,13 +8134,13 @@
               <a:buNone/>
             </a:pPr>
             <a:r>
-              <a:rPr lang="es" dirty="0"/>
+              <a:rPr lang="es"/>
               <a:t>Integrantes:</a:t>
             </a:r>
-            <a:endParaRPr dirty="0"/>
+            <a:endParaRPr/>
           </a:p>
           <a:p>
-            <a:pPr marL="457200" lvl="0" indent="-330200" algn="l" rtl="0">
+            <a:pPr indent="-330200" lvl="0" marL="457200" rtl="0" algn="l">
               <a:spcBef>
                 <a:spcPts val="0"/>
               </a:spcBef>
@@ -7917,13 +8151,13 @@
               <a:buChar char="-"/>
             </a:pPr>
             <a:r>
-              <a:rPr lang="es" dirty="0"/>
+              <a:rPr lang="es"/>
               <a:t>Aranda Rejas Jean Pierre</a:t>
             </a:r>
-            <a:endParaRPr dirty="0"/>
+            <a:endParaRPr/>
           </a:p>
           <a:p>
-            <a:pPr marL="457200" lvl="0" indent="-330200" algn="l" rtl="0">
+            <a:pPr indent="-330200" lvl="0" marL="457200" rtl="0" algn="l">
               <a:spcBef>
                 <a:spcPts val="0"/>
               </a:spcBef>
@@ -7934,13 +8168,13 @@
               <a:buChar char="-"/>
             </a:pPr>
             <a:r>
-              <a:rPr lang="es" dirty="0"/>
+              <a:rPr lang="es"/>
               <a:t>Cruz Gonzales Andre</a:t>
             </a:r>
-            <a:endParaRPr dirty="0"/>
+            <a:endParaRPr/>
           </a:p>
           <a:p>
-            <a:pPr marL="457200" lvl="0" indent="-330200" algn="l" rtl="0">
+            <a:pPr indent="-330200" lvl="0" marL="457200" rtl="0" algn="l">
               <a:spcBef>
                 <a:spcPts val="0"/>
               </a:spcBef>
@@ -7951,12 +8185,13 @@
               <a:buChar char="-"/>
             </a:pPr>
             <a:r>
-              <a:rPr lang="es" dirty="0"/>
+              <a:rPr lang="es"/>
               <a:t>Obregon Gutierrez Adso</a:t>
             </a:r>
+            <a:endParaRPr/>
           </a:p>
           <a:p>
-            <a:pPr marL="457200" lvl="0" indent="-330200" algn="l" rtl="0">
+            <a:pPr indent="-330200" lvl="0" marL="457200" rtl="0" algn="l">
               <a:spcBef>
                 <a:spcPts val="0"/>
               </a:spcBef>
@@ -7970,10 +8205,10 @@
               <a:rPr lang="es"/>
               <a:t>Ocampo Huayta Cesar</a:t>
             </a:r>
-            <a:endParaRPr dirty="0"/>
+            <a:endParaRPr/>
           </a:p>
           <a:p>
-            <a:pPr marL="457200" lvl="0" indent="-330200" algn="l" rtl="0">
+            <a:pPr indent="-330200" lvl="0" marL="457200" rtl="0" algn="l">
               <a:spcBef>
                 <a:spcPts val="0"/>
               </a:spcBef>
@@ -7984,10 +8219,10 @@
               <a:buChar char="-"/>
             </a:pPr>
             <a:r>
-              <a:rPr lang="es" dirty="0"/>
+              <a:rPr lang="es"/>
               <a:t>Paredes Velazco Nataly</a:t>
             </a:r>
-            <a:endParaRPr dirty="0"/>
+            <a:endParaRPr/>
           </a:p>
         </p:txBody>
       </p:sp>
@@ -8000,11 +8235,11 @@
 </file>
 
 <file path=ppt/slides/slide10.xml><?xml version="1.0" encoding="utf-8"?>
-<p:sld xmlns:a="http://schemas.openxmlformats.org/drawingml/2006/main" xmlns:r="http://schemas.openxmlformats.org/officeDocument/2006/relationships" xmlns:p="http://schemas.openxmlformats.org/presentationml/2006/main">
+<p:sld xmlns:a="http://schemas.openxmlformats.org/drawingml/2006/main" xmlns:r="http://schemas.openxmlformats.org/officeDocument/2006/relationships" xmlns:mc="http://schemas.openxmlformats.org/markup-compatibility/2006" xmlns:mv="urn:schemas-microsoft-com:mac:vml" xmlns:p="http://schemas.openxmlformats.org/presentationml/2006/main" xmlns:c="http://schemas.openxmlformats.org/drawingml/2006/chart" xmlns:dgm="http://schemas.openxmlformats.org/drawingml/2006/diagram" xmlns:o="urn:schemas-microsoft-com:office:office" xmlns:v="urn:schemas-microsoft-com:vml" xmlns:pvml="urn:schemas-microsoft-com:office:powerpoint" xmlns:com="http://schemas.openxmlformats.org/drawingml/2006/compatibility" xmlns:p14="http://schemas.microsoft.com/office/powerpoint/2010/main" xmlns:p15="http://schemas.microsoft.com/office/powerpoint/2012/main" xmlns:ahyp="http://schemas.microsoft.com/office/drawing/2018/hyperlinkcolor">
   <p:cSld>
     <p:spTree>
       <p:nvGrpSpPr>
-        <p:cNvPr id="1" name=""/>
+        <p:cNvPr id="120" name="Shape 120"/>
         <p:cNvGrpSpPr/>
         <p:nvPr/>
       </p:nvGrpSpPr>
@@ -8018,197 +8253,532 @@
       </p:grpSpPr>
       <p:sp>
         <p:nvSpPr>
-          <p:cNvPr id="2" name="Título 1">
-            <a:extLst>
-              <a:ext uri="{FF2B5EF4-FFF2-40B4-BE49-F238E27FC236}">
-                <a16:creationId xmlns:a16="http://schemas.microsoft.com/office/drawing/2014/main" id="{6B0EB5B7-6851-4A51-AC89-437899820FFD}"/>
-              </a:ext>
-            </a:extLst>
-          </p:cNvPr>
-          <p:cNvSpPr>
-            <a:spLocks noGrp="1"/>
-          </p:cNvSpPr>
+          <p:cNvPr id="121" name="Google Shape;121;p22"/>
+          <p:cNvSpPr txBox="1"/>
           <p:nvPr>
             <p:ph type="title"/>
           </p:nvPr>
         </p:nvSpPr>
-        <p:spPr/>
+        <p:spPr>
+          <a:xfrm>
+            <a:off x="296100" y="2133825"/>
+            <a:ext cx="8551800" cy="1244700"/>
+          </a:xfrm>
+          <a:prstGeom prst="rect">
+            <a:avLst/>
+          </a:prstGeom>
+        </p:spPr>
         <p:txBody>
-          <a:bodyPr>
+          <a:bodyPr anchorCtr="0" anchor="b" bIns="91425" lIns="91425" spcFirstLastPara="1" rIns="91425" wrap="square" tIns="91425">
+            <a:noAutofit/>
+          </a:bodyPr>
+          <a:lstStyle/>
+          <a:p>
+            <a:pPr indent="0" lvl="0" marL="0" rtl="0" algn="l">
+              <a:spcBef>
+                <a:spcPts val="0"/>
+              </a:spcBef>
+              <a:spcAft>
+                <a:spcPts val="0"/>
+              </a:spcAft>
+              <a:buSzPts val="990"/>
+              <a:buNone/>
+            </a:pPr>
+            <a:r>
+              <a:rPr lang="es" sz="7600"/>
+              <a:t>BOCETOS DE </a:t>
+            </a:r>
+            <a:r>
+              <a:rPr lang="es" sz="7600"/>
+              <a:t>INVESTIGACIÓN</a:t>
+            </a:r>
+            <a:endParaRPr sz="7600"/>
+          </a:p>
+        </p:txBody>
+      </p:sp>
+    </p:spTree>
+  </p:cSld>
+  <p:clrMapOvr>
+    <a:masterClrMapping/>
+  </p:clrMapOvr>
+</p:sld>
+</file>
+
+<file path=ppt/slides/slide11.xml><?xml version="1.0" encoding="utf-8"?>
+<p:sld xmlns:a="http://schemas.openxmlformats.org/drawingml/2006/main" xmlns:r="http://schemas.openxmlformats.org/officeDocument/2006/relationships" xmlns:mc="http://schemas.openxmlformats.org/markup-compatibility/2006" xmlns:mv="urn:schemas-microsoft-com:mac:vml" xmlns:p="http://schemas.openxmlformats.org/presentationml/2006/main" xmlns:c="http://schemas.openxmlformats.org/drawingml/2006/chart" xmlns:dgm="http://schemas.openxmlformats.org/drawingml/2006/diagram" xmlns:o="urn:schemas-microsoft-com:office:office" xmlns:v="urn:schemas-microsoft-com:vml" xmlns:pvml="urn:schemas-microsoft-com:office:powerpoint" xmlns:com="http://schemas.openxmlformats.org/drawingml/2006/compatibility" xmlns:p14="http://schemas.microsoft.com/office/powerpoint/2010/main" xmlns:p15="http://schemas.microsoft.com/office/powerpoint/2012/main" xmlns:ahyp="http://schemas.microsoft.com/office/drawing/2018/hyperlinkcolor">
+  <p:cSld>
+    <p:spTree>
+      <p:nvGrpSpPr>
+        <p:cNvPr id="125" name="Shape 125"/>
+        <p:cNvGrpSpPr/>
+        <p:nvPr/>
+      </p:nvGrpSpPr>
+      <p:grpSpPr>
+        <a:xfrm>
+          <a:off x="0" y="0"/>
+          <a:ext cx="0" cy="0"/>
+          <a:chOff x="0" y="0"/>
+          <a:chExt cx="0" cy="0"/>
+        </a:xfrm>
+      </p:grpSpPr>
+      <p:sp>
+        <p:nvSpPr>
+          <p:cNvPr id="126" name="Google Shape;126;p23"/>
+          <p:cNvSpPr txBox="1"/>
+          <p:nvPr>
+            <p:ph type="title"/>
+          </p:nvPr>
+        </p:nvSpPr>
+        <p:spPr>
+          <a:xfrm>
+            <a:off x="311725" y="500925"/>
+            <a:ext cx="3127500" cy="1829100"/>
+          </a:xfrm>
+          <a:prstGeom prst="rect">
+            <a:avLst/>
+          </a:prstGeom>
+        </p:spPr>
+        <p:txBody>
+          <a:bodyPr anchorCtr="0" anchor="t" bIns="91425" lIns="91425" spcFirstLastPara="1" rIns="91425" wrap="square" tIns="91425">
             <a:normAutofit/>
           </a:bodyPr>
           <a:lstStyle/>
           <a:p>
-            <a:pPr rtl="0">
-              <a:spcBef>
-                <a:spcPts val="0"/>
-              </a:spcBef>
-              <a:spcAft>
-                <a:spcPts val="0"/>
-              </a:spcAft>
+            <a:pPr indent="0" lvl="0" marL="0" rtl="0" algn="l">
+              <a:spcBef>
+                <a:spcPts val="0"/>
+              </a:spcBef>
+              <a:spcAft>
+                <a:spcPts val="0"/>
+              </a:spcAft>
+              <a:buNone/>
             </a:pPr>
             <a:r>
-              <a:rPr lang="es-PE" b="0" i="0" u="none" strike="noStrike" dirty="0">
-                <a:solidFill>
-                  <a:srgbClr val="FFFFFF"/>
-                </a:solidFill>
-                <a:effectLst/>
-                <a:latin typeface="Merriweather" panose="020B0604020202020204" charset="0"/>
-              </a:rPr>
-              <a:t>EVIDENCIAS:</a:t>
+              <a:rPr lang="es"/>
+              <a:t>MODELO DE PREDICCIÓN</a:t>
             </a:r>
-            <a:endParaRPr lang="es-PE" dirty="0"/>
+            <a:endParaRPr/>
           </a:p>
         </p:txBody>
       </p:sp>
       <p:sp>
         <p:nvSpPr>
-          <p:cNvPr id="3" name="Marcador de texto 2">
-            <a:extLst>
-              <a:ext uri="{FF2B5EF4-FFF2-40B4-BE49-F238E27FC236}">
-                <a16:creationId xmlns:a16="http://schemas.microsoft.com/office/drawing/2014/main" id="{82F7E4CB-1751-44DE-9091-EB9DF9D8D4DE}"/>
-              </a:ext>
-            </a:extLst>
-          </p:cNvPr>
-          <p:cNvSpPr>
-            <a:spLocks noGrp="1"/>
-          </p:cNvSpPr>
+          <p:cNvPr id="127" name="Google Shape;127;p23"/>
+          <p:cNvSpPr txBox="1"/>
           <p:nvPr>
-            <p:ph type="body" idx="1"/>
+            <p:ph idx="1" type="body"/>
           </p:nvPr>
         </p:nvSpPr>
-        <p:spPr/>
+        <p:spPr>
+          <a:xfrm>
+            <a:off x="311700" y="2390650"/>
+            <a:ext cx="3127500" cy="2298000"/>
+          </a:xfrm>
+          <a:prstGeom prst="rect">
+            <a:avLst/>
+          </a:prstGeom>
+        </p:spPr>
         <p:txBody>
-          <a:bodyPr>
-            <a:normAutofit fontScale="92500"/>
+          <a:bodyPr anchorCtr="0" anchor="t" bIns="91425" lIns="91425" spcFirstLastPara="1" rIns="91425" wrap="square" tIns="91425">
+            <a:normAutofit/>
           </a:bodyPr>
           <a:lstStyle/>
           <a:p>
-            <a:pPr rtl="0" fontAlgn="base">
-              <a:spcBef>
-                <a:spcPts val="0"/>
-              </a:spcBef>
-              <a:spcAft>
-                <a:spcPts val="0"/>
-              </a:spcAft>
-              <a:buFont typeface="+mj-lt"/>
+            <a:pPr indent="0" lvl="0" marL="0" rtl="0" algn="l">
+              <a:spcBef>
+                <a:spcPts val="0"/>
+              </a:spcBef>
+              <a:spcAft>
+                <a:spcPts val="1200"/>
+              </a:spcAft>
+              <a:buNone/>
+            </a:pPr>
+            <a:r>
+              <a:t/>
+            </a:r>
+            <a:endParaRPr/>
+          </a:p>
+        </p:txBody>
+      </p:sp>
+      <p:pic>
+        <p:nvPicPr>
+          <p:cNvPr id="128" name="Google Shape;128;p23"/>
+          <p:cNvPicPr preferRelativeResize="0"/>
+          <p:nvPr/>
+        </p:nvPicPr>
+        <p:blipFill rotWithShape="1">
+          <a:blip r:embed="rId3">
+            <a:alphaModFix/>
+          </a:blip>
+          <a:srcRect b="0" l="8048" r="-3404" t="0"/>
+          <a:stretch/>
+        </p:blipFill>
+        <p:spPr>
+          <a:xfrm>
+            <a:off x="3921400" y="124900"/>
+            <a:ext cx="2633875" cy="1657350"/>
+          </a:xfrm>
+          <a:prstGeom prst="rect">
+            <a:avLst/>
+          </a:prstGeom>
+          <a:noFill/>
+          <a:ln>
+            <a:noFill/>
+          </a:ln>
+        </p:spPr>
+      </p:pic>
+      <p:pic>
+        <p:nvPicPr>
+          <p:cNvPr id="129" name="Google Shape;129;p23"/>
+          <p:cNvPicPr preferRelativeResize="0"/>
+          <p:nvPr/>
+        </p:nvPicPr>
+        <p:blipFill>
+          <a:blip r:embed="rId4">
+            <a:alphaModFix/>
+          </a:blip>
+          <a:stretch>
+            <a:fillRect/>
+          </a:stretch>
+        </p:blipFill>
+        <p:spPr>
+          <a:xfrm>
+            <a:off x="6334125" y="1349675"/>
+            <a:ext cx="2809875" cy="1628775"/>
+          </a:xfrm>
+          <a:prstGeom prst="rect">
+            <a:avLst/>
+          </a:prstGeom>
+          <a:noFill/>
+          <a:ln>
+            <a:noFill/>
+          </a:ln>
+        </p:spPr>
+      </p:pic>
+      <p:pic>
+        <p:nvPicPr>
+          <p:cNvPr id="130" name="Google Shape;130;p23"/>
+          <p:cNvPicPr preferRelativeResize="0"/>
+          <p:nvPr/>
+        </p:nvPicPr>
+        <p:blipFill>
+          <a:blip r:embed="rId5">
+            <a:alphaModFix/>
+          </a:blip>
+          <a:stretch>
+            <a:fillRect/>
+          </a:stretch>
+        </p:blipFill>
+        <p:spPr>
+          <a:xfrm>
+            <a:off x="4101950" y="3138988"/>
+            <a:ext cx="3276600" cy="1400175"/>
+          </a:xfrm>
+          <a:prstGeom prst="rect">
+            <a:avLst/>
+          </a:prstGeom>
+          <a:noFill/>
+          <a:ln>
+            <a:noFill/>
+          </a:ln>
+        </p:spPr>
+      </p:pic>
+    </p:spTree>
+  </p:cSld>
+  <p:clrMapOvr>
+    <a:masterClrMapping/>
+  </p:clrMapOvr>
+</p:sld>
+</file>
+
+<file path=ppt/slides/slide12.xml><?xml version="1.0" encoding="utf-8"?>
+<p:sld xmlns:a="http://schemas.openxmlformats.org/drawingml/2006/main" xmlns:r="http://schemas.openxmlformats.org/officeDocument/2006/relationships" xmlns:mc="http://schemas.openxmlformats.org/markup-compatibility/2006" xmlns:mv="urn:schemas-microsoft-com:mac:vml" xmlns:p="http://schemas.openxmlformats.org/presentationml/2006/main" xmlns:c="http://schemas.openxmlformats.org/drawingml/2006/chart" xmlns:dgm="http://schemas.openxmlformats.org/drawingml/2006/diagram" xmlns:o="urn:schemas-microsoft-com:office:office" xmlns:v="urn:schemas-microsoft-com:vml" xmlns:pvml="urn:schemas-microsoft-com:office:powerpoint" xmlns:com="http://schemas.openxmlformats.org/drawingml/2006/compatibility" xmlns:p14="http://schemas.microsoft.com/office/powerpoint/2010/main" xmlns:p15="http://schemas.microsoft.com/office/powerpoint/2012/main" xmlns:ahyp="http://schemas.microsoft.com/office/drawing/2018/hyperlinkcolor">
+  <p:cSld>
+    <p:spTree>
+      <p:nvGrpSpPr>
+        <p:cNvPr id="134" name="Shape 134"/>
+        <p:cNvGrpSpPr/>
+        <p:nvPr/>
+      </p:nvGrpSpPr>
+      <p:grpSpPr>
+        <a:xfrm>
+          <a:off x="0" y="0"/>
+          <a:ext cx="0" cy="0"/>
+          <a:chOff x="0" y="0"/>
+          <a:chExt cx="0" cy="0"/>
+        </a:xfrm>
+      </p:grpSpPr>
+      <p:sp>
+        <p:nvSpPr>
+          <p:cNvPr id="135" name="Google Shape;135;p24"/>
+          <p:cNvSpPr txBox="1"/>
+          <p:nvPr>
+            <p:ph type="title"/>
+          </p:nvPr>
+        </p:nvSpPr>
+        <p:spPr>
+          <a:xfrm>
+            <a:off x="311725" y="500925"/>
+            <a:ext cx="3706500" cy="2508900"/>
+          </a:xfrm>
+          <a:prstGeom prst="rect">
+            <a:avLst/>
+          </a:prstGeom>
+        </p:spPr>
+        <p:txBody>
+          <a:bodyPr anchorCtr="0" anchor="t" bIns="91425" lIns="91425" spcFirstLastPara="1" rIns="91425" wrap="square" tIns="91425">
+            <a:normAutofit/>
+          </a:bodyPr>
+          <a:lstStyle/>
+          <a:p>
+            <a:pPr indent="0" lvl="0" marL="0" rtl="0" algn="l">
+              <a:spcBef>
+                <a:spcPts val="0"/>
+              </a:spcBef>
+              <a:spcAft>
+                <a:spcPts val="0"/>
+              </a:spcAft>
+              <a:buNone/>
+            </a:pPr>
+            <a:r>
+              <a:rPr lang="es"/>
+              <a:t>TAREAS DEFINIDAS</a:t>
+            </a:r>
+            <a:endParaRPr/>
+          </a:p>
+        </p:txBody>
+      </p:sp>
+      <p:sp>
+        <p:nvSpPr>
+          <p:cNvPr id="136" name="Google Shape;136;p24"/>
+          <p:cNvSpPr txBox="1"/>
+          <p:nvPr>
+            <p:ph idx="1" type="body"/>
+          </p:nvPr>
+        </p:nvSpPr>
+        <p:spPr>
+          <a:xfrm>
+            <a:off x="4644675" y="500925"/>
+            <a:ext cx="4166400" cy="4098600"/>
+          </a:xfrm>
+          <a:prstGeom prst="rect">
+            <a:avLst/>
+          </a:prstGeom>
+        </p:spPr>
+        <p:txBody>
+          <a:bodyPr anchorCtr="0" anchor="t" bIns="91425" lIns="91425" spcFirstLastPara="1" rIns="91425" wrap="square" tIns="91425">
+            <a:normAutofit/>
+          </a:bodyPr>
+          <a:lstStyle/>
+          <a:p>
+            <a:pPr indent="0" lvl="0" marL="0" rtl="0" algn="l">
+              <a:spcBef>
+                <a:spcPts val="0"/>
+              </a:spcBef>
+              <a:spcAft>
+                <a:spcPts val="1200"/>
+              </a:spcAft>
+              <a:buNone/>
+            </a:pPr>
+            <a:r>
+              <a:t/>
+            </a:r>
+            <a:endParaRPr/>
+          </a:p>
+        </p:txBody>
+      </p:sp>
+      <p:pic>
+        <p:nvPicPr>
+          <p:cNvPr id="137" name="Google Shape;137;p24"/>
+          <p:cNvPicPr preferRelativeResize="0"/>
+          <p:nvPr/>
+        </p:nvPicPr>
+        <p:blipFill>
+          <a:blip r:embed="rId3">
+            <a:alphaModFix/>
+          </a:blip>
+          <a:stretch>
+            <a:fillRect/>
+          </a:stretch>
+        </p:blipFill>
+        <p:spPr>
+          <a:xfrm>
+            <a:off x="4490125" y="1107525"/>
+            <a:ext cx="4588864" cy="2508900"/>
+          </a:xfrm>
+          <a:prstGeom prst="rect">
+            <a:avLst/>
+          </a:prstGeom>
+          <a:noFill/>
+          <a:ln>
+            <a:noFill/>
+          </a:ln>
+        </p:spPr>
+      </p:pic>
+    </p:spTree>
+  </p:cSld>
+  <p:clrMapOvr>
+    <a:masterClrMapping/>
+  </p:clrMapOvr>
+</p:sld>
+</file>
+
+<file path=ppt/slides/slide13.xml><?xml version="1.0" encoding="utf-8"?>
+<p:sld xmlns:a="http://schemas.openxmlformats.org/drawingml/2006/main" xmlns:r="http://schemas.openxmlformats.org/officeDocument/2006/relationships" xmlns:mc="http://schemas.openxmlformats.org/markup-compatibility/2006" xmlns:mv="urn:schemas-microsoft-com:mac:vml" xmlns:p="http://schemas.openxmlformats.org/presentationml/2006/main" xmlns:c="http://schemas.openxmlformats.org/drawingml/2006/chart" xmlns:dgm="http://schemas.openxmlformats.org/drawingml/2006/diagram" xmlns:o="urn:schemas-microsoft-com:office:office" xmlns:v="urn:schemas-microsoft-com:vml" xmlns:pvml="urn:schemas-microsoft-com:office:powerpoint" xmlns:com="http://schemas.openxmlformats.org/drawingml/2006/compatibility" xmlns:p14="http://schemas.microsoft.com/office/powerpoint/2010/main" xmlns:p15="http://schemas.microsoft.com/office/powerpoint/2012/main" xmlns:ahyp="http://schemas.microsoft.com/office/drawing/2018/hyperlinkcolor">
+  <p:cSld>
+    <p:spTree>
+      <p:nvGrpSpPr>
+        <p:cNvPr id="141" name="Shape 141"/>
+        <p:cNvGrpSpPr/>
+        <p:nvPr/>
+      </p:nvGrpSpPr>
+      <p:grpSpPr>
+        <a:xfrm>
+          <a:off x="0" y="0"/>
+          <a:ext cx="0" cy="0"/>
+          <a:chOff x="0" y="0"/>
+          <a:chExt cx="0" cy="0"/>
+        </a:xfrm>
+      </p:grpSpPr>
+      <p:sp>
+        <p:nvSpPr>
+          <p:cNvPr id="142" name="Google Shape;142;p25"/>
+          <p:cNvSpPr txBox="1"/>
+          <p:nvPr>
+            <p:ph type="title"/>
+          </p:nvPr>
+        </p:nvSpPr>
+        <p:spPr>
+          <a:xfrm>
+            <a:off x="311725" y="500925"/>
+            <a:ext cx="3706500" cy="2508900"/>
+          </a:xfrm>
+          <a:prstGeom prst="rect">
+            <a:avLst/>
+          </a:prstGeom>
+        </p:spPr>
+        <p:txBody>
+          <a:bodyPr anchorCtr="0" anchor="t" bIns="91425" lIns="91425" spcFirstLastPara="1" rIns="91425" wrap="square" tIns="91425">
+            <a:normAutofit/>
+          </a:bodyPr>
+          <a:lstStyle/>
+          <a:p>
+            <a:pPr indent="0" lvl="0" marL="0" rtl="0" algn="l">
+              <a:spcBef>
+                <a:spcPts val="0"/>
+              </a:spcBef>
+              <a:spcAft>
+                <a:spcPts val="0"/>
+              </a:spcAft>
+              <a:buNone/>
+            </a:pPr>
+            <a:r>
+              <a:rPr lang="es"/>
+              <a:t>EVIDENCIAS:</a:t>
+            </a:r>
+            <a:endParaRPr/>
+          </a:p>
+        </p:txBody>
+      </p:sp>
+      <p:sp>
+        <p:nvSpPr>
+          <p:cNvPr id="143" name="Google Shape;143;p25"/>
+          <p:cNvSpPr txBox="1"/>
+          <p:nvPr>
+            <p:ph idx="1" type="body"/>
+          </p:nvPr>
+        </p:nvSpPr>
+        <p:spPr>
+          <a:xfrm>
+            <a:off x="4644675" y="500925"/>
+            <a:ext cx="4166400" cy="4098600"/>
+          </a:xfrm>
+          <a:prstGeom prst="rect">
+            <a:avLst/>
+          </a:prstGeom>
+        </p:spPr>
+        <p:txBody>
+          <a:bodyPr anchorCtr="0" anchor="t" bIns="91425" lIns="91425" spcFirstLastPara="1" rIns="91425" wrap="square" tIns="91425">
+            <a:normAutofit/>
+          </a:bodyPr>
+          <a:lstStyle/>
+          <a:p>
+            <a:pPr indent="-342900" lvl="0" marL="457200" rtl="0" algn="l">
+              <a:spcBef>
+                <a:spcPts val="0"/>
+              </a:spcBef>
+              <a:spcAft>
+                <a:spcPts val="0"/>
+              </a:spcAft>
+              <a:buClr>
+                <a:srgbClr val="000000"/>
+              </a:buClr>
+              <a:buSzPts val="1800"/>
+              <a:buFont typeface="Arial"/>
               <a:buAutoNum type="arabicPeriod"/>
             </a:pPr>
             <a:r>
-              <a:rPr lang="es-MX" sz="1800" b="0" i="0" u="none" strike="noStrike" dirty="0">
+              <a:rPr lang="es" sz="1800">
                 <a:solidFill>
                   <a:srgbClr val="000000"/>
                 </a:solidFill>
-                <a:effectLst/>
-                <a:latin typeface="Arial" panose="020B0604020202020204" pitchFamily="34" charset="0"/>
-              </a:rPr>
-              <a:t>BASE DE DATOS: </a:t>
-            </a:r>
-            <a:r>
-              <a:rPr lang="es-MX" sz="1800" b="0" i="0" u="sng" strike="noStrike" dirty="0">
-                <a:solidFill>
-                  <a:srgbClr val="009384"/>
-                </a:solidFill>
-                <a:effectLst/>
-                <a:latin typeface="Arial" panose="020B0604020202020204" pitchFamily="34" charset="0"/>
-                <a:hlinkClick r:id="rId2"/>
-              </a:rPr>
-              <a:t>https://www.datosabiertos.gob.pe/dataset/pruebas-moleculares-para-covid-19-2021-instituto-nacional-de-salud/resource/a49b2d77-6c37</a:t>
-            </a:r>
-            <a:endParaRPr lang="es-MX" sz="1800" b="0" i="0" u="none" strike="noStrike" dirty="0">
-              <a:solidFill>
-                <a:srgbClr val="000000"/>
-              </a:solidFill>
-              <a:effectLst/>
-              <a:latin typeface="Arial" panose="020B0604020202020204" pitchFamily="34" charset="0"/>
-            </a:endParaRPr>
-          </a:p>
-          <a:p>
-            <a:pPr rtl="0" fontAlgn="base">
-              <a:spcBef>
-                <a:spcPts val="0"/>
-              </a:spcBef>
-              <a:spcAft>
-                <a:spcPts val="0"/>
-              </a:spcAft>
-              <a:buFont typeface="+mj-lt"/>
-              <a:buAutoNum type="arabicPeriod"/>
-            </a:pPr>
-            <a:r>
-              <a:rPr lang="es-MX" sz="1800" b="0" i="0" u="none" strike="noStrike" dirty="0">
-                <a:solidFill>
-                  <a:srgbClr val="000000"/>
-                </a:solidFill>
-                <a:effectLst/>
-                <a:latin typeface="Arial" panose="020B0604020202020204" pitchFamily="34" charset="0"/>
+                <a:latin typeface="Arial"/>
+                <a:ea typeface="Arial"/>
+                <a:cs typeface="Arial"/>
+                <a:sym typeface="Arial"/>
               </a:rPr>
               <a:t>GITHUB: </a:t>
             </a:r>
             <a:r>
-              <a:rPr lang="es-MX" sz="1800" b="0" i="0" u="none" strike="noStrike" dirty="0">
-                <a:solidFill>
-                  <a:srgbClr val="666666"/>
-                </a:solidFill>
-                <a:effectLst/>
-                <a:latin typeface="Roboto" panose="02000000000000000000" pitchFamily="2" charset="0"/>
-              </a:rPr>
+              <a:rPr lang="es" sz="1700"/>
               <a:t>https://github.com/Andre-CruzGonzales/proyecto_matematica_aplicada_des_sop_sis.git</a:t>
             </a:r>
-            <a:endParaRPr lang="es-MX" sz="1800" b="0" i="0" u="none" strike="noStrike" dirty="0">
-              <a:solidFill>
-                <a:srgbClr val="000000"/>
-              </a:solidFill>
-              <a:effectLst/>
-              <a:latin typeface="Arial" panose="020B0604020202020204" pitchFamily="34" charset="0"/>
-            </a:endParaRPr>
+            <a:endParaRPr sz="1700"/>
           </a:p>
           <a:p>
-            <a:pPr rtl="0" fontAlgn="base">
-              <a:spcBef>
-                <a:spcPts val="0"/>
-              </a:spcBef>
-              <a:spcAft>
-                <a:spcPts val="0"/>
-              </a:spcAft>
-              <a:buFont typeface="+mj-lt"/>
+            <a:pPr indent="-342900" lvl="0" marL="457200" rtl="0" algn="l">
+              <a:spcBef>
+                <a:spcPts val="0"/>
+              </a:spcBef>
+              <a:spcAft>
+                <a:spcPts val="0"/>
+              </a:spcAft>
+              <a:buClr>
+                <a:srgbClr val="000000"/>
+              </a:buClr>
+              <a:buSzPts val="1800"/>
+              <a:buFont typeface="Arial"/>
               <a:buAutoNum type="arabicPeriod"/>
             </a:pPr>
             <a:r>
-              <a:rPr lang="es-MX" sz="1800" b="0" i="0" u="none" strike="noStrike">
+              <a:rPr lang="es" sz="1800">
                 <a:solidFill>
                   <a:srgbClr val="000000"/>
                 </a:solidFill>
-                <a:effectLst/>
-                <a:latin typeface="Arial" panose="020B0604020202020204" pitchFamily="34" charset="0"/>
+                <a:latin typeface="Arial"/>
+                <a:ea typeface="Arial"/>
+                <a:cs typeface="Arial"/>
+                <a:sym typeface="Arial"/>
               </a:rPr>
               <a:t>DRIVE: </a:t>
             </a:r>
             <a:r>
-              <a:rPr lang="es-MX" sz="1800" b="0" i="0" u="none" strike="noStrike">
-                <a:solidFill>
-                  <a:srgbClr val="666666"/>
-                </a:solidFill>
-                <a:effectLst/>
-                <a:latin typeface="Roboto" panose="02000000000000000000" pitchFamily="2" charset="0"/>
-              </a:rPr>
+              <a:rPr lang="es" sz="2000"/>
               <a:t>https://drive.google.com/drive/folders/1DQNIwWCG-Bc_2aYm24AayD5xiFg6KRoT?usp=sharing</a:t>
             </a:r>
-            <a:endParaRPr lang="es-MX" sz="1800" b="0" i="0" u="none" strike="noStrike">
+            <a:endParaRPr sz="1800">
               <a:solidFill>
                 <a:srgbClr val="000000"/>
               </a:solidFill>
-              <a:effectLst/>
-              <a:latin typeface="Arial" panose="020B0604020202020204" pitchFamily="34" charset="0"/>
+              <a:latin typeface="Arial"/>
+              <a:ea typeface="Arial"/>
+              <a:cs typeface="Arial"/>
+              <a:sym typeface="Arial"/>
             </a:endParaRPr>
           </a:p>
         </p:txBody>
       </p:sp>
     </p:spTree>
-    <p:extLst>
-      <p:ext uri="{BB962C8B-B14F-4D97-AF65-F5344CB8AC3E}">
-        <p14:creationId xmlns:p14="http://schemas.microsoft.com/office/powerpoint/2010/main" val="2953467646"/>
-      </p:ext>
-    </p:extLst>
   </p:cSld>
   <p:clrMapOvr>
     <a:masterClrMapping/>
@@ -8217,11 +8787,11 @@
 </file>
 
 <file path=ppt/slides/slide2.xml><?xml version="1.0" encoding="utf-8"?>
-<p:sld xmlns:a="http://schemas.openxmlformats.org/drawingml/2006/main" xmlns:r="http://schemas.openxmlformats.org/officeDocument/2006/relationships" xmlns:p="http://schemas.openxmlformats.org/presentationml/2006/main">
+<p:sld xmlns:a="http://schemas.openxmlformats.org/drawingml/2006/main" xmlns:r="http://schemas.openxmlformats.org/officeDocument/2006/relationships" xmlns:mc="http://schemas.openxmlformats.org/markup-compatibility/2006" xmlns:mv="urn:schemas-microsoft-com:mac:vml" xmlns:p="http://schemas.openxmlformats.org/presentationml/2006/main" xmlns:c="http://schemas.openxmlformats.org/drawingml/2006/chart" xmlns:dgm="http://schemas.openxmlformats.org/drawingml/2006/diagram" xmlns:o="urn:schemas-microsoft-com:office:office" xmlns:v="urn:schemas-microsoft-com:vml" xmlns:pvml="urn:schemas-microsoft-com:office:powerpoint" xmlns:com="http://schemas.openxmlformats.org/drawingml/2006/compatibility" xmlns:p14="http://schemas.microsoft.com/office/powerpoint/2010/main" xmlns:p15="http://schemas.microsoft.com/office/powerpoint/2012/main" xmlns:ahyp="http://schemas.microsoft.com/office/drawing/2018/hyperlinkcolor">
   <p:cSld>
     <p:spTree>
       <p:nvGrpSpPr>
-        <p:cNvPr id="1" name="Shape 69"/>
+        <p:cNvPr id="69" name="Shape 69"/>
         <p:cNvGrpSpPr/>
         <p:nvPr/>
       </p:nvGrpSpPr>
@@ -8236,9 +8806,7 @@
       <p:sp>
         <p:nvSpPr>
           <p:cNvPr id="70" name="Google Shape;70;p14"/>
-          <p:cNvSpPr txBox="1">
-            <a:spLocks noGrp="1"/>
-          </p:cNvSpPr>
+          <p:cNvSpPr txBox="1"/>
           <p:nvPr>
             <p:ph type="title"/>
           </p:nvPr>
@@ -8253,12 +8821,12 @@
           </a:prstGeom>
         </p:spPr>
         <p:txBody>
-          <a:bodyPr spcFirstLastPara="1" wrap="square" lIns="91425" tIns="91425" rIns="91425" bIns="91425" anchor="t" anchorCtr="0">
+          <a:bodyPr anchorCtr="0" anchor="t" bIns="91425" lIns="91425" spcFirstLastPara="1" rIns="91425" wrap="square" tIns="91425">
             <a:normAutofit/>
           </a:bodyPr>
           <a:lstStyle/>
           <a:p>
-            <a:pPr marL="0" lvl="0" indent="0" algn="l" rtl="0">
+            <a:pPr indent="0" lvl="0" marL="0" rtl="0" algn="l">
               <a:spcBef>
                 <a:spcPts val="0"/>
               </a:spcBef>
@@ -8278,11 +8846,9 @@
       <p:sp>
         <p:nvSpPr>
           <p:cNvPr id="71" name="Google Shape;71;p14"/>
-          <p:cNvSpPr txBox="1">
-            <a:spLocks noGrp="1"/>
-          </p:cNvSpPr>
+          <p:cNvSpPr txBox="1"/>
           <p:nvPr>
-            <p:ph type="body" idx="1"/>
+            <p:ph idx="1" type="body"/>
           </p:nvPr>
         </p:nvSpPr>
         <p:spPr>
@@ -8295,12 +8861,12 @@
           </a:prstGeom>
         </p:spPr>
         <p:txBody>
-          <a:bodyPr spcFirstLastPara="1" wrap="square" lIns="91425" tIns="91425" rIns="91425" bIns="91425" anchor="t" anchorCtr="0">
-            <a:normAutofit/>
+          <a:bodyPr anchorCtr="0" anchor="t" bIns="91425" lIns="91425" spcFirstLastPara="1" rIns="91425" wrap="square" tIns="91425">
+            <a:normAutofit fontScale="85000"/>
           </a:bodyPr>
           <a:lstStyle/>
           <a:p>
-            <a:pPr marL="0" lvl="0" indent="0" algn="l" rtl="0">
+            <a:pPr indent="0" lvl="0" marL="0" rtl="0" algn="l">
               <a:lnSpc>
                 <a:spcPct val="185294"/>
               </a:lnSpc>
@@ -8321,7 +8887,38 @@
                   <a:srgbClr val="FFFFFF"/>
                 </a:highlight>
               </a:rPr>
-              <a:t>Pruebas moleculares para COVID-19 - [Instituto Nacional de Salud] - Abril 2021</a:t>
+              <a:t>Pruebas moleculares para COVID-19 - [Instituto Nacional de Salud] - Abril 2021, URL:</a:t>
+            </a:r>
+            <a:r>
+              <a:rPr lang="es" sz="1800">
+                <a:solidFill>
+                  <a:srgbClr val="000000"/>
+                </a:solidFill>
+                <a:latin typeface="Arial"/>
+                <a:ea typeface="Arial"/>
+                <a:cs typeface="Arial"/>
+                <a:sym typeface="Arial"/>
+              </a:rPr>
+              <a:t> </a:t>
+            </a:r>
+            <a:r>
+              <a:rPr lang="es" sz="1800" u="sng">
+                <a:solidFill>
+                  <a:schemeClr val="accent5"/>
+                </a:solidFill>
+                <a:latin typeface="Arial"/>
+                <a:ea typeface="Arial"/>
+                <a:cs typeface="Arial"/>
+                <a:sym typeface="Arial"/>
+                <a:hlinkClick r:id="rId3">
+                  <a:extLst>
+                    <a:ext uri="{A12FA001-AC4F-418D-AE19-62706E023703}">
+                      <ahyp:hlinkClr val="tx"/>
+                    </a:ext>
+                  </a:extLst>
+                </a:hlinkClick>
+              </a:rPr>
+              <a:t>https://www.datosabiertos.gob.pe/dataset/pruebas-moleculares-para-covid-19-2021-instituto-nacional-de-salud/resource/a49b2d77-6c37</a:t>
             </a:r>
             <a:endParaRPr sz="2700">
               <a:solidFill>
@@ -8333,7 +8930,7 @@
             </a:endParaRPr>
           </a:p>
           <a:p>
-            <a:pPr marL="0" lvl="0" indent="0" algn="l" rtl="0">
+            <a:pPr indent="0" lvl="0" marL="0" rtl="0" algn="l">
               <a:spcBef>
                 <a:spcPts val="1100"/>
               </a:spcBef>
@@ -8342,6 +8939,9 @@
               </a:spcAft>
               <a:buNone/>
             </a:pPr>
+            <a:r>
+              <a:t/>
+            </a:r>
             <a:endParaRPr/>
           </a:p>
         </p:txBody>
@@ -8355,11 +8955,11 @@
 </file>
 
 <file path=ppt/slides/slide3.xml><?xml version="1.0" encoding="utf-8"?>
-<p:sld xmlns:a="http://schemas.openxmlformats.org/drawingml/2006/main" xmlns:r="http://schemas.openxmlformats.org/officeDocument/2006/relationships" xmlns:p="http://schemas.openxmlformats.org/presentationml/2006/main">
+<p:sld xmlns:a="http://schemas.openxmlformats.org/drawingml/2006/main" xmlns:r="http://schemas.openxmlformats.org/officeDocument/2006/relationships" xmlns:mc="http://schemas.openxmlformats.org/markup-compatibility/2006" xmlns:mv="urn:schemas-microsoft-com:mac:vml" xmlns:p="http://schemas.openxmlformats.org/presentationml/2006/main" xmlns:c="http://schemas.openxmlformats.org/drawingml/2006/chart" xmlns:dgm="http://schemas.openxmlformats.org/drawingml/2006/diagram" xmlns:o="urn:schemas-microsoft-com:office:office" xmlns:v="urn:schemas-microsoft-com:vml" xmlns:pvml="urn:schemas-microsoft-com:office:powerpoint" xmlns:com="http://schemas.openxmlformats.org/drawingml/2006/compatibility" xmlns:p14="http://schemas.microsoft.com/office/powerpoint/2010/main" xmlns:p15="http://schemas.microsoft.com/office/powerpoint/2012/main" xmlns:ahyp="http://schemas.microsoft.com/office/drawing/2018/hyperlinkcolor">
   <p:cSld>
     <p:spTree>
       <p:nvGrpSpPr>
-        <p:cNvPr id="1" name="Shape 75"/>
+        <p:cNvPr id="75" name="Shape 75"/>
         <p:cNvGrpSpPr/>
         <p:nvPr/>
       </p:nvGrpSpPr>
@@ -8374,9 +8974,7 @@
       <p:sp>
         <p:nvSpPr>
           <p:cNvPr id="76" name="Google Shape;76;p15"/>
-          <p:cNvSpPr txBox="1">
-            <a:spLocks noGrp="1"/>
-          </p:cNvSpPr>
+          <p:cNvSpPr txBox="1"/>
           <p:nvPr>
             <p:ph type="title"/>
           </p:nvPr>
@@ -8391,12 +8989,12 @@
           </a:prstGeom>
         </p:spPr>
         <p:txBody>
-          <a:bodyPr spcFirstLastPara="1" wrap="square" lIns="91425" tIns="91425" rIns="91425" bIns="91425" anchor="t" anchorCtr="0">
+          <a:bodyPr anchorCtr="0" anchor="t" bIns="91425" lIns="91425" spcFirstLastPara="1" rIns="91425" wrap="square" tIns="91425">
             <a:normAutofit/>
           </a:bodyPr>
           <a:lstStyle/>
           <a:p>
-            <a:pPr marL="0" lvl="0" indent="0" algn="l" rtl="0">
+            <a:pPr indent="0" lvl="0" marL="0" rtl="0" algn="l">
               <a:spcBef>
                 <a:spcPts val="0"/>
               </a:spcBef>
@@ -8416,11 +9014,9 @@
       <p:sp>
         <p:nvSpPr>
           <p:cNvPr id="77" name="Google Shape;77;p15"/>
-          <p:cNvSpPr txBox="1">
-            <a:spLocks noGrp="1"/>
-          </p:cNvSpPr>
+          <p:cNvSpPr txBox="1"/>
           <p:nvPr>
-            <p:ph type="body" idx="1"/>
+            <p:ph idx="1" type="body"/>
           </p:nvPr>
         </p:nvSpPr>
         <p:spPr>
@@ -8433,12 +9029,12 @@
           </a:prstGeom>
         </p:spPr>
         <p:txBody>
-          <a:bodyPr spcFirstLastPara="1" wrap="square" lIns="91425" tIns="91425" rIns="91425" bIns="91425" anchor="t" anchorCtr="0">
+          <a:bodyPr anchorCtr="0" anchor="t" bIns="91425" lIns="91425" spcFirstLastPara="1" rIns="91425" wrap="square" tIns="91425">
             <a:normAutofit/>
           </a:bodyPr>
           <a:lstStyle/>
           <a:p>
-            <a:pPr marL="914400" lvl="1" indent="-368300" algn="l" rtl="0">
+            <a:pPr indent="-368300" lvl="1" marL="914400" rtl="0" algn="l">
               <a:spcBef>
                 <a:spcPts val="0"/>
               </a:spcBef>
@@ -8475,7 +9071,7 @@
             </a:endParaRPr>
           </a:p>
           <a:p>
-            <a:pPr marL="914400" lvl="1" indent="-368300" algn="l" rtl="0">
+            <a:pPr indent="-368300" lvl="1" marL="914400" rtl="0" algn="l">
               <a:spcBef>
                 <a:spcPts val="0"/>
               </a:spcBef>
@@ -8512,7 +9108,7 @@
             </a:endParaRPr>
           </a:p>
           <a:p>
-            <a:pPr marL="914400" lvl="1" indent="-368300" algn="l" rtl="0">
+            <a:pPr indent="-368300" lvl="1" marL="914400" rtl="0" algn="l">
               <a:spcBef>
                 <a:spcPts val="0"/>
               </a:spcBef>
@@ -8549,7 +9145,7 @@
             </a:endParaRPr>
           </a:p>
           <a:p>
-            <a:pPr marL="914400" lvl="1" indent="-368300" algn="l" rtl="0">
+            <a:pPr indent="-368300" lvl="1" marL="914400" rtl="0" algn="l">
               <a:spcBef>
                 <a:spcPts val="0"/>
               </a:spcBef>
@@ -8586,7 +9182,7 @@
             </a:endParaRPr>
           </a:p>
           <a:p>
-            <a:pPr marL="914400" lvl="1" indent="-368300" algn="l" rtl="0">
+            <a:pPr indent="-368300" lvl="1" marL="914400" rtl="0" algn="l">
               <a:spcBef>
                 <a:spcPts val="0"/>
               </a:spcBef>
@@ -8623,7 +9219,7 @@
             </a:endParaRPr>
           </a:p>
           <a:p>
-            <a:pPr marL="914400" lvl="1" indent="-368300" algn="l" rtl="0">
+            <a:pPr indent="-368300" lvl="1" marL="914400" rtl="0" algn="l">
               <a:spcBef>
                 <a:spcPts val="0"/>
               </a:spcBef>
@@ -8660,7 +9256,7 @@
             </a:endParaRPr>
           </a:p>
           <a:p>
-            <a:pPr marL="914400" lvl="1" indent="-368300" algn="l" rtl="0">
+            <a:pPr indent="-368300" lvl="1" marL="914400" rtl="0" algn="l">
               <a:spcBef>
                 <a:spcPts val="0"/>
               </a:spcBef>
@@ -8697,7 +9293,7 @@
             </a:endParaRPr>
           </a:p>
           <a:p>
-            <a:pPr marL="0" lvl="0" indent="0" algn="l" rtl="0">
+            <a:pPr indent="0" lvl="0" marL="0" rtl="0" algn="l">
               <a:spcBef>
                 <a:spcPts val="0"/>
               </a:spcBef>
@@ -8706,6 +9302,9 @@
               </a:spcAft>
               <a:buNone/>
             </a:pPr>
+            <a:r>
+              <a:t/>
+            </a:r>
             <a:endParaRPr/>
           </a:p>
         </p:txBody>
@@ -8719,11 +9318,11 @@
 </file>
 
 <file path=ppt/slides/slide4.xml><?xml version="1.0" encoding="utf-8"?>
-<p:sld xmlns:a="http://schemas.openxmlformats.org/drawingml/2006/main" xmlns:r="http://schemas.openxmlformats.org/officeDocument/2006/relationships" xmlns:p="http://schemas.openxmlformats.org/presentationml/2006/main">
+<p:sld xmlns:a="http://schemas.openxmlformats.org/drawingml/2006/main" xmlns:r="http://schemas.openxmlformats.org/officeDocument/2006/relationships" xmlns:mc="http://schemas.openxmlformats.org/markup-compatibility/2006" xmlns:mv="urn:schemas-microsoft-com:mac:vml" xmlns:p="http://schemas.openxmlformats.org/presentationml/2006/main" xmlns:c="http://schemas.openxmlformats.org/drawingml/2006/chart" xmlns:dgm="http://schemas.openxmlformats.org/drawingml/2006/diagram" xmlns:o="urn:schemas-microsoft-com:office:office" xmlns:v="urn:schemas-microsoft-com:vml" xmlns:pvml="urn:schemas-microsoft-com:office:powerpoint" xmlns:com="http://schemas.openxmlformats.org/drawingml/2006/compatibility" xmlns:p14="http://schemas.microsoft.com/office/powerpoint/2010/main" xmlns:p15="http://schemas.microsoft.com/office/powerpoint/2012/main" xmlns:ahyp="http://schemas.microsoft.com/office/drawing/2018/hyperlinkcolor">
   <p:cSld>
     <p:spTree>
       <p:nvGrpSpPr>
-        <p:cNvPr id="1" name="Shape 81"/>
+        <p:cNvPr id="81" name="Shape 81"/>
         <p:cNvGrpSpPr/>
         <p:nvPr/>
       </p:nvGrpSpPr>
@@ -8738,9 +9337,7 @@
       <p:sp>
         <p:nvSpPr>
           <p:cNvPr id="82" name="Google Shape;82;p16"/>
-          <p:cNvSpPr txBox="1">
-            <a:spLocks noGrp="1"/>
-          </p:cNvSpPr>
+          <p:cNvSpPr txBox="1"/>
           <p:nvPr>
             <p:ph type="title"/>
           </p:nvPr>
@@ -8755,12 +9352,12 @@
           </a:prstGeom>
         </p:spPr>
         <p:txBody>
-          <a:bodyPr spcFirstLastPara="1" wrap="square" lIns="91425" tIns="91425" rIns="91425" bIns="91425" anchor="t" anchorCtr="0">
+          <a:bodyPr anchorCtr="0" anchor="t" bIns="91425" lIns="91425" spcFirstLastPara="1" rIns="91425" wrap="square" tIns="91425">
             <a:normAutofit/>
           </a:bodyPr>
           <a:lstStyle/>
           <a:p>
-            <a:pPr marL="0" lvl="0" indent="0" algn="l" rtl="0">
+            <a:pPr indent="0" lvl="0" marL="0" rtl="0" algn="l">
               <a:spcBef>
                 <a:spcPts val="0"/>
               </a:spcBef>
@@ -8814,11 +9411,11 @@
 </file>
 
 <file path=ppt/slides/slide5.xml><?xml version="1.0" encoding="utf-8"?>
-<p:sld xmlns:a="http://schemas.openxmlformats.org/drawingml/2006/main" xmlns:r="http://schemas.openxmlformats.org/officeDocument/2006/relationships" xmlns:p="http://schemas.openxmlformats.org/presentationml/2006/main">
+<p:sld xmlns:a="http://schemas.openxmlformats.org/drawingml/2006/main" xmlns:r="http://schemas.openxmlformats.org/officeDocument/2006/relationships" xmlns:mc="http://schemas.openxmlformats.org/markup-compatibility/2006" xmlns:mv="urn:schemas-microsoft-com:mac:vml" xmlns:p="http://schemas.openxmlformats.org/presentationml/2006/main" xmlns:c="http://schemas.openxmlformats.org/drawingml/2006/chart" xmlns:dgm="http://schemas.openxmlformats.org/drawingml/2006/diagram" xmlns:o="urn:schemas-microsoft-com:office:office" xmlns:v="urn:schemas-microsoft-com:vml" xmlns:pvml="urn:schemas-microsoft-com:office:powerpoint" xmlns:com="http://schemas.openxmlformats.org/drawingml/2006/compatibility" xmlns:p14="http://schemas.microsoft.com/office/powerpoint/2010/main" xmlns:p15="http://schemas.microsoft.com/office/powerpoint/2012/main" xmlns:ahyp="http://schemas.microsoft.com/office/drawing/2018/hyperlinkcolor">
   <p:cSld>
     <p:spTree>
       <p:nvGrpSpPr>
-        <p:cNvPr id="1" name="Shape 87"/>
+        <p:cNvPr id="87" name="Shape 87"/>
         <p:cNvGrpSpPr/>
         <p:nvPr/>
       </p:nvGrpSpPr>
@@ -8833,9 +9430,73 @@
       <p:sp>
         <p:nvSpPr>
           <p:cNvPr id="88" name="Google Shape;88;p17"/>
-          <p:cNvSpPr txBox="1">
-            <a:spLocks noGrp="1"/>
-          </p:cNvSpPr>
+          <p:cNvSpPr txBox="1"/>
+          <p:nvPr>
+            <p:ph type="title"/>
+          </p:nvPr>
+        </p:nvSpPr>
+        <p:spPr>
+          <a:xfrm>
+            <a:off x="217750" y="2415850"/>
+            <a:ext cx="7960800" cy="1244700"/>
+          </a:xfrm>
+          <a:prstGeom prst="rect">
+            <a:avLst/>
+          </a:prstGeom>
+        </p:spPr>
+        <p:txBody>
+          <a:bodyPr anchorCtr="0" anchor="b" bIns="91425" lIns="91425" spcFirstLastPara="1" rIns="91425" wrap="square" tIns="91425">
+            <a:noAutofit/>
+          </a:bodyPr>
+          <a:lstStyle/>
+          <a:p>
+            <a:pPr indent="0" lvl="0" marL="0" rtl="0" algn="l">
+              <a:spcBef>
+                <a:spcPts val="0"/>
+              </a:spcBef>
+              <a:spcAft>
+                <a:spcPts val="0"/>
+              </a:spcAft>
+              <a:buSzPts val="990"/>
+              <a:buNone/>
+            </a:pPr>
+            <a:r>
+              <a:rPr lang="es" sz="7600"/>
+              <a:t>BOCETOS DESCRIPTIVOS</a:t>
+            </a:r>
+            <a:endParaRPr sz="7600"/>
+          </a:p>
+        </p:txBody>
+      </p:sp>
+    </p:spTree>
+  </p:cSld>
+  <p:clrMapOvr>
+    <a:masterClrMapping/>
+  </p:clrMapOvr>
+</p:sld>
+</file>
+
+<file path=ppt/slides/slide6.xml><?xml version="1.0" encoding="utf-8"?>
+<p:sld xmlns:a="http://schemas.openxmlformats.org/drawingml/2006/main" xmlns:r="http://schemas.openxmlformats.org/officeDocument/2006/relationships" xmlns:mc="http://schemas.openxmlformats.org/markup-compatibility/2006" xmlns:mv="urn:schemas-microsoft-com:mac:vml" xmlns:p="http://schemas.openxmlformats.org/presentationml/2006/main" xmlns:c="http://schemas.openxmlformats.org/drawingml/2006/chart" xmlns:dgm="http://schemas.openxmlformats.org/drawingml/2006/diagram" xmlns:o="urn:schemas-microsoft-com:office:office" xmlns:v="urn:schemas-microsoft-com:vml" xmlns:pvml="urn:schemas-microsoft-com:office:powerpoint" xmlns:com="http://schemas.openxmlformats.org/drawingml/2006/compatibility" xmlns:p14="http://schemas.microsoft.com/office/powerpoint/2010/main" xmlns:p15="http://schemas.microsoft.com/office/powerpoint/2012/main" xmlns:ahyp="http://schemas.microsoft.com/office/drawing/2018/hyperlinkcolor">
+  <p:cSld>
+    <p:spTree>
+      <p:nvGrpSpPr>
+        <p:cNvPr id="92" name="Shape 92"/>
+        <p:cNvGrpSpPr/>
+        <p:nvPr/>
+      </p:nvGrpSpPr>
+      <p:grpSpPr>
+        <a:xfrm>
+          <a:off x="0" y="0"/>
+          <a:ext cx="0" cy="0"/>
+          <a:chOff x="0" y="0"/>
+          <a:chExt cx="0" cy="0"/>
+        </a:xfrm>
+      </p:grpSpPr>
+      <p:sp>
+        <p:nvSpPr>
+          <p:cNvPr id="93" name="Google Shape;93;p18"/>
+          <p:cNvSpPr txBox="1"/>
           <p:nvPr>
             <p:ph type="title"/>
           </p:nvPr>
@@ -8850,12 +9511,12 @@
           </a:prstGeom>
         </p:spPr>
         <p:txBody>
-          <a:bodyPr spcFirstLastPara="1" wrap="square" lIns="91425" tIns="91425" rIns="91425" bIns="91425" anchor="t" anchorCtr="0">
+          <a:bodyPr anchorCtr="0" anchor="t" bIns="91425" lIns="91425" spcFirstLastPara="1" rIns="91425" wrap="square" tIns="91425">
             <a:normAutofit/>
           </a:bodyPr>
           <a:lstStyle/>
           <a:p>
-            <a:pPr marL="0" lvl="0" indent="0" algn="l" rtl="0">
+            <a:pPr indent="0" lvl="0" marL="0" rtl="0" algn="l">
               <a:spcBef>
                 <a:spcPts val="0"/>
               </a:spcBef>
@@ -8874,12 +9535,10 @@
       </p:sp>
       <p:sp>
         <p:nvSpPr>
-          <p:cNvPr id="89" name="Google Shape;89;p17"/>
-          <p:cNvSpPr txBox="1">
-            <a:spLocks noGrp="1"/>
-          </p:cNvSpPr>
+          <p:cNvPr id="94" name="Google Shape;94;p18"/>
+          <p:cNvSpPr txBox="1"/>
           <p:nvPr>
-            <p:ph type="body" idx="1"/>
+            <p:ph idx="1" type="body"/>
           </p:nvPr>
         </p:nvSpPr>
         <p:spPr>
@@ -8892,12 +9551,12 @@
           </a:prstGeom>
         </p:spPr>
         <p:txBody>
-          <a:bodyPr spcFirstLastPara="1" wrap="square" lIns="91425" tIns="91425" rIns="91425" bIns="91425" anchor="t" anchorCtr="0">
+          <a:bodyPr anchorCtr="0" anchor="t" bIns="91425" lIns="91425" spcFirstLastPara="1" rIns="91425" wrap="square" tIns="91425">
             <a:normAutofit/>
           </a:bodyPr>
           <a:lstStyle/>
           <a:p>
-            <a:pPr marL="0" lvl="0" indent="0" algn="l" rtl="0">
+            <a:pPr indent="0" lvl="0" marL="0" rtl="0" algn="l">
               <a:spcBef>
                 <a:spcPts val="0"/>
               </a:spcBef>
@@ -8928,7 +9587,7 @@
       </p:sp>
       <p:pic>
         <p:nvPicPr>
-          <p:cNvPr id="90" name="Google Shape;90;p17"/>
+          <p:cNvPr id="95" name="Google Shape;95;p18"/>
           <p:cNvPicPr preferRelativeResize="0"/>
           <p:nvPr/>
         </p:nvPicPr>
@@ -8962,12 +9621,12 @@
 </p:sld>
 </file>
 
-<file path=ppt/slides/slide6.xml><?xml version="1.0" encoding="utf-8"?>
-<p:sld xmlns:a="http://schemas.openxmlformats.org/drawingml/2006/main" xmlns:r="http://schemas.openxmlformats.org/officeDocument/2006/relationships" xmlns:p="http://schemas.openxmlformats.org/presentationml/2006/main">
+<file path=ppt/slides/slide7.xml><?xml version="1.0" encoding="utf-8"?>
+<p:sld xmlns:a="http://schemas.openxmlformats.org/drawingml/2006/main" xmlns:r="http://schemas.openxmlformats.org/officeDocument/2006/relationships" xmlns:mc="http://schemas.openxmlformats.org/markup-compatibility/2006" xmlns:mv="urn:schemas-microsoft-com:mac:vml" xmlns:p="http://schemas.openxmlformats.org/presentationml/2006/main" xmlns:c="http://schemas.openxmlformats.org/drawingml/2006/chart" xmlns:dgm="http://schemas.openxmlformats.org/drawingml/2006/diagram" xmlns:o="urn:schemas-microsoft-com:office:office" xmlns:v="urn:schemas-microsoft-com:vml" xmlns:pvml="urn:schemas-microsoft-com:office:powerpoint" xmlns:com="http://schemas.openxmlformats.org/drawingml/2006/compatibility" xmlns:p14="http://schemas.microsoft.com/office/powerpoint/2010/main" xmlns:p15="http://schemas.microsoft.com/office/powerpoint/2012/main" xmlns:ahyp="http://schemas.microsoft.com/office/drawing/2018/hyperlinkcolor">
   <p:cSld>
     <p:spTree>
       <p:nvGrpSpPr>
-        <p:cNvPr id="1" name="Shape 94"/>
+        <p:cNvPr id="99" name="Shape 99"/>
         <p:cNvGrpSpPr/>
         <p:nvPr/>
       </p:nvGrpSpPr>
@@ -8981,10 +9640,8 @@
       </p:grpSpPr>
       <p:sp>
         <p:nvSpPr>
-          <p:cNvPr id="95" name="Google Shape;95;p18"/>
-          <p:cNvSpPr txBox="1">
-            <a:spLocks noGrp="1"/>
-          </p:cNvSpPr>
+          <p:cNvPr id="100" name="Google Shape;100;p19"/>
+          <p:cNvSpPr txBox="1"/>
           <p:nvPr>
             <p:ph type="title"/>
           </p:nvPr>
@@ -8999,12 +9656,12 @@
           </a:prstGeom>
         </p:spPr>
         <p:txBody>
-          <a:bodyPr spcFirstLastPara="1" wrap="square" lIns="91425" tIns="91425" rIns="91425" bIns="91425" anchor="t" anchorCtr="0">
+          <a:bodyPr anchorCtr="0" anchor="t" bIns="91425" lIns="91425" spcFirstLastPara="1" rIns="91425" wrap="square" tIns="91425">
             <a:normAutofit/>
           </a:bodyPr>
           <a:lstStyle/>
           <a:p>
-            <a:pPr marL="0" lvl="0" indent="0" algn="l" rtl="0">
+            <a:pPr indent="0" lvl="0" marL="0" rtl="0" algn="l">
               <a:spcBef>
                 <a:spcPts val="0"/>
               </a:spcBef>
@@ -9023,12 +9680,10 @@
       </p:sp>
       <p:sp>
         <p:nvSpPr>
-          <p:cNvPr id="96" name="Google Shape;96;p18"/>
-          <p:cNvSpPr txBox="1">
-            <a:spLocks noGrp="1"/>
-          </p:cNvSpPr>
+          <p:cNvPr id="101" name="Google Shape;101;p19"/>
+          <p:cNvSpPr txBox="1"/>
           <p:nvPr>
-            <p:ph type="body" idx="1"/>
+            <p:ph idx="1" type="body"/>
           </p:nvPr>
         </p:nvSpPr>
         <p:spPr>
@@ -9041,12 +9696,12 @@
           </a:prstGeom>
         </p:spPr>
         <p:txBody>
-          <a:bodyPr spcFirstLastPara="1" wrap="square" lIns="91425" tIns="91425" rIns="91425" bIns="91425" anchor="t" anchorCtr="0">
+          <a:bodyPr anchorCtr="0" anchor="t" bIns="91425" lIns="91425" spcFirstLastPara="1" rIns="91425" wrap="square" tIns="91425">
             <a:normAutofit/>
           </a:bodyPr>
           <a:lstStyle/>
           <a:p>
-            <a:pPr marL="0" lvl="0" indent="0" algn="l" rtl="0">
+            <a:pPr indent="0" lvl="0" marL="0" rtl="0" algn="l">
               <a:spcBef>
                 <a:spcPts val="0"/>
               </a:spcBef>
@@ -9077,7 +9732,7 @@
       </p:sp>
       <p:pic>
         <p:nvPicPr>
-          <p:cNvPr id="97" name="Google Shape;97;p18"/>
+          <p:cNvPr id="102" name="Google Shape;102;p19"/>
           <p:cNvPicPr preferRelativeResize="0"/>
           <p:nvPr/>
         </p:nvPicPr>
@@ -9111,12 +9766,12 @@
 </p:sld>
 </file>
 
-<file path=ppt/slides/slide7.xml><?xml version="1.0" encoding="utf-8"?>
-<p:sld xmlns:a="http://schemas.openxmlformats.org/drawingml/2006/main" xmlns:r="http://schemas.openxmlformats.org/officeDocument/2006/relationships" xmlns:p="http://schemas.openxmlformats.org/presentationml/2006/main">
+<file path=ppt/slides/slide8.xml><?xml version="1.0" encoding="utf-8"?>
+<p:sld xmlns:a="http://schemas.openxmlformats.org/drawingml/2006/main" xmlns:r="http://schemas.openxmlformats.org/officeDocument/2006/relationships" xmlns:mc="http://schemas.openxmlformats.org/markup-compatibility/2006" xmlns:mv="urn:schemas-microsoft-com:mac:vml" xmlns:p="http://schemas.openxmlformats.org/presentationml/2006/main" xmlns:c="http://schemas.openxmlformats.org/drawingml/2006/chart" xmlns:dgm="http://schemas.openxmlformats.org/drawingml/2006/diagram" xmlns:o="urn:schemas-microsoft-com:office:office" xmlns:v="urn:schemas-microsoft-com:vml" xmlns:pvml="urn:schemas-microsoft-com:office:powerpoint" xmlns:com="http://schemas.openxmlformats.org/drawingml/2006/compatibility" xmlns:p14="http://schemas.microsoft.com/office/powerpoint/2010/main" xmlns:p15="http://schemas.microsoft.com/office/powerpoint/2012/main" xmlns:ahyp="http://schemas.microsoft.com/office/drawing/2018/hyperlinkcolor">
   <p:cSld>
     <p:spTree>
       <p:nvGrpSpPr>
-        <p:cNvPr id="1" name="Shape 101"/>
+        <p:cNvPr id="106" name="Shape 106"/>
         <p:cNvGrpSpPr/>
         <p:nvPr/>
       </p:nvGrpSpPr>
@@ -9130,10 +9785,8 @@
       </p:grpSpPr>
       <p:sp>
         <p:nvSpPr>
-          <p:cNvPr id="102" name="Google Shape;102;p19"/>
-          <p:cNvSpPr txBox="1">
-            <a:spLocks noGrp="1"/>
-          </p:cNvSpPr>
+          <p:cNvPr id="107" name="Google Shape;107;p20"/>
+          <p:cNvSpPr txBox="1"/>
           <p:nvPr>
             <p:ph type="title"/>
           </p:nvPr>
@@ -9148,12 +9801,12 @@
           </a:prstGeom>
         </p:spPr>
         <p:txBody>
-          <a:bodyPr spcFirstLastPara="1" wrap="square" lIns="91425" tIns="91425" rIns="91425" bIns="91425" anchor="t" anchorCtr="0">
+          <a:bodyPr anchorCtr="0" anchor="t" bIns="91425" lIns="91425" spcFirstLastPara="1" rIns="91425" wrap="square" tIns="91425">
             <a:normAutofit/>
           </a:bodyPr>
           <a:lstStyle/>
           <a:p>
-            <a:pPr marL="0" lvl="0" indent="0" algn="l" rtl="0">
+            <a:pPr indent="0" lvl="0" marL="0" rtl="0" algn="l">
               <a:spcBef>
                 <a:spcPts val="0"/>
               </a:spcBef>
@@ -9172,12 +9825,10 @@
       </p:sp>
       <p:sp>
         <p:nvSpPr>
-          <p:cNvPr id="103" name="Google Shape;103;p19"/>
-          <p:cNvSpPr txBox="1">
-            <a:spLocks noGrp="1"/>
-          </p:cNvSpPr>
+          <p:cNvPr id="108" name="Google Shape;108;p20"/>
+          <p:cNvSpPr txBox="1"/>
           <p:nvPr>
-            <p:ph type="body" idx="1"/>
+            <p:ph idx="1" type="body"/>
           </p:nvPr>
         </p:nvSpPr>
         <p:spPr>
@@ -9190,12 +9841,12 @@
           </a:prstGeom>
         </p:spPr>
         <p:txBody>
-          <a:bodyPr spcFirstLastPara="1" wrap="square" lIns="91425" tIns="91425" rIns="91425" bIns="91425" anchor="t" anchorCtr="0">
+          <a:bodyPr anchorCtr="0" anchor="t" bIns="91425" lIns="91425" spcFirstLastPara="1" rIns="91425" wrap="square" tIns="91425">
             <a:normAutofit/>
           </a:bodyPr>
           <a:lstStyle/>
           <a:p>
-            <a:pPr marL="0" lvl="0" indent="0" algn="l" rtl="0">
+            <a:pPr indent="0" lvl="0" marL="0" rtl="0" algn="l">
               <a:spcBef>
                 <a:spcPts val="0"/>
               </a:spcBef>
@@ -9226,7 +9877,7 @@
       </p:sp>
       <p:pic>
         <p:nvPicPr>
-          <p:cNvPr id="104" name="Google Shape;104;p19"/>
+          <p:cNvPr id="109" name="Google Shape;109;p20"/>
           <p:cNvPicPr preferRelativeResize="0"/>
           <p:nvPr/>
         </p:nvPicPr>
@@ -9260,12 +9911,12 @@
 </p:sld>
 </file>
 
-<file path=ppt/slides/slide8.xml><?xml version="1.0" encoding="utf-8"?>
-<p:sld xmlns:a="http://schemas.openxmlformats.org/drawingml/2006/main" xmlns:r="http://schemas.openxmlformats.org/officeDocument/2006/relationships" xmlns:p="http://schemas.openxmlformats.org/presentationml/2006/main">
+<file path=ppt/slides/slide9.xml><?xml version="1.0" encoding="utf-8"?>
+<p:sld xmlns:a="http://schemas.openxmlformats.org/drawingml/2006/main" xmlns:r="http://schemas.openxmlformats.org/officeDocument/2006/relationships" xmlns:mc="http://schemas.openxmlformats.org/markup-compatibility/2006" xmlns:mv="urn:schemas-microsoft-com:mac:vml" xmlns:p="http://schemas.openxmlformats.org/presentationml/2006/main" xmlns:c="http://schemas.openxmlformats.org/drawingml/2006/chart" xmlns:dgm="http://schemas.openxmlformats.org/drawingml/2006/diagram" xmlns:o="urn:schemas-microsoft-com:office:office" xmlns:v="urn:schemas-microsoft-com:vml" xmlns:pvml="urn:schemas-microsoft-com:office:powerpoint" xmlns:com="http://schemas.openxmlformats.org/drawingml/2006/compatibility" xmlns:p14="http://schemas.microsoft.com/office/powerpoint/2010/main" xmlns:p15="http://schemas.microsoft.com/office/powerpoint/2012/main" xmlns:ahyp="http://schemas.microsoft.com/office/drawing/2018/hyperlinkcolor">
   <p:cSld>
     <p:spTree>
       <p:nvGrpSpPr>
-        <p:cNvPr id="1" name="Shape 108"/>
+        <p:cNvPr id="113" name="Shape 113"/>
         <p:cNvGrpSpPr/>
         <p:nvPr/>
       </p:nvGrpSpPr>
@@ -9279,10 +9930,8 @@
       </p:grpSpPr>
       <p:sp>
         <p:nvSpPr>
-          <p:cNvPr id="109" name="Google Shape;109;p20"/>
-          <p:cNvSpPr txBox="1">
-            <a:spLocks noGrp="1"/>
-          </p:cNvSpPr>
+          <p:cNvPr id="114" name="Google Shape;114;p21"/>
+          <p:cNvSpPr txBox="1"/>
           <p:nvPr>
             <p:ph type="title"/>
           </p:nvPr>
@@ -9297,12 +9946,12 @@
           </a:prstGeom>
         </p:spPr>
         <p:txBody>
-          <a:bodyPr spcFirstLastPara="1" wrap="square" lIns="91425" tIns="91425" rIns="91425" bIns="91425" anchor="t" anchorCtr="0">
+          <a:bodyPr anchorCtr="0" anchor="t" bIns="91425" lIns="91425" spcFirstLastPara="1" rIns="91425" wrap="square" tIns="91425">
             <a:normAutofit/>
           </a:bodyPr>
           <a:lstStyle/>
           <a:p>
-            <a:pPr marL="0" lvl="0" indent="0" algn="l" rtl="0">
+            <a:pPr indent="0" lvl="0" marL="0" rtl="0" algn="l">
               <a:spcBef>
                 <a:spcPts val="0"/>
               </a:spcBef>
@@ -9321,12 +9970,10 @@
       </p:sp>
       <p:sp>
         <p:nvSpPr>
-          <p:cNvPr id="110" name="Google Shape;110;p20"/>
-          <p:cNvSpPr txBox="1">
-            <a:spLocks noGrp="1"/>
-          </p:cNvSpPr>
+          <p:cNvPr id="115" name="Google Shape;115;p21"/>
+          <p:cNvSpPr txBox="1"/>
           <p:nvPr>
-            <p:ph type="body" idx="1"/>
+            <p:ph idx="1" type="body"/>
           </p:nvPr>
         </p:nvSpPr>
         <p:spPr>
@@ -9339,12 +9986,12 @@
           </a:prstGeom>
         </p:spPr>
         <p:txBody>
-          <a:bodyPr spcFirstLastPara="1" wrap="square" lIns="91425" tIns="91425" rIns="91425" bIns="91425" anchor="t" anchorCtr="0">
+          <a:bodyPr anchorCtr="0" anchor="t" bIns="91425" lIns="91425" spcFirstLastPara="1" rIns="91425" wrap="square" tIns="91425">
             <a:normAutofit/>
           </a:bodyPr>
           <a:lstStyle/>
           <a:p>
-            <a:pPr marL="0" lvl="0" indent="0" algn="l" rtl="0">
+            <a:pPr indent="0" lvl="0" marL="0" rtl="0" algn="l">
               <a:spcBef>
                 <a:spcPts val="0"/>
               </a:spcBef>
@@ -9375,7 +10022,7 @@
       </p:sp>
       <p:pic>
         <p:nvPicPr>
-          <p:cNvPr id="111" name="Google Shape;111;p20"/>
+          <p:cNvPr id="116" name="Google Shape;116;p21"/>
           <p:cNvPicPr preferRelativeResize="0"/>
           <p:nvPr/>
         </p:nvPicPr>
@@ -9409,141 +10056,287 @@
 </p:sld>
 </file>
 
-<file path=ppt/slides/slide9.xml><?xml version="1.0" encoding="utf-8"?>
-<p:sld xmlns:a="http://schemas.openxmlformats.org/drawingml/2006/main" xmlns:r="http://schemas.openxmlformats.org/officeDocument/2006/relationships" xmlns:p="http://schemas.openxmlformats.org/presentationml/2006/main">
-  <p:cSld>
-    <p:spTree>
-      <p:nvGrpSpPr>
-        <p:cNvPr id="1" name="Shape 115"/>
-        <p:cNvGrpSpPr/>
-        <p:nvPr/>
-      </p:nvGrpSpPr>
-      <p:grpSpPr>
-        <a:xfrm>
-          <a:off x="0" y="0"/>
-          <a:ext cx="0" cy="0"/>
-          <a:chOff x="0" y="0"/>
-          <a:chExt cx="0" cy="0"/>
-        </a:xfrm>
-      </p:grpSpPr>
-      <p:sp>
-        <p:nvSpPr>
-          <p:cNvPr id="116" name="Google Shape;116;p21"/>
-          <p:cNvSpPr txBox="1">
-            <a:spLocks noGrp="1"/>
-          </p:cNvSpPr>
-          <p:nvPr>
-            <p:ph type="title"/>
-          </p:nvPr>
-        </p:nvSpPr>
-        <p:spPr>
-          <a:xfrm>
-            <a:off x="311725" y="500925"/>
-            <a:ext cx="3706500" cy="2508900"/>
-          </a:xfrm>
-          <a:prstGeom prst="rect">
-            <a:avLst/>
-          </a:prstGeom>
-        </p:spPr>
-        <p:txBody>
-          <a:bodyPr spcFirstLastPara="1" wrap="square" lIns="91425" tIns="91425" rIns="91425" bIns="91425" anchor="t" anchorCtr="0">
-            <a:normAutofit/>
-          </a:bodyPr>
-          <a:lstStyle/>
-          <a:p>
-            <a:pPr marL="0" lvl="0" indent="0" algn="l" rtl="0">
-              <a:spcBef>
-                <a:spcPts val="0"/>
-              </a:spcBef>
-              <a:spcAft>
-                <a:spcPts val="0"/>
-              </a:spcAft>
-              <a:buNone/>
-            </a:pPr>
-            <a:r>
-              <a:rPr lang="es"/>
-              <a:t>TAREAS DEFINIDAS</a:t>
-            </a:r>
-            <a:endParaRPr/>
-          </a:p>
-        </p:txBody>
-      </p:sp>
-      <p:sp>
-        <p:nvSpPr>
-          <p:cNvPr id="117" name="Google Shape;117;p21"/>
-          <p:cNvSpPr txBox="1">
-            <a:spLocks noGrp="1"/>
-          </p:cNvSpPr>
-          <p:nvPr>
-            <p:ph type="body" idx="1"/>
-          </p:nvPr>
-        </p:nvSpPr>
-        <p:spPr>
-          <a:xfrm>
-            <a:off x="4644675" y="500925"/>
-            <a:ext cx="4166400" cy="4098600"/>
-          </a:xfrm>
-          <a:prstGeom prst="rect">
-            <a:avLst/>
-          </a:prstGeom>
-        </p:spPr>
-        <p:txBody>
-          <a:bodyPr spcFirstLastPara="1" wrap="square" lIns="91425" tIns="91425" rIns="91425" bIns="91425" anchor="t" anchorCtr="0">
-            <a:normAutofit/>
-          </a:bodyPr>
-          <a:lstStyle/>
-          <a:p>
-            <a:pPr marL="0" lvl="0" indent="0" algn="l" rtl="0">
-              <a:spcBef>
-                <a:spcPts val="0"/>
-              </a:spcBef>
-              <a:spcAft>
-                <a:spcPts val="1200"/>
-              </a:spcAft>
-              <a:buNone/>
-            </a:pPr>
-            <a:endParaRPr/>
-          </a:p>
-        </p:txBody>
-      </p:sp>
-      <p:pic>
-        <p:nvPicPr>
-          <p:cNvPr id="118" name="Google Shape;118;p21"/>
-          <p:cNvPicPr preferRelativeResize="0"/>
-          <p:nvPr/>
-        </p:nvPicPr>
-        <p:blipFill>
-          <a:blip r:embed="rId3">
-            <a:alphaModFix/>
-          </a:blip>
-          <a:stretch>
-            <a:fillRect/>
-          </a:stretch>
-        </p:blipFill>
-        <p:spPr>
-          <a:xfrm>
-            <a:off x="4490125" y="1107525"/>
-            <a:ext cx="4588864" cy="2508900"/>
-          </a:xfrm>
-          <a:prstGeom prst="rect">
-            <a:avLst/>
-          </a:prstGeom>
-          <a:noFill/>
-          <a:ln>
-            <a:noFill/>
-          </a:ln>
-        </p:spPr>
-      </p:pic>
-    </p:spTree>
-  </p:cSld>
-  <p:clrMapOvr>
-    <a:masterClrMapping/>
-  </p:clrMapOvr>
-</p:sld>
+<file path=ppt/theme/theme1.xml><?xml version="1.0" encoding="utf-8"?>
+<a:theme xmlns:a="http://schemas.openxmlformats.org/drawingml/2006/main" xmlns:r="http://schemas.openxmlformats.org/officeDocument/2006/relationships">
+  <a:themeElements>
+    <a:clrScheme name="Default">
+      <a:dk1>
+        <a:srgbClr val="000000"/>
+      </a:dk1>
+      <a:lt1>
+        <a:srgbClr val="FFFFFF"/>
+      </a:lt1>
+      <a:dk2>
+        <a:srgbClr val="158158"/>
+      </a:dk2>
+      <a:lt2>
+        <a:srgbClr val="F3F3F3"/>
+      </a:lt2>
+      <a:accent1>
+        <a:srgbClr val="058DC7"/>
+      </a:accent1>
+      <a:accent2>
+        <a:srgbClr val="50B432"/>
+      </a:accent2>
+      <a:accent3>
+        <a:srgbClr val="ED561B"/>
+      </a:accent3>
+      <a:accent4>
+        <a:srgbClr val="EDEF00"/>
+      </a:accent4>
+      <a:accent5>
+        <a:srgbClr val="24CBE5"/>
+      </a:accent5>
+      <a:accent6>
+        <a:srgbClr val="64E572"/>
+      </a:accent6>
+      <a:hlink>
+        <a:srgbClr val="2200CC"/>
+      </a:hlink>
+      <a:folHlink>
+        <a:srgbClr val="551A8B"/>
+      </a:folHlink>
+    </a:clrScheme>
+    <a:fontScheme name="Office">
+      <a:majorFont>
+        <a:latin typeface="Arial"/>
+        <a:ea typeface=""/>
+        <a:cs typeface=""/>
+        <a:font script="Jpan" typeface="ＭＳ Ｐゴシック"/>
+        <a:font script="Hang" typeface="맑은 고딕"/>
+        <a:font script="Hans" typeface="宋体"/>
+        <a:font script="Hant" typeface="新細明體"/>
+        <a:font script="Arab" typeface="Times New Roman"/>
+        <a:font script="Hebr" typeface="Times New Roman"/>
+        <a:font script="Thai" typeface="Angsana New"/>
+        <a:font script="Ethi" typeface="Nyala"/>
+        <a:font script="Beng" typeface="Vrinda"/>
+        <a:font script="Gujr" typeface="Shruti"/>
+        <a:font script="Khmr" typeface="MoolBoran"/>
+        <a:font script="Knda" typeface="Tunga"/>
+        <a:font script="Guru" typeface="Raavi"/>
+        <a:font script="Cans" typeface="Euphemia"/>
+        <a:font script="Cher" typeface="Plantagenet Cherokee"/>
+        <a:font script="Yiii" typeface="Microsoft Yi Baiti"/>
+        <a:font script="Tibt" typeface="Microsoft Himalaya"/>
+        <a:font script="Thaa" typeface="MV Boli"/>
+        <a:font script="Deva" typeface="Mangal"/>
+        <a:font script="Telu" typeface="Gautami"/>
+        <a:font script="Taml" typeface="Latha"/>
+        <a:font script="Syrc" typeface="Estrangelo Edessa"/>
+        <a:font script="Orya" typeface="Kalinga"/>
+        <a:font script="Mlym" typeface="Kartika"/>
+        <a:font script="Laoo" typeface="DokChampa"/>
+        <a:font script="Sinh" typeface="Iskoola Pota"/>
+        <a:font script="Mong" typeface="Mongolian Baiti"/>
+        <a:font script="Viet" typeface="Times New Roman"/>
+        <a:font script="Uigh" typeface="Microsoft Uighur"/>
+        <a:font script="Geor" typeface="Sylfaen"/>
+      </a:majorFont>
+      <a:minorFont>
+        <a:latin typeface="Arial"/>
+        <a:ea typeface=""/>
+        <a:cs typeface=""/>
+        <a:font script="Jpan" typeface="ＭＳ Ｐゴシック"/>
+        <a:font script="Hang" typeface="맑은 고딕"/>
+        <a:font script="Hans" typeface="宋体"/>
+        <a:font script="Hant" typeface="新細明體"/>
+        <a:font script="Arab" typeface="Arial"/>
+        <a:font script="Hebr" typeface="Arial"/>
+        <a:font script="Thai" typeface="Cordia New"/>
+        <a:font script="Ethi" typeface="Nyala"/>
+        <a:font script="Beng" typeface="Vrinda"/>
+        <a:font script="Gujr" typeface="Shruti"/>
+        <a:font script="Khmr" typeface="DaunPenh"/>
+        <a:font script="Knda" typeface="Tunga"/>
+        <a:font script="Guru" typeface="Raavi"/>
+        <a:font script="Cans" typeface="Euphemia"/>
+        <a:font script="Cher" typeface="Plantagenet Cherokee"/>
+        <a:font script="Yiii" typeface="Microsoft Yi Baiti"/>
+        <a:font script="Tibt" typeface="Microsoft Himalaya"/>
+        <a:font script="Thaa" typeface="MV Boli"/>
+        <a:font script="Deva" typeface="Mangal"/>
+        <a:font script="Telu" typeface="Gautami"/>
+        <a:font script="Taml" typeface="Latha"/>
+        <a:font script="Syrc" typeface="Estrangelo Edessa"/>
+        <a:font script="Orya" typeface="Kalinga"/>
+        <a:font script="Mlym" typeface="Kartika"/>
+        <a:font script="Laoo" typeface="DokChampa"/>
+        <a:font script="Sinh" typeface="Iskoola Pota"/>
+        <a:font script="Mong" typeface="Mongolian Baiti"/>
+        <a:font script="Viet" typeface="Arial"/>
+        <a:font script="Uigh" typeface="Microsoft Uighur"/>
+        <a:font script="Geor" typeface="Sylfaen"/>
+      </a:minorFont>
+    </a:fontScheme>
+    <a:fmtScheme name="Office">
+      <a:fillStyleLst>
+        <a:solidFill>
+          <a:schemeClr val="phClr"/>
+        </a:solidFill>
+        <a:gradFill rotWithShape="1">
+          <a:gsLst>
+            <a:gs pos="0">
+              <a:schemeClr val="phClr">
+                <a:tint val="50000"/>
+                <a:satMod val="300000"/>
+              </a:schemeClr>
+            </a:gs>
+            <a:gs pos="35000">
+              <a:schemeClr val="phClr">
+                <a:tint val="37000"/>
+                <a:satMod val="300000"/>
+              </a:schemeClr>
+            </a:gs>
+            <a:gs pos="100000">
+              <a:schemeClr val="phClr">
+                <a:tint val="15000"/>
+                <a:satMod val="350000"/>
+              </a:schemeClr>
+            </a:gs>
+          </a:gsLst>
+          <a:lin ang="16200000" scaled="1"/>
+        </a:gradFill>
+        <a:gradFill rotWithShape="1">
+          <a:gsLst>
+            <a:gs pos="0">
+              <a:schemeClr val="phClr">
+                <a:tint val="100000"/>
+                <a:shade val="100000"/>
+                <a:satMod val="130000"/>
+              </a:schemeClr>
+            </a:gs>
+            <a:gs pos="100000">
+              <a:schemeClr val="phClr">
+                <a:tint val="50000"/>
+                <a:shade val="100000"/>
+                <a:satMod val="350000"/>
+              </a:schemeClr>
+            </a:gs>
+          </a:gsLst>
+          <a:lin ang="16200000" scaled="0"/>
+        </a:gradFill>
+      </a:fillStyleLst>
+      <a:lnStyleLst>
+        <a:ln w="9525" cap="flat" cmpd="sng" algn="ctr">
+          <a:solidFill>
+            <a:schemeClr val="phClr">
+              <a:shade val="95000"/>
+              <a:satMod val="105000"/>
+            </a:schemeClr>
+          </a:solidFill>
+          <a:prstDash val="solid"/>
+        </a:ln>
+        <a:ln w="25400" cap="flat" cmpd="sng" algn="ctr">
+          <a:solidFill>
+            <a:schemeClr val="phClr"/>
+          </a:solidFill>
+          <a:prstDash val="solid"/>
+        </a:ln>
+        <a:ln w="38100" cap="flat" cmpd="sng" algn="ctr">
+          <a:solidFill>
+            <a:schemeClr val="phClr"/>
+          </a:solidFill>
+          <a:prstDash val="solid"/>
+        </a:ln>
+      </a:lnStyleLst>
+      <a:effectStyleLst>
+        <a:effectStyle>
+          <a:effectLst>
+            <a:outerShdw blurRad="40000" dist="20000" dir="5400000" rotWithShape="0">
+              <a:srgbClr val="000000">
+                <a:alpha val="38000"/>
+              </a:srgbClr>
+            </a:outerShdw>
+          </a:effectLst>
+        </a:effectStyle>
+        <a:effectStyle>
+          <a:effectLst>
+            <a:outerShdw blurRad="40000" dist="23000" dir="5400000" rotWithShape="0">
+              <a:srgbClr val="000000">
+                <a:alpha val="35000"/>
+              </a:srgbClr>
+            </a:outerShdw>
+          </a:effectLst>
+        </a:effectStyle>
+        <a:effectStyle>
+          <a:effectLst>
+            <a:outerShdw blurRad="40000" dist="23000" dir="5400000" rotWithShape="0">
+              <a:srgbClr val="000000">
+                <a:alpha val="35000"/>
+              </a:srgbClr>
+            </a:outerShdw>
+          </a:effectLst>
+          <a:scene3d>
+            <a:camera prst="orthographicFront">
+              <a:rot lat="0" lon="0" rev="0"/>
+            </a:camera>
+            <a:lightRig rig="threePt" dir="t">
+              <a:rot lat="0" lon="0" rev="1200000"/>
+            </a:lightRig>
+          </a:scene3d>
+          <a:sp3d>
+            <a:bevelT w="63500" h="25400"/>
+          </a:sp3d>
+        </a:effectStyle>
+      </a:effectStyleLst>
+      <a:bgFillStyleLst>
+        <a:solidFill>
+          <a:schemeClr val="phClr"/>
+        </a:solidFill>
+        <a:gradFill rotWithShape="1">
+          <a:gsLst>
+            <a:gs pos="0">
+              <a:schemeClr val="phClr">
+                <a:tint val="40000"/>
+                <a:satMod val="350000"/>
+              </a:schemeClr>
+            </a:gs>
+            <a:gs pos="40000">
+              <a:schemeClr val="phClr">
+                <a:tint val="45000"/>
+                <a:shade val="99000"/>
+                <a:satMod val="350000"/>
+              </a:schemeClr>
+            </a:gs>
+            <a:gs pos="100000">
+              <a:schemeClr val="phClr">
+                <a:shade val="20000"/>
+                <a:satMod val="255000"/>
+              </a:schemeClr>
+            </a:gs>
+          </a:gsLst>
+          <a:path path="circle">
+            <a:fillToRect l="50000" t="-80000" r="50000" b="180000"/>
+          </a:path>
+        </a:gradFill>
+        <a:gradFill rotWithShape="1">
+          <a:gsLst>
+            <a:gs pos="0">
+              <a:schemeClr val="phClr">
+                <a:tint val="80000"/>
+                <a:satMod val="300000"/>
+              </a:schemeClr>
+            </a:gs>
+            <a:gs pos="100000">
+              <a:schemeClr val="phClr">
+                <a:shade val="30000"/>
+                <a:satMod val="200000"/>
+              </a:schemeClr>
+            </a:gs>
+          </a:gsLst>
+          <a:path path="circle">
+            <a:fillToRect l="50000" t="50000" r="50000" b="50000"/>
+          </a:path>
+        </a:gradFill>
+      </a:bgFillStyleLst>
+    </a:fmtScheme>
+  </a:themeElements>
+</a:theme>
 </file>
 
-<file path=ppt/theme/theme1.xml><?xml version="1.0" encoding="utf-8"?>
-<a:theme xmlns:a="http://schemas.openxmlformats.org/drawingml/2006/main" name="Paradigm">
+<file path=ppt/theme/theme2.xml><?xml version="1.0" encoding="utf-8"?>
+<a:theme xmlns:a="http://schemas.openxmlformats.org/drawingml/2006/main" xmlns:r="http://schemas.openxmlformats.org/officeDocument/2006/relationships" name="Paradigm">
   <a:themeElements>
     <a:clrScheme name="Paradigm">
       <a:dk1>
@@ -9818,288 +10611,5 @@
       </a:bgFillStyleLst>
     </a:fmtScheme>
   </a:themeElements>
-  <a:objectDefaults/>
-  <a:extraClrSchemeLst/>
-</a:theme>
-</file>
-
-<file path=ppt/theme/theme2.xml><?xml version="1.0" encoding="utf-8"?>
-<a:theme xmlns:a="http://schemas.openxmlformats.org/drawingml/2006/main">
-  <a:themeElements>
-    <a:clrScheme name="Default">
-      <a:dk1>
-        <a:srgbClr val="000000"/>
-      </a:dk1>
-      <a:lt1>
-        <a:srgbClr val="FFFFFF"/>
-      </a:lt1>
-      <a:dk2>
-        <a:srgbClr val="158158"/>
-      </a:dk2>
-      <a:lt2>
-        <a:srgbClr val="F3F3F3"/>
-      </a:lt2>
-      <a:accent1>
-        <a:srgbClr val="058DC7"/>
-      </a:accent1>
-      <a:accent2>
-        <a:srgbClr val="50B432"/>
-      </a:accent2>
-      <a:accent3>
-        <a:srgbClr val="ED561B"/>
-      </a:accent3>
-      <a:accent4>
-        <a:srgbClr val="EDEF00"/>
-      </a:accent4>
-      <a:accent5>
-        <a:srgbClr val="24CBE5"/>
-      </a:accent5>
-      <a:accent6>
-        <a:srgbClr val="64E572"/>
-      </a:accent6>
-      <a:hlink>
-        <a:srgbClr val="2200CC"/>
-      </a:hlink>
-      <a:folHlink>
-        <a:srgbClr val="551A8B"/>
-      </a:folHlink>
-    </a:clrScheme>
-    <a:fontScheme name="Office">
-      <a:majorFont>
-        <a:latin typeface="Arial"/>
-        <a:ea typeface=""/>
-        <a:cs typeface=""/>
-        <a:font script="Jpan" typeface="ＭＳ Ｐゴシック"/>
-        <a:font script="Hang" typeface="맑은 고딕"/>
-        <a:font script="Hans" typeface="宋体"/>
-        <a:font script="Hant" typeface="新細明體"/>
-        <a:font script="Arab" typeface="Times New Roman"/>
-        <a:font script="Hebr" typeface="Times New Roman"/>
-        <a:font script="Thai" typeface="Angsana New"/>
-        <a:font script="Ethi" typeface="Nyala"/>
-        <a:font script="Beng" typeface="Vrinda"/>
-        <a:font script="Gujr" typeface="Shruti"/>
-        <a:font script="Khmr" typeface="MoolBoran"/>
-        <a:font script="Knda" typeface="Tunga"/>
-        <a:font script="Guru" typeface="Raavi"/>
-        <a:font script="Cans" typeface="Euphemia"/>
-        <a:font script="Cher" typeface="Plantagenet Cherokee"/>
-        <a:font script="Yiii" typeface="Microsoft Yi Baiti"/>
-        <a:font script="Tibt" typeface="Microsoft Himalaya"/>
-        <a:font script="Thaa" typeface="MV Boli"/>
-        <a:font script="Deva" typeface="Mangal"/>
-        <a:font script="Telu" typeface="Gautami"/>
-        <a:font script="Taml" typeface="Latha"/>
-        <a:font script="Syrc" typeface="Estrangelo Edessa"/>
-        <a:font script="Orya" typeface="Kalinga"/>
-        <a:font script="Mlym" typeface="Kartika"/>
-        <a:font script="Laoo" typeface="DokChampa"/>
-        <a:font script="Sinh" typeface="Iskoola Pota"/>
-        <a:font script="Mong" typeface="Mongolian Baiti"/>
-        <a:font script="Viet" typeface="Times New Roman"/>
-        <a:font script="Uigh" typeface="Microsoft Uighur"/>
-        <a:font script="Geor" typeface="Sylfaen"/>
-      </a:majorFont>
-      <a:minorFont>
-        <a:latin typeface="Arial"/>
-        <a:ea typeface=""/>
-        <a:cs typeface=""/>
-        <a:font script="Jpan" typeface="ＭＳ Ｐゴシック"/>
-        <a:font script="Hang" typeface="맑은 고딕"/>
-        <a:font script="Hans" typeface="宋体"/>
-        <a:font script="Hant" typeface="新細明體"/>
-        <a:font script="Arab" typeface="Arial"/>
-        <a:font script="Hebr" typeface="Arial"/>
-        <a:font script="Thai" typeface="Cordia New"/>
-        <a:font script="Ethi" typeface="Nyala"/>
-        <a:font script="Beng" typeface="Vrinda"/>
-        <a:font script="Gujr" typeface="Shruti"/>
-        <a:font script="Khmr" typeface="DaunPenh"/>
-        <a:font script="Knda" typeface="Tunga"/>
-        <a:font script="Guru" typeface="Raavi"/>
-        <a:font script="Cans" typeface="Euphemia"/>
-        <a:font script="Cher" typeface="Plantagenet Cherokee"/>
-        <a:font script="Yiii" typeface="Microsoft Yi Baiti"/>
-        <a:font script="Tibt" typeface="Microsoft Himalaya"/>
-        <a:font script="Thaa" typeface="MV Boli"/>
-        <a:font script="Deva" typeface="Mangal"/>
-        <a:font script="Telu" typeface="Gautami"/>
-        <a:font script="Taml" typeface="Latha"/>
-        <a:font script="Syrc" typeface="Estrangelo Edessa"/>
-        <a:font script="Orya" typeface="Kalinga"/>
-        <a:font script="Mlym" typeface="Kartika"/>
-        <a:font script="Laoo" typeface="DokChampa"/>
-        <a:font script="Sinh" typeface="Iskoola Pota"/>
-        <a:font script="Mong" typeface="Mongolian Baiti"/>
-        <a:font script="Viet" typeface="Arial"/>
-        <a:font script="Uigh" typeface="Microsoft Uighur"/>
-        <a:font script="Geor" typeface="Sylfaen"/>
-      </a:minorFont>
-    </a:fontScheme>
-    <a:fmtScheme name="Office">
-      <a:fillStyleLst>
-        <a:solidFill>
-          <a:schemeClr val="phClr"/>
-        </a:solidFill>
-        <a:gradFill rotWithShape="1">
-          <a:gsLst>
-            <a:gs pos="0">
-              <a:schemeClr val="phClr">
-                <a:tint val="50000"/>
-                <a:satMod val="300000"/>
-              </a:schemeClr>
-            </a:gs>
-            <a:gs pos="35000">
-              <a:schemeClr val="phClr">
-                <a:tint val="37000"/>
-                <a:satMod val="300000"/>
-              </a:schemeClr>
-            </a:gs>
-            <a:gs pos="100000">
-              <a:schemeClr val="phClr">
-                <a:tint val="15000"/>
-                <a:satMod val="350000"/>
-              </a:schemeClr>
-            </a:gs>
-          </a:gsLst>
-          <a:lin ang="16200000" scaled="1"/>
-        </a:gradFill>
-        <a:gradFill rotWithShape="1">
-          <a:gsLst>
-            <a:gs pos="0">
-              <a:schemeClr val="phClr">
-                <a:tint val="100000"/>
-                <a:shade val="100000"/>
-                <a:satMod val="130000"/>
-              </a:schemeClr>
-            </a:gs>
-            <a:gs pos="100000">
-              <a:schemeClr val="phClr">
-                <a:tint val="50000"/>
-                <a:shade val="100000"/>
-                <a:satMod val="350000"/>
-              </a:schemeClr>
-            </a:gs>
-          </a:gsLst>
-          <a:lin ang="16200000" scaled="0"/>
-        </a:gradFill>
-      </a:fillStyleLst>
-      <a:lnStyleLst>
-        <a:ln w="9525" cap="flat" cmpd="sng" algn="ctr">
-          <a:solidFill>
-            <a:schemeClr val="phClr">
-              <a:shade val="95000"/>
-              <a:satMod val="105000"/>
-            </a:schemeClr>
-          </a:solidFill>
-          <a:prstDash val="solid"/>
-        </a:ln>
-        <a:ln w="25400" cap="flat" cmpd="sng" algn="ctr">
-          <a:solidFill>
-            <a:schemeClr val="phClr"/>
-          </a:solidFill>
-          <a:prstDash val="solid"/>
-        </a:ln>
-        <a:ln w="38100" cap="flat" cmpd="sng" algn="ctr">
-          <a:solidFill>
-            <a:schemeClr val="phClr"/>
-          </a:solidFill>
-          <a:prstDash val="solid"/>
-        </a:ln>
-      </a:lnStyleLst>
-      <a:effectStyleLst>
-        <a:effectStyle>
-          <a:effectLst>
-            <a:outerShdw blurRad="40000" dist="20000" dir="5400000" rotWithShape="0">
-              <a:srgbClr val="000000">
-                <a:alpha val="38000"/>
-              </a:srgbClr>
-            </a:outerShdw>
-          </a:effectLst>
-        </a:effectStyle>
-        <a:effectStyle>
-          <a:effectLst>
-            <a:outerShdw blurRad="40000" dist="23000" dir="5400000" rotWithShape="0">
-              <a:srgbClr val="000000">
-                <a:alpha val="35000"/>
-              </a:srgbClr>
-            </a:outerShdw>
-          </a:effectLst>
-        </a:effectStyle>
-        <a:effectStyle>
-          <a:effectLst>
-            <a:outerShdw blurRad="40000" dist="23000" dir="5400000" rotWithShape="0">
-              <a:srgbClr val="000000">
-                <a:alpha val="35000"/>
-              </a:srgbClr>
-            </a:outerShdw>
-          </a:effectLst>
-          <a:scene3d>
-            <a:camera prst="orthographicFront">
-              <a:rot lat="0" lon="0" rev="0"/>
-            </a:camera>
-            <a:lightRig rig="threePt" dir="t">
-              <a:rot lat="0" lon="0" rev="1200000"/>
-            </a:lightRig>
-          </a:scene3d>
-          <a:sp3d>
-            <a:bevelT w="63500" h="25400"/>
-          </a:sp3d>
-        </a:effectStyle>
-      </a:effectStyleLst>
-      <a:bgFillStyleLst>
-        <a:solidFill>
-          <a:schemeClr val="phClr"/>
-        </a:solidFill>
-        <a:gradFill rotWithShape="1">
-          <a:gsLst>
-            <a:gs pos="0">
-              <a:schemeClr val="phClr">
-                <a:tint val="40000"/>
-                <a:satMod val="350000"/>
-              </a:schemeClr>
-            </a:gs>
-            <a:gs pos="40000">
-              <a:schemeClr val="phClr">
-                <a:tint val="45000"/>
-                <a:shade val="99000"/>
-                <a:satMod val="350000"/>
-              </a:schemeClr>
-            </a:gs>
-            <a:gs pos="100000">
-              <a:schemeClr val="phClr">
-                <a:shade val="20000"/>
-                <a:satMod val="255000"/>
-              </a:schemeClr>
-            </a:gs>
-          </a:gsLst>
-          <a:path path="circle">
-            <a:fillToRect l="50000" t="-80000" r="50000" b="180000"/>
-          </a:path>
-        </a:gradFill>
-        <a:gradFill rotWithShape="1">
-          <a:gsLst>
-            <a:gs pos="0">
-              <a:schemeClr val="phClr">
-                <a:tint val="80000"/>
-                <a:satMod val="300000"/>
-              </a:schemeClr>
-            </a:gs>
-            <a:gs pos="100000">
-              <a:schemeClr val="phClr">
-                <a:shade val="30000"/>
-                <a:satMod val="200000"/>
-              </a:schemeClr>
-            </a:gs>
-          </a:gsLst>
-          <a:path path="circle">
-            <a:fillToRect l="50000" t="50000" r="50000" b="50000"/>
-          </a:path>
-        </a:gradFill>
-      </a:bgFillStyleLst>
-    </a:fmtScheme>
-  </a:themeElements>
-  <a:objectDefaults/>
-  <a:extraClrSchemeLst/>
 </a:theme>
 </file>